--- a/01 Classes/Aula10 - CLP - Recomendações Projetos Supervisórios.pptx
+++ b/01 Classes/Aula10 - CLP - Recomendações Projetos Supervisórios.pptx
@@ -4390,7 +4390,7 @@
         </p:spPr>
         <p:txBody>
           <a:bodyPr>
-            <a:normAutofit/>
+            <a:normAutofit fontScale="90000"/>
           </a:bodyPr>
           <a:lstStyle/>
           <a:p>
@@ -4408,7 +4408,23 @@
                   <a:srgbClr val="0070C0"/>
                 </a:solidFill>
               </a:rPr>
-              <a:t>Arquitetura</a:t>
+              <a:t>Recomendações</a:t>
+            </a:r>
+            <a:r>
+              <a:rPr lang="en-US" b="1" dirty="0">
+                <a:solidFill>
+                  <a:srgbClr val="0070C0"/>
+                </a:solidFill>
+              </a:rPr>
+              <a:t> </a:t>
+            </a:r>
+            <a:r>
+              <a:rPr lang="en-US" b="1" dirty="0" err="1">
+                <a:solidFill>
+                  <a:srgbClr val="0070C0"/>
+                </a:solidFill>
+              </a:rPr>
+              <a:t>Supervisórios</a:t>
             </a:r>
             <a:endParaRPr lang="en-US" b="1" dirty="0">
               <a:solidFill>
@@ -4581,7 +4597,7 @@
                 <a:latin typeface="Times New Roman" panose="02020603050405020304" pitchFamily="18" charset="0"/>
                 <a:cs typeface="Times New Roman" panose="02020603050405020304" pitchFamily="18" charset="0"/>
               </a:rPr>
-              <a:t>CLP Arquitetura 1</a:t>
+              <a:t>CLP Recomendações Projetos Supervisórios 1</a:t>
             </a:r>
             <a:r>
               <a:rPr lang="pt-BR" sz="2200" dirty="0">
@@ -4661,7 +4677,7 @@
                 <a:latin typeface="Times New Roman" panose="02020603050405020304" pitchFamily="18" charset="0"/>
                 <a:cs typeface="Times New Roman" panose="02020603050405020304" pitchFamily="18" charset="0"/>
               </a:rPr>
-              <a:t>CLP Arquitetura 2</a:t>
+              <a:t>CLP Recomendações Projetos Supervisórios 2</a:t>
             </a:r>
             <a:r>
               <a:rPr lang="pt-BR" sz="2200" dirty="0">
@@ -4811,7 +4827,7 @@
                 <a:latin typeface="Times New Roman" panose="02020603050405020304" pitchFamily="18" charset="0"/>
                 <a:cs typeface="Times New Roman" panose="02020603050405020304" pitchFamily="18" charset="0"/>
               </a:rPr>
-              <a:t>CLP Arquitetura 1.</a:t>
+              <a:t>CLP Recomendações Projetos Supervisórios 1.</a:t>
             </a:r>
           </a:p>
           <a:p>
@@ -4871,11 +4887,18 @@
               <a:t>[2] </a:t>
             </a:r>
             <a:r>
+              <a:rPr lang="pt-BR" sz="2200" b="1">
+                <a:latin typeface="Times New Roman" panose="02020603050405020304" pitchFamily="18" charset="0"/>
+                <a:cs typeface="Times New Roman" panose="02020603050405020304" pitchFamily="18" charset="0"/>
+              </a:rPr>
+              <a:t>CLP Recomendações Projetos Supervisórios </a:t>
+            </a:r>
+            <a:r>
               <a:rPr lang="pt-BR" sz="2200" b="1" dirty="0">
                 <a:latin typeface="Times New Roman" panose="02020603050405020304" pitchFamily="18" charset="0"/>
                 <a:cs typeface="Times New Roman" panose="02020603050405020304" pitchFamily="18" charset="0"/>
               </a:rPr>
-              <a:t>CLP Arquitetura 2.</a:t>
+              <a:t>2.</a:t>
             </a:r>
           </a:p>
           <a:p>

--- a/01 Classes/Aula10 - CLP - Recomendações Projetos Supervisórios.pptx
+++ b/01 Classes/Aula10 - CLP - Recomendações Projetos Supervisórios.pptx
@@ -5,17 +5,30 @@
     <p:sldMasterId id="2147483648" r:id="rId1"/>
   </p:sldMasterIdLst>
   <p:notesMasterIdLst>
-    <p:notesMasterId r:id="rId10"/>
+    <p:notesMasterId r:id="rId23"/>
   </p:notesMasterIdLst>
   <p:sldIdLst>
     <p:sldId id="256" r:id="rId2"/>
     <p:sldId id="291" r:id="rId3"/>
-    <p:sldId id="354" r:id="rId4"/>
-    <p:sldId id="333" r:id="rId5"/>
-    <p:sldId id="323" r:id="rId6"/>
-    <p:sldId id="360" r:id="rId7"/>
-    <p:sldId id="337" r:id="rId8"/>
-    <p:sldId id="309" r:id="rId9"/>
+    <p:sldId id="373" r:id="rId4"/>
+    <p:sldId id="361" r:id="rId5"/>
+    <p:sldId id="372" r:id="rId6"/>
+    <p:sldId id="354" r:id="rId7"/>
+    <p:sldId id="362" r:id="rId8"/>
+    <p:sldId id="363" r:id="rId9"/>
+    <p:sldId id="364" r:id="rId10"/>
+    <p:sldId id="365" r:id="rId11"/>
+    <p:sldId id="366" r:id="rId12"/>
+    <p:sldId id="367" r:id="rId13"/>
+    <p:sldId id="368" r:id="rId14"/>
+    <p:sldId id="369" r:id="rId15"/>
+    <p:sldId id="370" r:id="rId16"/>
+    <p:sldId id="371" r:id="rId17"/>
+    <p:sldId id="333" r:id="rId18"/>
+    <p:sldId id="323" r:id="rId19"/>
+    <p:sldId id="360" r:id="rId20"/>
+    <p:sldId id="337" r:id="rId21"/>
+    <p:sldId id="309" r:id="rId22"/>
   </p:sldIdLst>
   <p:sldSz cx="9144000" cy="5143500" type="screen16x9"/>
   <p:notesSz cx="6858000" cy="9144000"/>
@@ -562,7 +575,1045 @@
 </p:notes>
 </file>
 
+<file path=ppt/notesSlides/notesSlide10.xml><?xml version="1.0" encoding="utf-8"?>
+<p:notes xmlns:a="http://schemas.openxmlformats.org/drawingml/2006/main" xmlns:r="http://schemas.openxmlformats.org/officeDocument/2006/relationships" xmlns:p="http://schemas.openxmlformats.org/presentationml/2006/main">
+  <p:cSld>
+    <p:spTree>
+      <p:nvGrpSpPr>
+        <p:cNvPr id="1" name="">
+          <a:extLst>
+            <a:ext uri="{FF2B5EF4-FFF2-40B4-BE49-F238E27FC236}">
+              <a16:creationId xmlns:a16="http://schemas.microsoft.com/office/drawing/2014/main" id="{5A953BE4-7719-3229-6124-4F4FBFA4DA8C}"/>
+            </a:ext>
+          </a:extLst>
+        </p:cNvPr>
+        <p:cNvGrpSpPr/>
+        <p:nvPr/>
+      </p:nvGrpSpPr>
+      <p:grpSpPr>
+        <a:xfrm>
+          <a:off x="0" y="0"/>
+          <a:ext cx="0" cy="0"/>
+          <a:chOff x="0" y="0"/>
+          <a:chExt cx="0" cy="0"/>
+        </a:xfrm>
+      </p:grpSpPr>
+      <p:sp>
+        <p:nvSpPr>
+          <p:cNvPr id="2" name="Espaço Reservado para Imagem de Slide 1">
+            <a:extLst>
+              <a:ext uri="{FF2B5EF4-FFF2-40B4-BE49-F238E27FC236}">
+                <a16:creationId xmlns:a16="http://schemas.microsoft.com/office/drawing/2014/main" id="{08AE87EC-CC84-FE23-391C-99C411F79457}"/>
+              </a:ext>
+            </a:extLst>
+          </p:cNvPr>
+          <p:cNvSpPr>
+            <a:spLocks noGrp="1" noRot="1" noChangeAspect="1"/>
+          </p:cNvSpPr>
+          <p:nvPr>
+            <p:ph type="sldImg"/>
+          </p:nvPr>
+        </p:nvSpPr>
+        <p:spPr>
+          <a:xfrm>
+            <a:off x="381000" y="685800"/>
+            <a:ext cx="6096000" cy="3429000"/>
+          </a:xfrm>
+        </p:spPr>
+      </p:sp>
+      <p:sp>
+        <p:nvSpPr>
+          <p:cNvPr id="3" name="Espaço Reservado para Anotações 2">
+            <a:extLst>
+              <a:ext uri="{FF2B5EF4-FFF2-40B4-BE49-F238E27FC236}">
+                <a16:creationId xmlns:a16="http://schemas.microsoft.com/office/drawing/2014/main" id="{E64B5585-9513-B680-5055-79E4F332DCA4}"/>
+              </a:ext>
+            </a:extLst>
+          </p:cNvPr>
+          <p:cNvSpPr>
+            <a:spLocks noGrp="1"/>
+          </p:cNvSpPr>
+          <p:nvPr>
+            <p:ph type="body" idx="1"/>
+          </p:nvPr>
+        </p:nvSpPr>
+        <p:spPr/>
+        <p:txBody>
+          <a:bodyPr/>
+          <a:lstStyle/>
+          <a:p>
+            <a:endParaRPr lang="pt-BR" dirty="0"/>
+          </a:p>
+        </p:txBody>
+      </p:sp>
+    </p:spTree>
+    <p:extLst>
+      <p:ext uri="{BB962C8B-B14F-4D97-AF65-F5344CB8AC3E}">
+        <p14:creationId xmlns:p14="http://schemas.microsoft.com/office/powerpoint/2010/main" val="1063751312"/>
+      </p:ext>
+    </p:extLst>
+  </p:cSld>
+  <p:clrMapOvr>
+    <a:masterClrMapping/>
+  </p:clrMapOvr>
+</p:notes>
+</file>
+
+<file path=ppt/notesSlides/notesSlide11.xml><?xml version="1.0" encoding="utf-8"?>
+<p:notes xmlns:a="http://schemas.openxmlformats.org/drawingml/2006/main" xmlns:r="http://schemas.openxmlformats.org/officeDocument/2006/relationships" xmlns:p="http://schemas.openxmlformats.org/presentationml/2006/main">
+  <p:cSld>
+    <p:spTree>
+      <p:nvGrpSpPr>
+        <p:cNvPr id="1" name="">
+          <a:extLst>
+            <a:ext uri="{FF2B5EF4-FFF2-40B4-BE49-F238E27FC236}">
+              <a16:creationId xmlns:a16="http://schemas.microsoft.com/office/drawing/2014/main" id="{E4FE1CB8-9CDC-38CE-A183-916C383F1C1E}"/>
+            </a:ext>
+          </a:extLst>
+        </p:cNvPr>
+        <p:cNvGrpSpPr/>
+        <p:nvPr/>
+      </p:nvGrpSpPr>
+      <p:grpSpPr>
+        <a:xfrm>
+          <a:off x="0" y="0"/>
+          <a:ext cx="0" cy="0"/>
+          <a:chOff x="0" y="0"/>
+          <a:chExt cx="0" cy="0"/>
+        </a:xfrm>
+      </p:grpSpPr>
+      <p:sp>
+        <p:nvSpPr>
+          <p:cNvPr id="2" name="Espaço Reservado para Imagem de Slide 1">
+            <a:extLst>
+              <a:ext uri="{FF2B5EF4-FFF2-40B4-BE49-F238E27FC236}">
+                <a16:creationId xmlns:a16="http://schemas.microsoft.com/office/drawing/2014/main" id="{721C3C33-BBE6-77FF-720B-AD33C1F59031}"/>
+              </a:ext>
+            </a:extLst>
+          </p:cNvPr>
+          <p:cNvSpPr>
+            <a:spLocks noGrp="1" noRot="1" noChangeAspect="1"/>
+          </p:cNvSpPr>
+          <p:nvPr>
+            <p:ph type="sldImg"/>
+          </p:nvPr>
+        </p:nvSpPr>
+        <p:spPr>
+          <a:xfrm>
+            <a:off x="381000" y="685800"/>
+            <a:ext cx="6096000" cy="3429000"/>
+          </a:xfrm>
+        </p:spPr>
+      </p:sp>
+      <p:sp>
+        <p:nvSpPr>
+          <p:cNvPr id="3" name="Espaço Reservado para Anotações 2">
+            <a:extLst>
+              <a:ext uri="{FF2B5EF4-FFF2-40B4-BE49-F238E27FC236}">
+                <a16:creationId xmlns:a16="http://schemas.microsoft.com/office/drawing/2014/main" id="{6FACFAF5-F248-65CE-0A26-E6976EF44B06}"/>
+              </a:ext>
+            </a:extLst>
+          </p:cNvPr>
+          <p:cNvSpPr>
+            <a:spLocks noGrp="1"/>
+          </p:cNvSpPr>
+          <p:nvPr>
+            <p:ph type="body" idx="1"/>
+          </p:nvPr>
+        </p:nvSpPr>
+        <p:spPr/>
+        <p:txBody>
+          <a:bodyPr/>
+          <a:lstStyle/>
+          <a:p>
+            <a:endParaRPr lang="pt-BR" dirty="0"/>
+          </a:p>
+        </p:txBody>
+      </p:sp>
+    </p:spTree>
+    <p:extLst>
+      <p:ext uri="{BB962C8B-B14F-4D97-AF65-F5344CB8AC3E}">
+        <p14:creationId xmlns:p14="http://schemas.microsoft.com/office/powerpoint/2010/main" val="2897138001"/>
+      </p:ext>
+    </p:extLst>
+  </p:cSld>
+  <p:clrMapOvr>
+    <a:masterClrMapping/>
+  </p:clrMapOvr>
+</p:notes>
+</file>
+
+<file path=ppt/notesSlides/notesSlide12.xml><?xml version="1.0" encoding="utf-8"?>
+<p:notes xmlns:a="http://schemas.openxmlformats.org/drawingml/2006/main" xmlns:r="http://schemas.openxmlformats.org/officeDocument/2006/relationships" xmlns:p="http://schemas.openxmlformats.org/presentationml/2006/main">
+  <p:cSld>
+    <p:spTree>
+      <p:nvGrpSpPr>
+        <p:cNvPr id="1" name="">
+          <a:extLst>
+            <a:ext uri="{FF2B5EF4-FFF2-40B4-BE49-F238E27FC236}">
+              <a16:creationId xmlns:a16="http://schemas.microsoft.com/office/drawing/2014/main" id="{75FB30B4-EBF6-F482-2695-7FA4FDBBBBD4}"/>
+            </a:ext>
+          </a:extLst>
+        </p:cNvPr>
+        <p:cNvGrpSpPr/>
+        <p:nvPr/>
+      </p:nvGrpSpPr>
+      <p:grpSpPr>
+        <a:xfrm>
+          <a:off x="0" y="0"/>
+          <a:ext cx="0" cy="0"/>
+          <a:chOff x="0" y="0"/>
+          <a:chExt cx="0" cy="0"/>
+        </a:xfrm>
+      </p:grpSpPr>
+      <p:sp>
+        <p:nvSpPr>
+          <p:cNvPr id="2" name="Espaço Reservado para Imagem de Slide 1">
+            <a:extLst>
+              <a:ext uri="{FF2B5EF4-FFF2-40B4-BE49-F238E27FC236}">
+                <a16:creationId xmlns:a16="http://schemas.microsoft.com/office/drawing/2014/main" id="{828132FD-9843-6ADC-3900-6043BC9AD0D7}"/>
+              </a:ext>
+            </a:extLst>
+          </p:cNvPr>
+          <p:cNvSpPr>
+            <a:spLocks noGrp="1" noRot="1" noChangeAspect="1"/>
+          </p:cNvSpPr>
+          <p:nvPr>
+            <p:ph type="sldImg"/>
+          </p:nvPr>
+        </p:nvSpPr>
+        <p:spPr>
+          <a:xfrm>
+            <a:off x="381000" y="685800"/>
+            <a:ext cx="6096000" cy="3429000"/>
+          </a:xfrm>
+        </p:spPr>
+      </p:sp>
+      <p:sp>
+        <p:nvSpPr>
+          <p:cNvPr id="3" name="Espaço Reservado para Anotações 2">
+            <a:extLst>
+              <a:ext uri="{FF2B5EF4-FFF2-40B4-BE49-F238E27FC236}">
+                <a16:creationId xmlns:a16="http://schemas.microsoft.com/office/drawing/2014/main" id="{538C079B-93AD-EAEA-2F72-F75668AACFEE}"/>
+              </a:ext>
+            </a:extLst>
+          </p:cNvPr>
+          <p:cNvSpPr>
+            <a:spLocks noGrp="1"/>
+          </p:cNvSpPr>
+          <p:nvPr>
+            <p:ph type="body" idx="1"/>
+          </p:nvPr>
+        </p:nvSpPr>
+        <p:spPr/>
+        <p:txBody>
+          <a:bodyPr/>
+          <a:lstStyle/>
+          <a:p>
+            <a:endParaRPr lang="pt-BR" dirty="0"/>
+          </a:p>
+        </p:txBody>
+      </p:sp>
+    </p:spTree>
+    <p:extLst>
+      <p:ext uri="{BB962C8B-B14F-4D97-AF65-F5344CB8AC3E}">
+        <p14:creationId xmlns:p14="http://schemas.microsoft.com/office/powerpoint/2010/main" val="653493268"/>
+      </p:ext>
+    </p:extLst>
+  </p:cSld>
+  <p:clrMapOvr>
+    <a:masterClrMapping/>
+  </p:clrMapOvr>
+</p:notes>
+</file>
+
+<file path=ppt/notesSlides/notesSlide13.xml><?xml version="1.0" encoding="utf-8"?>
+<p:notes xmlns:a="http://schemas.openxmlformats.org/drawingml/2006/main" xmlns:r="http://schemas.openxmlformats.org/officeDocument/2006/relationships" xmlns:p="http://schemas.openxmlformats.org/presentationml/2006/main">
+  <p:cSld>
+    <p:spTree>
+      <p:nvGrpSpPr>
+        <p:cNvPr id="1" name="">
+          <a:extLst>
+            <a:ext uri="{FF2B5EF4-FFF2-40B4-BE49-F238E27FC236}">
+              <a16:creationId xmlns:a16="http://schemas.microsoft.com/office/drawing/2014/main" id="{9DCE0D46-9BEB-8E53-E133-9DFE0D5B8AE2}"/>
+            </a:ext>
+          </a:extLst>
+        </p:cNvPr>
+        <p:cNvGrpSpPr/>
+        <p:nvPr/>
+      </p:nvGrpSpPr>
+      <p:grpSpPr>
+        <a:xfrm>
+          <a:off x="0" y="0"/>
+          <a:ext cx="0" cy="0"/>
+          <a:chOff x="0" y="0"/>
+          <a:chExt cx="0" cy="0"/>
+        </a:xfrm>
+      </p:grpSpPr>
+      <p:sp>
+        <p:nvSpPr>
+          <p:cNvPr id="2" name="Espaço Reservado para Imagem de Slide 1">
+            <a:extLst>
+              <a:ext uri="{FF2B5EF4-FFF2-40B4-BE49-F238E27FC236}">
+                <a16:creationId xmlns:a16="http://schemas.microsoft.com/office/drawing/2014/main" id="{BB430FB0-8F74-B96D-A08E-848DE806EAC3}"/>
+              </a:ext>
+            </a:extLst>
+          </p:cNvPr>
+          <p:cNvSpPr>
+            <a:spLocks noGrp="1" noRot="1" noChangeAspect="1"/>
+          </p:cNvSpPr>
+          <p:nvPr>
+            <p:ph type="sldImg"/>
+          </p:nvPr>
+        </p:nvSpPr>
+        <p:spPr>
+          <a:xfrm>
+            <a:off x="381000" y="685800"/>
+            <a:ext cx="6096000" cy="3429000"/>
+          </a:xfrm>
+        </p:spPr>
+      </p:sp>
+      <p:sp>
+        <p:nvSpPr>
+          <p:cNvPr id="3" name="Espaço Reservado para Anotações 2">
+            <a:extLst>
+              <a:ext uri="{FF2B5EF4-FFF2-40B4-BE49-F238E27FC236}">
+                <a16:creationId xmlns:a16="http://schemas.microsoft.com/office/drawing/2014/main" id="{96336A5F-38A7-DCDF-F97B-E0DEC2BC3DB9}"/>
+              </a:ext>
+            </a:extLst>
+          </p:cNvPr>
+          <p:cNvSpPr>
+            <a:spLocks noGrp="1"/>
+          </p:cNvSpPr>
+          <p:nvPr>
+            <p:ph type="body" idx="1"/>
+          </p:nvPr>
+        </p:nvSpPr>
+        <p:spPr/>
+        <p:txBody>
+          <a:bodyPr/>
+          <a:lstStyle/>
+          <a:p>
+            <a:endParaRPr lang="pt-BR" dirty="0"/>
+          </a:p>
+        </p:txBody>
+      </p:sp>
+    </p:spTree>
+    <p:extLst>
+      <p:ext uri="{BB962C8B-B14F-4D97-AF65-F5344CB8AC3E}">
+        <p14:creationId xmlns:p14="http://schemas.microsoft.com/office/powerpoint/2010/main" val="2588078845"/>
+      </p:ext>
+    </p:extLst>
+  </p:cSld>
+  <p:clrMapOvr>
+    <a:masterClrMapping/>
+  </p:clrMapOvr>
+</p:notes>
+</file>
+
+<file path=ppt/notesSlides/notesSlide14.xml><?xml version="1.0" encoding="utf-8"?>
+<p:notes xmlns:a="http://schemas.openxmlformats.org/drawingml/2006/main" xmlns:r="http://schemas.openxmlformats.org/officeDocument/2006/relationships" xmlns:p="http://schemas.openxmlformats.org/presentationml/2006/main">
+  <p:cSld>
+    <p:spTree>
+      <p:nvGrpSpPr>
+        <p:cNvPr id="1" name="">
+          <a:extLst>
+            <a:ext uri="{FF2B5EF4-FFF2-40B4-BE49-F238E27FC236}">
+              <a16:creationId xmlns:a16="http://schemas.microsoft.com/office/drawing/2014/main" id="{8E8E6A4E-484B-1927-113E-DDC7349CD39A}"/>
+            </a:ext>
+          </a:extLst>
+        </p:cNvPr>
+        <p:cNvGrpSpPr/>
+        <p:nvPr/>
+      </p:nvGrpSpPr>
+      <p:grpSpPr>
+        <a:xfrm>
+          <a:off x="0" y="0"/>
+          <a:ext cx="0" cy="0"/>
+          <a:chOff x="0" y="0"/>
+          <a:chExt cx="0" cy="0"/>
+        </a:xfrm>
+      </p:grpSpPr>
+      <p:sp>
+        <p:nvSpPr>
+          <p:cNvPr id="2" name="Espaço Reservado para Imagem de Slide 1">
+            <a:extLst>
+              <a:ext uri="{FF2B5EF4-FFF2-40B4-BE49-F238E27FC236}">
+                <a16:creationId xmlns:a16="http://schemas.microsoft.com/office/drawing/2014/main" id="{025C7912-C536-C88B-7784-0C6325C505C4}"/>
+              </a:ext>
+            </a:extLst>
+          </p:cNvPr>
+          <p:cNvSpPr>
+            <a:spLocks noGrp="1" noRot="1" noChangeAspect="1"/>
+          </p:cNvSpPr>
+          <p:nvPr>
+            <p:ph type="sldImg"/>
+          </p:nvPr>
+        </p:nvSpPr>
+        <p:spPr>
+          <a:xfrm>
+            <a:off x="381000" y="685800"/>
+            <a:ext cx="6096000" cy="3429000"/>
+          </a:xfrm>
+        </p:spPr>
+      </p:sp>
+      <p:sp>
+        <p:nvSpPr>
+          <p:cNvPr id="3" name="Espaço Reservado para Anotações 2">
+            <a:extLst>
+              <a:ext uri="{FF2B5EF4-FFF2-40B4-BE49-F238E27FC236}">
+                <a16:creationId xmlns:a16="http://schemas.microsoft.com/office/drawing/2014/main" id="{3694BD48-2DF8-40BE-4B6A-19FCD5EA24C5}"/>
+              </a:ext>
+            </a:extLst>
+          </p:cNvPr>
+          <p:cNvSpPr>
+            <a:spLocks noGrp="1"/>
+          </p:cNvSpPr>
+          <p:nvPr>
+            <p:ph type="body" idx="1"/>
+          </p:nvPr>
+        </p:nvSpPr>
+        <p:spPr/>
+        <p:txBody>
+          <a:bodyPr/>
+          <a:lstStyle/>
+          <a:p>
+            <a:endParaRPr lang="pt-BR" dirty="0"/>
+          </a:p>
+        </p:txBody>
+      </p:sp>
+    </p:spTree>
+    <p:extLst>
+      <p:ext uri="{BB962C8B-B14F-4D97-AF65-F5344CB8AC3E}">
+        <p14:creationId xmlns:p14="http://schemas.microsoft.com/office/powerpoint/2010/main" val="954729895"/>
+      </p:ext>
+    </p:extLst>
+  </p:cSld>
+  <p:clrMapOvr>
+    <a:masterClrMapping/>
+  </p:clrMapOvr>
+</p:notes>
+</file>
+
+<file path=ppt/notesSlides/notesSlide15.xml><?xml version="1.0" encoding="utf-8"?>
+<p:notes xmlns:a="http://schemas.openxmlformats.org/drawingml/2006/main" xmlns:r="http://schemas.openxmlformats.org/officeDocument/2006/relationships" xmlns:p="http://schemas.openxmlformats.org/presentationml/2006/main">
+  <p:cSld>
+    <p:spTree>
+      <p:nvGrpSpPr>
+        <p:cNvPr id="1" name="">
+          <a:extLst>
+            <a:ext uri="{FF2B5EF4-FFF2-40B4-BE49-F238E27FC236}">
+              <a16:creationId xmlns:a16="http://schemas.microsoft.com/office/drawing/2014/main" id="{97CD225E-369F-99F2-6A61-22E7128A240B}"/>
+            </a:ext>
+          </a:extLst>
+        </p:cNvPr>
+        <p:cNvGrpSpPr/>
+        <p:nvPr/>
+      </p:nvGrpSpPr>
+      <p:grpSpPr>
+        <a:xfrm>
+          <a:off x="0" y="0"/>
+          <a:ext cx="0" cy="0"/>
+          <a:chOff x="0" y="0"/>
+          <a:chExt cx="0" cy="0"/>
+        </a:xfrm>
+      </p:grpSpPr>
+      <p:sp>
+        <p:nvSpPr>
+          <p:cNvPr id="2" name="Espaço Reservado para Imagem de Slide 1">
+            <a:extLst>
+              <a:ext uri="{FF2B5EF4-FFF2-40B4-BE49-F238E27FC236}">
+                <a16:creationId xmlns:a16="http://schemas.microsoft.com/office/drawing/2014/main" id="{A5807367-66D7-0718-A0F9-50DBCD21EF9E}"/>
+              </a:ext>
+            </a:extLst>
+          </p:cNvPr>
+          <p:cNvSpPr>
+            <a:spLocks noGrp="1" noRot="1" noChangeAspect="1"/>
+          </p:cNvSpPr>
+          <p:nvPr>
+            <p:ph type="sldImg"/>
+          </p:nvPr>
+        </p:nvSpPr>
+        <p:spPr>
+          <a:xfrm>
+            <a:off x="381000" y="685800"/>
+            <a:ext cx="6096000" cy="3429000"/>
+          </a:xfrm>
+        </p:spPr>
+      </p:sp>
+      <p:sp>
+        <p:nvSpPr>
+          <p:cNvPr id="3" name="Espaço Reservado para Anotações 2">
+            <a:extLst>
+              <a:ext uri="{FF2B5EF4-FFF2-40B4-BE49-F238E27FC236}">
+                <a16:creationId xmlns:a16="http://schemas.microsoft.com/office/drawing/2014/main" id="{428E489E-3D25-B1E3-EEBC-B46B282A1DD3}"/>
+              </a:ext>
+            </a:extLst>
+          </p:cNvPr>
+          <p:cNvSpPr>
+            <a:spLocks noGrp="1"/>
+          </p:cNvSpPr>
+          <p:nvPr>
+            <p:ph type="body" idx="1"/>
+          </p:nvPr>
+        </p:nvSpPr>
+        <p:spPr/>
+        <p:txBody>
+          <a:bodyPr/>
+          <a:lstStyle/>
+          <a:p>
+            <a:endParaRPr lang="pt-BR" dirty="0"/>
+          </a:p>
+        </p:txBody>
+      </p:sp>
+    </p:spTree>
+    <p:extLst>
+      <p:ext uri="{BB962C8B-B14F-4D97-AF65-F5344CB8AC3E}">
+        <p14:creationId xmlns:p14="http://schemas.microsoft.com/office/powerpoint/2010/main" val="177779629"/>
+      </p:ext>
+    </p:extLst>
+  </p:cSld>
+  <p:clrMapOvr>
+    <a:masterClrMapping/>
+  </p:clrMapOvr>
+</p:notes>
+</file>
+
+<file path=ppt/notesSlides/notesSlide16.xml><?xml version="1.0" encoding="utf-8"?>
+<p:notes xmlns:a="http://schemas.openxmlformats.org/drawingml/2006/main" xmlns:r="http://schemas.openxmlformats.org/officeDocument/2006/relationships" xmlns:p="http://schemas.openxmlformats.org/presentationml/2006/main">
+  <p:cSld>
+    <p:spTree>
+      <p:nvGrpSpPr>
+        <p:cNvPr id="1" name=""/>
+        <p:cNvGrpSpPr/>
+        <p:nvPr/>
+      </p:nvGrpSpPr>
+      <p:grpSpPr>
+        <a:xfrm>
+          <a:off x="0" y="0"/>
+          <a:ext cx="0" cy="0"/>
+          <a:chOff x="0" y="0"/>
+          <a:chExt cx="0" cy="0"/>
+        </a:xfrm>
+      </p:grpSpPr>
+      <p:sp>
+        <p:nvSpPr>
+          <p:cNvPr id="2" name="Espaço Reservado para Imagem de Slide 1"/>
+          <p:cNvSpPr>
+            <a:spLocks noGrp="1" noRot="1" noChangeAspect="1"/>
+          </p:cNvSpPr>
+          <p:nvPr>
+            <p:ph type="sldImg"/>
+          </p:nvPr>
+        </p:nvSpPr>
+        <p:spPr>
+          <a:xfrm>
+            <a:off x="381000" y="685800"/>
+            <a:ext cx="6096000" cy="3429000"/>
+          </a:xfrm>
+        </p:spPr>
+      </p:sp>
+      <p:sp>
+        <p:nvSpPr>
+          <p:cNvPr id="3" name="Espaço Reservado para Anotações 2"/>
+          <p:cNvSpPr>
+            <a:spLocks noGrp="1"/>
+          </p:cNvSpPr>
+          <p:nvPr>
+            <p:ph type="body" idx="1"/>
+          </p:nvPr>
+        </p:nvSpPr>
+        <p:spPr/>
+        <p:txBody>
+          <a:bodyPr/>
+          <a:lstStyle/>
+          <a:p>
+            <a:endParaRPr lang="pt-BR" dirty="0"/>
+          </a:p>
+        </p:txBody>
+      </p:sp>
+    </p:spTree>
+    <p:extLst>
+      <p:ext uri="{BB962C8B-B14F-4D97-AF65-F5344CB8AC3E}">
+        <p14:creationId xmlns:p14="http://schemas.microsoft.com/office/powerpoint/2010/main" val="585304384"/>
+      </p:ext>
+    </p:extLst>
+  </p:cSld>
+  <p:clrMapOvr>
+    <a:masterClrMapping/>
+  </p:clrMapOvr>
+</p:notes>
+</file>
+
+<file path=ppt/notesSlides/notesSlide17.xml><?xml version="1.0" encoding="utf-8"?>
+<p:notes xmlns:a="http://schemas.openxmlformats.org/drawingml/2006/main" xmlns:r="http://schemas.openxmlformats.org/officeDocument/2006/relationships" xmlns:p="http://schemas.openxmlformats.org/presentationml/2006/main">
+  <p:cSld>
+    <p:spTree>
+      <p:nvGrpSpPr>
+        <p:cNvPr id="1" name=""/>
+        <p:cNvGrpSpPr/>
+        <p:nvPr/>
+      </p:nvGrpSpPr>
+      <p:grpSpPr>
+        <a:xfrm>
+          <a:off x="0" y="0"/>
+          <a:ext cx="0" cy="0"/>
+          <a:chOff x="0" y="0"/>
+          <a:chExt cx="0" cy="0"/>
+        </a:xfrm>
+      </p:grpSpPr>
+      <p:sp>
+        <p:nvSpPr>
+          <p:cNvPr id="2" name="Espaço Reservado para Imagem de Slide 1"/>
+          <p:cNvSpPr>
+            <a:spLocks noGrp="1" noRot="1" noChangeAspect="1"/>
+          </p:cNvSpPr>
+          <p:nvPr>
+            <p:ph type="sldImg"/>
+          </p:nvPr>
+        </p:nvSpPr>
+        <p:spPr>
+          <a:xfrm>
+            <a:off x="381000" y="685800"/>
+            <a:ext cx="6096000" cy="3429000"/>
+          </a:xfrm>
+        </p:spPr>
+      </p:sp>
+      <p:sp>
+        <p:nvSpPr>
+          <p:cNvPr id="3" name="Espaço Reservado para Anotações 2"/>
+          <p:cNvSpPr>
+            <a:spLocks noGrp="1"/>
+          </p:cNvSpPr>
+          <p:nvPr>
+            <p:ph type="body" idx="1"/>
+          </p:nvPr>
+        </p:nvSpPr>
+        <p:spPr/>
+        <p:txBody>
+          <a:bodyPr/>
+          <a:lstStyle/>
+          <a:p>
+            <a:endParaRPr lang="pt-BR" dirty="0"/>
+          </a:p>
+        </p:txBody>
+      </p:sp>
+    </p:spTree>
+    <p:extLst>
+      <p:ext uri="{BB962C8B-B14F-4D97-AF65-F5344CB8AC3E}">
+        <p14:creationId xmlns:p14="http://schemas.microsoft.com/office/powerpoint/2010/main" val="2709569597"/>
+      </p:ext>
+    </p:extLst>
+  </p:cSld>
+  <p:clrMapOvr>
+    <a:masterClrMapping/>
+  </p:clrMapOvr>
+</p:notes>
+</file>
+
+<file path=ppt/notesSlides/notesSlide18.xml><?xml version="1.0" encoding="utf-8"?>
+<p:notes xmlns:a="http://schemas.openxmlformats.org/drawingml/2006/main" xmlns:r="http://schemas.openxmlformats.org/officeDocument/2006/relationships" xmlns:p="http://schemas.openxmlformats.org/presentationml/2006/main">
+  <p:cSld>
+    <p:spTree>
+      <p:nvGrpSpPr>
+        <p:cNvPr id="1" name="">
+          <a:extLst>
+            <a:ext uri="{FF2B5EF4-FFF2-40B4-BE49-F238E27FC236}">
+              <a16:creationId xmlns:a16="http://schemas.microsoft.com/office/drawing/2014/main" id="{A6C63E5B-C292-859D-FB83-976D9C6E343C}"/>
+            </a:ext>
+          </a:extLst>
+        </p:cNvPr>
+        <p:cNvGrpSpPr/>
+        <p:nvPr/>
+      </p:nvGrpSpPr>
+      <p:grpSpPr>
+        <a:xfrm>
+          <a:off x="0" y="0"/>
+          <a:ext cx="0" cy="0"/>
+          <a:chOff x="0" y="0"/>
+          <a:chExt cx="0" cy="0"/>
+        </a:xfrm>
+      </p:grpSpPr>
+      <p:sp>
+        <p:nvSpPr>
+          <p:cNvPr id="2" name="Espaço Reservado para Imagem de Slide 1">
+            <a:extLst>
+              <a:ext uri="{FF2B5EF4-FFF2-40B4-BE49-F238E27FC236}">
+                <a16:creationId xmlns:a16="http://schemas.microsoft.com/office/drawing/2014/main" id="{14E4371D-BD8E-838C-430B-89FECE90D337}"/>
+              </a:ext>
+            </a:extLst>
+          </p:cNvPr>
+          <p:cNvSpPr>
+            <a:spLocks noGrp="1" noRot="1" noChangeAspect="1"/>
+          </p:cNvSpPr>
+          <p:nvPr>
+            <p:ph type="sldImg"/>
+          </p:nvPr>
+        </p:nvSpPr>
+        <p:spPr>
+          <a:xfrm>
+            <a:off x="381000" y="685800"/>
+            <a:ext cx="6096000" cy="3429000"/>
+          </a:xfrm>
+        </p:spPr>
+      </p:sp>
+      <p:sp>
+        <p:nvSpPr>
+          <p:cNvPr id="3" name="Espaço Reservado para Anotações 2">
+            <a:extLst>
+              <a:ext uri="{FF2B5EF4-FFF2-40B4-BE49-F238E27FC236}">
+                <a16:creationId xmlns:a16="http://schemas.microsoft.com/office/drawing/2014/main" id="{F01DF927-0375-C257-C3B6-37010EA380D3}"/>
+              </a:ext>
+            </a:extLst>
+          </p:cNvPr>
+          <p:cNvSpPr>
+            <a:spLocks noGrp="1"/>
+          </p:cNvSpPr>
+          <p:nvPr>
+            <p:ph type="body" idx="1"/>
+          </p:nvPr>
+        </p:nvSpPr>
+        <p:spPr/>
+        <p:txBody>
+          <a:bodyPr/>
+          <a:lstStyle/>
+          <a:p>
+            <a:endParaRPr lang="pt-BR" dirty="0"/>
+          </a:p>
+        </p:txBody>
+      </p:sp>
+    </p:spTree>
+    <p:extLst>
+      <p:ext uri="{BB962C8B-B14F-4D97-AF65-F5344CB8AC3E}">
+        <p14:creationId xmlns:p14="http://schemas.microsoft.com/office/powerpoint/2010/main" val="3656069206"/>
+      </p:ext>
+    </p:extLst>
+  </p:cSld>
+  <p:clrMapOvr>
+    <a:masterClrMapping/>
+  </p:clrMapOvr>
+</p:notes>
+</file>
+
+<file path=ppt/notesSlides/notesSlide19.xml><?xml version="1.0" encoding="utf-8"?>
+<p:notes xmlns:a="http://schemas.openxmlformats.org/drawingml/2006/main" xmlns:r="http://schemas.openxmlformats.org/officeDocument/2006/relationships" xmlns:p="http://schemas.openxmlformats.org/presentationml/2006/main">
+  <p:cSld>
+    <p:spTree>
+      <p:nvGrpSpPr>
+        <p:cNvPr id="1" name=""/>
+        <p:cNvGrpSpPr/>
+        <p:nvPr/>
+      </p:nvGrpSpPr>
+      <p:grpSpPr>
+        <a:xfrm>
+          <a:off x="0" y="0"/>
+          <a:ext cx="0" cy="0"/>
+          <a:chOff x="0" y="0"/>
+          <a:chExt cx="0" cy="0"/>
+        </a:xfrm>
+      </p:grpSpPr>
+      <p:sp>
+        <p:nvSpPr>
+          <p:cNvPr id="2" name="Espaço Reservado para Imagem de Slide 1"/>
+          <p:cNvSpPr>
+            <a:spLocks noGrp="1" noRot="1" noChangeAspect="1"/>
+          </p:cNvSpPr>
+          <p:nvPr>
+            <p:ph type="sldImg"/>
+          </p:nvPr>
+        </p:nvSpPr>
+        <p:spPr>
+          <a:xfrm>
+            <a:off x="381000" y="685800"/>
+            <a:ext cx="6096000" cy="3429000"/>
+          </a:xfrm>
+        </p:spPr>
+      </p:sp>
+      <p:sp>
+        <p:nvSpPr>
+          <p:cNvPr id="3" name="Espaço Reservado para Anotações 2"/>
+          <p:cNvSpPr>
+            <a:spLocks noGrp="1"/>
+          </p:cNvSpPr>
+          <p:nvPr>
+            <p:ph type="body" idx="1"/>
+          </p:nvPr>
+        </p:nvSpPr>
+        <p:spPr/>
+        <p:txBody>
+          <a:bodyPr/>
+          <a:lstStyle/>
+          <a:p>
+            <a:endParaRPr lang="pt-BR" dirty="0"/>
+          </a:p>
+        </p:txBody>
+      </p:sp>
+    </p:spTree>
+    <p:extLst>
+      <p:ext uri="{BB962C8B-B14F-4D97-AF65-F5344CB8AC3E}">
+        <p14:creationId xmlns:p14="http://schemas.microsoft.com/office/powerpoint/2010/main" val="4290351292"/>
+      </p:ext>
+    </p:extLst>
+  </p:cSld>
+  <p:clrMapOvr>
+    <a:masterClrMapping/>
+  </p:clrMapOvr>
+</p:notes>
+</file>
+
 <file path=ppt/notesSlides/notesSlide2.xml><?xml version="1.0" encoding="utf-8"?>
+<p:notes xmlns:a="http://schemas.openxmlformats.org/drawingml/2006/main" xmlns:r="http://schemas.openxmlformats.org/officeDocument/2006/relationships" xmlns:p="http://schemas.openxmlformats.org/presentationml/2006/main">
+  <p:cSld>
+    <p:spTree>
+      <p:nvGrpSpPr>
+        <p:cNvPr id="1" name="">
+          <a:extLst>
+            <a:ext uri="{FF2B5EF4-FFF2-40B4-BE49-F238E27FC236}">
+              <a16:creationId xmlns:a16="http://schemas.microsoft.com/office/drawing/2014/main" id="{E82573D7-FE43-641B-3E9A-055564039407}"/>
+            </a:ext>
+          </a:extLst>
+        </p:cNvPr>
+        <p:cNvGrpSpPr/>
+        <p:nvPr/>
+      </p:nvGrpSpPr>
+      <p:grpSpPr>
+        <a:xfrm>
+          <a:off x="0" y="0"/>
+          <a:ext cx="0" cy="0"/>
+          <a:chOff x="0" y="0"/>
+          <a:chExt cx="0" cy="0"/>
+        </a:xfrm>
+      </p:grpSpPr>
+      <p:sp>
+        <p:nvSpPr>
+          <p:cNvPr id="2" name="Espaço Reservado para Imagem de Slide 1">
+            <a:extLst>
+              <a:ext uri="{FF2B5EF4-FFF2-40B4-BE49-F238E27FC236}">
+                <a16:creationId xmlns:a16="http://schemas.microsoft.com/office/drawing/2014/main" id="{CF798BA0-19D3-655E-A0DE-78232ADB2323}"/>
+              </a:ext>
+            </a:extLst>
+          </p:cNvPr>
+          <p:cNvSpPr>
+            <a:spLocks noGrp="1" noRot="1" noChangeAspect="1"/>
+          </p:cNvSpPr>
+          <p:nvPr>
+            <p:ph type="sldImg"/>
+          </p:nvPr>
+        </p:nvSpPr>
+        <p:spPr>
+          <a:xfrm>
+            <a:off x="381000" y="685800"/>
+            <a:ext cx="6096000" cy="3429000"/>
+          </a:xfrm>
+        </p:spPr>
+      </p:sp>
+      <p:sp>
+        <p:nvSpPr>
+          <p:cNvPr id="3" name="Espaço Reservado para Anotações 2">
+            <a:extLst>
+              <a:ext uri="{FF2B5EF4-FFF2-40B4-BE49-F238E27FC236}">
+                <a16:creationId xmlns:a16="http://schemas.microsoft.com/office/drawing/2014/main" id="{00821B61-C314-D01E-2D91-8D1E27172710}"/>
+              </a:ext>
+            </a:extLst>
+          </p:cNvPr>
+          <p:cNvSpPr>
+            <a:spLocks noGrp="1"/>
+          </p:cNvSpPr>
+          <p:nvPr>
+            <p:ph type="body" idx="1"/>
+          </p:nvPr>
+        </p:nvSpPr>
+        <p:spPr/>
+        <p:txBody>
+          <a:bodyPr/>
+          <a:lstStyle/>
+          <a:p>
+            <a:endParaRPr lang="pt-BR" dirty="0"/>
+          </a:p>
+        </p:txBody>
+      </p:sp>
+    </p:spTree>
+    <p:extLst>
+      <p:ext uri="{BB962C8B-B14F-4D97-AF65-F5344CB8AC3E}">
+        <p14:creationId xmlns:p14="http://schemas.microsoft.com/office/powerpoint/2010/main" val="187134614"/>
+      </p:ext>
+    </p:extLst>
+  </p:cSld>
+  <p:clrMapOvr>
+    <a:masterClrMapping/>
+  </p:clrMapOvr>
+</p:notes>
+</file>
+
+<file path=ppt/notesSlides/notesSlide3.xml><?xml version="1.0" encoding="utf-8"?>
+<p:notes xmlns:a="http://schemas.openxmlformats.org/drawingml/2006/main" xmlns:r="http://schemas.openxmlformats.org/officeDocument/2006/relationships" xmlns:p="http://schemas.openxmlformats.org/presentationml/2006/main">
+  <p:cSld>
+    <p:spTree>
+      <p:nvGrpSpPr>
+        <p:cNvPr id="1" name="">
+          <a:extLst>
+            <a:ext uri="{FF2B5EF4-FFF2-40B4-BE49-F238E27FC236}">
+              <a16:creationId xmlns:a16="http://schemas.microsoft.com/office/drawing/2014/main" id="{A0DF5D2C-D464-AE05-3B21-24B5DE750AC9}"/>
+            </a:ext>
+          </a:extLst>
+        </p:cNvPr>
+        <p:cNvGrpSpPr/>
+        <p:nvPr/>
+      </p:nvGrpSpPr>
+      <p:grpSpPr>
+        <a:xfrm>
+          <a:off x="0" y="0"/>
+          <a:ext cx="0" cy="0"/>
+          <a:chOff x="0" y="0"/>
+          <a:chExt cx="0" cy="0"/>
+        </a:xfrm>
+      </p:grpSpPr>
+      <p:sp>
+        <p:nvSpPr>
+          <p:cNvPr id="2" name="Espaço Reservado para Imagem de Slide 1">
+            <a:extLst>
+              <a:ext uri="{FF2B5EF4-FFF2-40B4-BE49-F238E27FC236}">
+                <a16:creationId xmlns:a16="http://schemas.microsoft.com/office/drawing/2014/main" id="{8BF57902-3D11-B470-D701-38B453EE0EE7}"/>
+              </a:ext>
+            </a:extLst>
+          </p:cNvPr>
+          <p:cNvSpPr>
+            <a:spLocks noGrp="1" noRot="1" noChangeAspect="1"/>
+          </p:cNvSpPr>
+          <p:nvPr>
+            <p:ph type="sldImg"/>
+          </p:nvPr>
+        </p:nvSpPr>
+        <p:spPr>
+          <a:xfrm>
+            <a:off x="381000" y="685800"/>
+            <a:ext cx="6096000" cy="3429000"/>
+          </a:xfrm>
+        </p:spPr>
+      </p:sp>
+      <p:sp>
+        <p:nvSpPr>
+          <p:cNvPr id="3" name="Espaço Reservado para Anotações 2">
+            <a:extLst>
+              <a:ext uri="{FF2B5EF4-FFF2-40B4-BE49-F238E27FC236}">
+                <a16:creationId xmlns:a16="http://schemas.microsoft.com/office/drawing/2014/main" id="{33891D15-9504-C1B0-1D2D-E586748158C6}"/>
+              </a:ext>
+            </a:extLst>
+          </p:cNvPr>
+          <p:cNvSpPr>
+            <a:spLocks noGrp="1"/>
+          </p:cNvSpPr>
+          <p:nvPr>
+            <p:ph type="body" idx="1"/>
+          </p:nvPr>
+        </p:nvSpPr>
+        <p:spPr/>
+        <p:txBody>
+          <a:bodyPr/>
+          <a:lstStyle/>
+          <a:p>
+            <a:endParaRPr lang="pt-BR" dirty="0"/>
+          </a:p>
+        </p:txBody>
+      </p:sp>
+    </p:spTree>
+    <p:extLst>
+      <p:ext uri="{BB962C8B-B14F-4D97-AF65-F5344CB8AC3E}">
+        <p14:creationId xmlns:p14="http://schemas.microsoft.com/office/powerpoint/2010/main" val="1122518"/>
+      </p:ext>
+    </p:extLst>
+  </p:cSld>
+  <p:clrMapOvr>
+    <a:masterClrMapping/>
+  </p:clrMapOvr>
+</p:notes>
+</file>
+
+<file path=ppt/notesSlides/notesSlide4.xml><?xml version="1.0" encoding="utf-8"?>
+<p:notes xmlns:a="http://schemas.openxmlformats.org/drawingml/2006/main" xmlns:r="http://schemas.openxmlformats.org/officeDocument/2006/relationships" xmlns:p="http://schemas.openxmlformats.org/presentationml/2006/main">
+  <p:cSld>
+    <p:spTree>
+      <p:nvGrpSpPr>
+        <p:cNvPr id="1" name="">
+          <a:extLst>
+            <a:ext uri="{FF2B5EF4-FFF2-40B4-BE49-F238E27FC236}">
+              <a16:creationId xmlns:a16="http://schemas.microsoft.com/office/drawing/2014/main" id="{4D644BF0-CA6D-D860-4EAD-971E131D7CE9}"/>
+            </a:ext>
+          </a:extLst>
+        </p:cNvPr>
+        <p:cNvGrpSpPr/>
+        <p:nvPr/>
+      </p:nvGrpSpPr>
+      <p:grpSpPr>
+        <a:xfrm>
+          <a:off x="0" y="0"/>
+          <a:ext cx="0" cy="0"/>
+          <a:chOff x="0" y="0"/>
+          <a:chExt cx="0" cy="0"/>
+        </a:xfrm>
+      </p:grpSpPr>
+      <p:sp>
+        <p:nvSpPr>
+          <p:cNvPr id="2" name="Espaço Reservado para Imagem de Slide 1">
+            <a:extLst>
+              <a:ext uri="{FF2B5EF4-FFF2-40B4-BE49-F238E27FC236}">
+                <a16:creationId xmlns:a16="http://schemas.microsoft.com/office/drawing/2014/main" id="{155B1624-B015-C338-2CD0-937360677438}"/>
+              </a:ext>
+            </a:extLst>
+          </p:cNvPr>
+          <p:cNvSpPr>
+            <a:spLocks noGrp="1" noRot="1" noChangeAspect="1"/>
+          </p:cNvSpPr>
+          <p:nvPr>
+            <p:ph type="sldImg"/>
+          </p:nvPr>
+        </p:nvSpPr>
+        <p:spPr>
+          <a:xfrm>
+            <a:off x="381000" y="685800"/>
+            <a:ext cx="6096000" cy="3429000"/>
+          </a:xfrm>
+        </p:spPr>
+      </p:sp>
+      <p:sp>
+        <p:nvSpPr>
+          <p:cNvPr id="3" name="Espaço Reservado para Anotações 2">
+            <a:extLst>
+              <a:ext uri="{FF2B5EF4-FFF2-40B4-BE49-F238E27FC236}">
+                <a16:creationId xmlns:a16="http://schemas.microsoft.com/office/drawing/2014/main" id="{56C09278-6DA8-DF03-C69E-C04F407DE5EE}"/>
+              </a:ext>
+            </a:extLst>
+          </p:cNvPr>
+          <p:cNvSpPr>
+            <a:spLocks noGrp="1"/>
+          </p:cNvSpPr>
+          <p:nvPr>
+            <p:ph type="body" idx="1"/>
+          </p:nvPr>
+        </p:nvSpPr>
+        <p:spPr/>
+        <p:txBody>
+          <a:bodyPr/>
+          <a:lstStyle/>
+          <a:p>
+            <a:endParaRPr lang="pt-BR" dirty="0"/>
+          </a:p>
+        </p:txBody>
+      </p:sp>
+    </p:spTree>
+    <p:extLst>
+      <p:ext uri="{BB962C8B-B14F-4D97-AF65-F5344CB8AC3E}">
+        <p14:creationId xmlns:p14="http://schemas.microsoft.com/office/powerpoint/2010/main" val="327672874"/>
+      </p:ext>
+    </p:extLst>
+  </p:cSld>
+  <p:clrMapOvr>
+    <a:masterClrMapping/>
+  </p:clrMapOvr>
+</p:notes>
+</file>
+
+<file path=ppt/notesSlides/notesSlide5.xml><?xml version="1.0" encoding="utf-8"?>
 <p:notes xmlns:a="http://schemas.openxmlformats.org/drawingml/2006/main" xmlns:r="http://schemas.openxmlformats.org/officeDocument/2006/relationships" xmlns:p="http://schemas.openxmlformats.org/presentationml/2006/main">
   <p:cSld>
     <p:spTree>
@@ -646,139 +1697,7 @@
 </p:notes>
 </file>
 
-<file path=ppt/notesSlides/notesSlide3.xml><?xml version="1.0" encoding="utf-8"?>
-<p:notes xmlns:a="http://schemas.openxmlformats.org/drawingml/2006/main" xmlns:r="http://schemas.openxmlformats.org/officeDocument/2006/relationships" xmlns:p="http://schemas.openxmlformats.org/presentationml/2006/main">
-  <p:cSld>
-    <p:spTree>
-      <p:nvGrpSpPr>
-        <p:cNvPr id="1" name=""/>
-        <p:cNvGrpSpPr/>
-        <p:nvPr/>
-      </p:nvGrpSpPr>
-      <p:grpSpPr>
-        <a:xfrm>
-          <a:off x="0" y="0"/>
-          <a:ext cx="0" cy="0"/>
-          <a:chOff x="0" y="0"/>
-          <a:chExt cx="0" cy="0"/>
-        </a:xfrm>
-      </p:grpSpPr>
-      <p:sp>
-        <p:nvSpPr>
-          <p:cNvPr id="2" name="Espaço Reservado para Imagem de Slide 1"/>
-          <p:cNvSpPr>
-            <a:spLocks noGrp="1" noRot="1" noChangeAspect="1"/>
-          </p:cNvSpPr>
-          <p:nvPr>
-            <p:ph type="sldImg"/>
-          </p:nvPr>
-        </p:nvSpPr>
-        <p:spPr>
-          <a:xfrm>
-            <a:off x="381000" y="685800"/>
-            <a:ext cx="6096000" cy="3429000"/>
-          </a:xfrm>
-        </p:spPr>
-      </p:sp>
-      <p:sp>
-        <p:nvSpPr>
-          <p:cNvPr id="3" name="Espaço Reservado para Anotações 2"/>
-          <p:cNvSpPr>
-            <a:spLocks noGrp="1"/>
-          </p:cNvSpPr>
-          <p:nvPr>
-            <p:ph type="body" idx="1"/>
-          </p:nvPr>
-        </p:nvSpPr>
-        <p:spPr/>
-        <p:txBody>
-          <a:bodyPr/>
-          <a:lstStyle/>
-          <a:p>
-            <a:endParaRPr lang="pt-BR" dirty="0"/>
-          </a:p>
-        </p:txBody>
-      </p:sp>
-    </p:spTree>
-    <p:extLst>
-      <p:ext uri="{BB962C8B-B14F-4D97-AF65-F5344CB8AC3E}">
-        <p14:creationId xmlns:p14="http://schemas.microsoft.com/office/powerpoint/2010/main" val="585304384"/>
-      </p:ext>
-    </p:extLst>
-  </p:cSld>
-  <p:clrMapOvr>
-    <a:masterClrMapping/>
-  </p:clrMapOvr>
-</p:notes>
-</file>
-
-<file path=ppt/notesSlides/notesSlide4.xml><?xml version="1.0" encoding="utf-8"?>
-<p:notes xmlns:a="http://schemas.openxmlformats.org/drawingml/2006/main" xmlns:r="http://schemas.openxmlformats.org/officeDocument/2006/relationships" xmlns:p="http://schemas.openxmlformats.org/presentationml/2006/main">
-  <p:cSld>
-    <p:spTree>
-      <p:nvGrpSpPr>
-        <p:cNvPr id="1" name=""/>
-        <p:cNvGrpSpPr/>
-        <p:nvPr/>
-      </p:nvGrpSpPr>
-      <p:grpSpPr>
-        <a:xfrm>
-          <a:off x="0" y="0"/>
-          <a:ext cx="0" cy="0"/>
-          <a:chOff x="0" y="0"/>
-          <a:chExt cx="0" cy="0"/>
-        </a:xfrm>
-      </p:grpSpPr>
-      <p:sp>
-        <p:nvSpPr>
-          <p:cNvPr id="2" name="Espaço Reservado para Imagem de Slide 1"/>
-          <p:cNvSpPr>
-            <a:spLocks noGrp="1" noRot="1" noChangeAspect="1"/>
-          </p:cNvSpPr>
-          <p:nvPr>
-            <p:ph type="sldImg"/>
-          </p:nvPr>
-        </p:nvSpPr>
-        <p:spPr>
-          <a:xfrm>
-            <a:off x="381000" y="685800"/>
-            <a:ext cx="6096000" cy="3429000"/>
-          </a:xfrm>
-        </p:spPr>
-      </p:sp>
-      <p:sp>
-        <p:nvSpPr>
-          <p:cNvPr id="3" name="Espaço Reservado para Anotações 2"/>
-          <p:cNvSpPr>
-            <a:spLocks noGrp="1"/>
-          </p:cNvSpPr>
-          <p:nvPr>
-            <p:ph type="body" idx="1"/>
-          </p:nvPr>
-        </p:nvSpPr>
-        <p:spPr/>
-        <p:txBody>
-          <a:bodyPr/>
-          <a:lstStyle/>
-          <a:p>
-            <a:endParaRPr lang="pt-BR" dirty="0"/>
-          </a:p>
-        </p:txBody>
-      </p:sp>
-    </p:spTree>
-    <p:extLst>
-      <p:ext uri="{BB962C8B-B14F-4D97-AF65-F5344CB8AC3E}">
-        <p14:creationId xmlns:p14="http://schemas.microsoft.com/office/powerpoint/2010/main" val="2709569597"/>
-      </p:ext>
-    </p:extLst>
-  </p:cSld>
-  <p:clrMapOvr>
-    <a:masterClrMapping/>
-  </p:clrMapOvr>
-</p:notes>
-</file>
-
-<file path=ppt/notesSlides/notesSlide5.xml><?xml version="1.0" encoding="utf-8"?>
+<file path=ppt/notesSlides/notesSlide6.xml><?xml version="1.0" encoding="utf-8"?>
 <p:notes xmlns:a="http://schemas.openxmlformats.org/drawingml/2006/main" xmlns:r="http://schemas.openxmlformats.org/officeDocument/2006/relationships" xmlns:p="http://schemas.openxmlformats.org/presentationml/2006/main">
   <p:cSld>
     <p:spTree>
@@ -786,7 +1705,7 @@
         <p:cNvPr id="1" name="">
           <a:extLst>
             <a:ext uri="{FF2B5EF4-FFF2-40B4-BE49-F238E27FC236}">
-              <a16:creationId xmlns:a16="http://schemas.microsoft.com/office/drawing/2014/main" id="{A6C63E5B-C292-859D-FB83-976D9C6E343C}"/>
+              <a16:creationId xmlns:a16="http://schemas.microsoft.com/office/drawing/2014/main" id="{8A4E0A1A-E00A-A777-3A55-9DA8EABA2B9C}"/>
             </a:ext>
           </a:extLst>
         </p:cNvPr>
@@ -806,7 +1725,7 @@
           <p:cNvPr id="2" name="Espaço Reservado para Imagem de Slide 1">
             <a:extLst>
               <a:ext uri="{FF2B5EF4-FFF2-40B4-BE49-F238E27FC236}">
-                <a16:creationId xmlns:a16="http://schemas.microsoft.com/office/drawing/2014/main" id="{14E4371D-BD8E-838C-430B-89FECE90D337}"/>
+                <a16:creationId xmlns:a16="http://schemas.microsoft.com/office/drawing/2014/main" id="{8724EF09-5208-F6A8-42EC-C67B2BDAF98E}"/>
               </a:ext>
             </a:extLst>
           </p:cNvPr>
@@ -829,7 +1748,7 @@
           <p:cNvPr id="3" name="Espaço Reservado para Anotações 2">
             <a:extLst>
               <a:ext uri="{FF2B5EF4-FFF2-40B4-BE49-F238E27FC236}">
-                <a16:creationId xmlns:a16="http://schemas.microsoft.com/office/drawing/2014/main" id="{F01DF927-0375-C257-C3B6-37010EA380D3}"/>
+                <a16:creationId xmlns:a16="http://schemas.microsoft.com/office/drawing/2014/main" id="{EACFD9E8-0923-00F6-93C6-44BA39E6CB3D}"/>
               </a:ext>
             </a:extLst>
           </p:cNvPr>
@@ -852,7 +1771,7 @@
     </p:spTree>
     <p:extLst>
       <p:ext uri="{BB962C8B-B14F-4D97-AF65-F5344CB8AC3E}">
-        <p14:creationId xmlns:p14="http://schemas.microsoft.com/office/powerpoint/2010/main" val="3656069206"/>
+        <p14:creationId xmlns:p14="http://schemas.microsoft.com/office/powerpoint/2010/main" val="2105826994"/>
       </p:ext>
     </p:extLst>
   </p:cSld>
@@ -862,12 +1781,18 @@
 </p:notes>
 </file>
 
-<file path=ppt/notesSlides/notesSlide6.xml><?xml version="1.0" encoding="utf-8"?>
+<file path=ppt/notesSlides/notesSlide7.xml><?xml version="1.0" encoding="utf-8"?>
 <p:notes xmlns:a="http://schemas.openxmlformats.org/drawingml/2006/main" xmlns:r="http://schemas.openxmlformats.org/officeDocument/2006/relationships" xmlns:p="http://schemas.openxmlformats.org/presentationml/2006/main">
   <p:cSld>
     <p:spTree>
       <p:nvGrpSpPr>
-        <p:cNvPr id="1" name=""/>
+        <p:cNvPr id="1" name="">
+          <a:extLst>
+            <a:ext uri="{FF2B5EF4-FFF2-40B4-BE49-F238E27FC236}">
+              <a16:creationId xmlns:a16="http://schemas.microsoft.com/office/drawing/2014/main" id="{4AD8E25B-69E7-840C-350A-203E9453D967}"/>
+            </a:ext>
+          </a:extLst>
+        </p:cNvPr>
         <p:cNvGrpSpPr/>
         <p:nvPr/>
       </p:nvGrpSpPr>
@@ -881,7 +1806,13 @@
       </p:grpSpPr>
       <p:sp>
         <p:nvSpPr>
-          <p:cNvPr id="2" name="Espaço Reservado para Imagem de Slide 1"/>
+          <p:cNvPr id="2" name="Espaço Reservado para Imagem de Slide 1">
+            <a:extLst>
+              <a:ext uri="{FF2B5EF4-FFF2-40B4-BE49-F238E27FC236}">
+                <a16:creationId xmlns:a16="http://schemas.microsoft.com/office/drawing/2014/main" id="{BAA35844-1B38-65BF-BFFA-B1E6033F1339}"/>
+              </a:ext>
+            </a:extLst>
+          </p:cNvPr>
           <p:cNvSpPr>
             <a:spLocks noGrp="1" noRot="1" noChangeAspect="1"/>
           </p:cNvSpPr>
@@ -898,7 +1829,13 @@
       </p:sp>
       <p:sp>
         <p:nvSpPr>
-          <p:cNvPr id="3" name="Espaço Reservado para Anotações 2"/>
+          <p:cNvPr id="3" name="Espaço Reservado para Anotações 2">
+            <a:extLst>
+              <a:ext uri="{FF2B5EF4-FFF2-40B4-BE49-F238E27FC236}">
+                <a16:creationId xmlns:a16="http://schemas.microsoft.com/office/drawing/2014/main" id="{92EBC657-261B-3B3E-0986-23F4E21EDFFE}"/>
+              </a:ext>
+            </a:extLst>
+          </p:cNvPr>
           <p:cNvSpPr>
             <a:spLocks noGrp="1"/>
           </p:cNvSpPr>
@@ -918,7 +1855,175 @@
     </p:spTree>
     <p:extLst>
       <p:ext uri="{BB962C8B-B14F-4D97-AF65-F5344CB8AC3E}">
-        <p14:creationId xmlns:p14="http://schemas.microsoft.com/office/powerpoint/2010/main" val="4290351292"/>
+        <p14:creationId xmlns:p14="http://schemas.microsoft.com/office/powerpoint/2010/main" val="1677960221"/>
+      </p:ext>
+    </p:extLst>
+  </p:cSld>
+  <p:clrMapOvr>
+    <a:masterClrMapping/>
+  </p:clrMapOvr>
+</p:notes>
+</file>
+
+<file path=ppt/notesSlides/notesSlide8.xml><?xml version="1.0" encoding="utf-8"?>
+<p:notes xmlns:a="http://schemas.openxmlformats.org/drawingml/2006/main" xmlns:r="http://schemas.openxmlformats.org/officeDocument/2006/relationships" xmlns:p="http://schemas.openxmlformats.org/presentationml/2006/main">
+  <p:cSld>
+    <p:spTree>
+      <p:nvGrpSpPr>
+        <p:cNvPr id="1" name="">
+          <a:extLst>
+            <a:ext uri="{FF2B5EF4-FFF2-40B4-BE49-F238E27FC236}">
+              <a16:creationId xmlns:a16="http://schemas.microsoft.com/office/drawing/2014/main" id="{ECC993DA-2D9E-CCCE-9231-2EBA5E209D5F}"/>
+            </a:ext>
+          </a:extLst>
+        </p:cNvPr>
+        <p:cNvGrpSpPr/>
+        <p:nvPr/>
+      </p:nvGrpSpPr>
+      <p:grpSpPr>
+        <a:xfrm>
+          <a:off x="0" y="0"/>
+          <a:ext cx="0" cy="0"/>
+          <a:chOff x="0" y="0"/>
+          <a:chExt cx="0" cy="0"/>
+        </a:xfrm>
+      </p:grpSpPr>
+      <p:sp>
+        <p:nvSpPr>
+          <p:cNvPr id="2" name="Espaço Reservado para Imagem de Slide 1">
+            <a:extLst>
+              <a:ext uri="{FF2B5EF4-FFF2-40B4-BE49-F238E27FC236}">
+                <a16:creationId xmlns:a16="http://schemas.microsoft.com/office/drawing/2014/main" id="{2E4D6954-C5D9-A014-4709-F0DDE364651F}"/>
+              </a:ext>
+            </a:extLst>
+          </p:cNvPr>
+          <p:cNvSpPr>
+            <a:spLocks noGrp="1" noRot="1" noChangeAspect="1"/>
+          </p:cNvSpPr>
+          <p:nvPr>
+            <p:ph type="sldImg"/>
+          </p:nvPr>
+        </p:nvSpPr>
+        <p:spPr>
+          <a:xfrm>
+            <a:off x="381000" y="685800"/>
+            <a:ext cx="6096000" cy="3429000"/>
+          </a:xfrm>
+        </p:spPr>
+      </p:sp>
+      <p:sp>
+        <p:nvSpPr>
+          <p:cNvPr id="3" name="Espaço Reservado para Anotações 2">
+            <a:extLst>
+              <a:ext uri="{FF2B5EF4-FFF2-40B4-BE49-F238E27FC236}">
+                <a16:creationId xmlns:a16="http://schemas.microsoft.com/office/drawing/2014/main" id="{9E5481B5-78A1-53E2-E5C5-6F6DC883EC00}"/>
+              </a:ext>
+            </a:extLst>
+          </p:cNvPr>
+          <p:cNvSpPr>
+            <a:spLocks noGrp="1"/>
+          </p:cNvSpPr>
+          <p:nvPr>
+            <p:ph type="body" idx="1"/>
+          </p:nvPr>
+        </p:nvSpPr>
+        <p:spPr/>
+        <p:txBody>
+          <a:bodyPr/>
+          <a:lstStyle/>
+          <a:p>
+            <a:endParaRPr lang="pt-BR" dirty="0"/>
+          </a:p>
+        </p:txBody>
+      </p:sp>
+    </p:spTree>
+    <p:extLst>
+      <p:ext uri="{BB962C8B-B14F-4D97-AF65-F5344CB8AC3E}">
+        <p14:creationId xmlns:p14="http://schemas.microsoft.com/office/powerpoint/2010/main" val="396212548"/>
+      </p:ext>
+    </p:extLst>
+  </p:cSld>
+  <p:clrMapOvr>
+    <a:masterClrMapping/>
+  </p:clrMapOvr>
+</p:notes>
+</file>
+
+<file path=ppt/notesSlides/notesSlide9.xml><?xml version="1.0" encoding="utf-8"?>
+<p:notes xmlns:a="http://schemas.openxmlformats.org/drawingml/2006/main" xmlns:r="http://schemas.openxmlformats.org/officeDocument/2006/relationships" xmlns:p="http://schemas.openxmlformats.org/presentationml/2006/main">
+  <p:cSld>
+    <p:spTree>
+      <p:nvGrpSpPr>
+        <p:cNvPr id="1" name="">
+          <a:extLst>
+            <a:ext uri="{FF2B5EF4-FFF2-40B4-BE49-F238E27FC236}">
+              <a16:creationId xmlns:a16="http://schemas.microsoft.com/office/drawing/2014/main" id="{BAB458C8-602B-1502-A882-C3AB97BFE31C}"/>
+            </a:ext>
+          </a:extLst>
+        </p:cNvPr>
+        <p:cNvGrpSpPr/>
+        <p:nvPr/>
+      </p:nvGrpSpPr>
+      <p:grpSpPr>
+        <a:xfrm>
+          <a:off x="0" y="0"/>
+          <a:ext cx="0" cy="0"/>
+          <a:chOff x="0" y="0"/>
+          <a:chExt cx="0" cy="0"/>
+        </a:xfrm>
+      </p:grpSpPr>
+      <p:sp>
+        <p:nvSpPr>
+          <p:cNvPr id="2" name="Espaço Reservado para Imagem de Slide 1">
+            <a:extLst>
+              <a:ext uri="{FF2B5EF4-FFF2-40B4-BE49-F238E27FC236}">
+                <a16:creationId xmlns:a16="http://schemas.microsoft.com/office/drawing/2014/main" id="{82846847-1C5E-CC95-7BD5-221029F70F0F}"/>
+              </a:ext>
+            </a:extLst>
+          </p:cNvPr>
+          <p:cNvSpPr>
+            <a:spLocks noGrp="1" noRot="1" noChangeAspect="1"/>
+          </p:cNvSpPr>
+          <p:nvPr>
+            <p:ph type="sldImg"/>
+          </p:nvPr>
+        </p:nvSpPr>
+        <p:spPr>
+          <a:xfrm>
+            <a:off x="381000" y="685800"/>
+            <a:ext cx="6096000" cy="3429000"/>
+          </a:xfrm>
+        </p:spPr>
+      </p:sp>
+      <p:sp>
+        <p:nvSpPr>
+          <p:cNvPr id="3" name="Espaço Reservado para Anotações 2">
+            <a:extLst>
+              <a:ext uri="{FF2B5EF4-FFF2-40B4-BE49-F238E27FC236}">
+                <a16:creationId xmlns:a16="http://schemas.microsoft.com/office/drawing/2014/main" id="{4CF21615-B441-299E-D215-BC6CE7A9044A}"/>
+              </a:ext>
+            </a:extLst>
+          </p:cNvPr>
+          <p:cNvSpPr>
+            <a:spLocks noGrp="1"/>
+          </p:cNvSpPr>
+          <p:nvPr>
+            <p:ph type="body" idx="1"/>
+          </p:nvPr>
+        </p:nvSpPr>
+        <p:spPr/>
+        <p:txBody>
+          <a:bodyPr/>
+          <a:lstStyle/>
+          <a:p>
+            <a:endParaRPr lang="pt-BR" dirty="0"/>
+          </a:p>
+        </p:txBody>
+      </p:sp>
+    </p:spTree>
+    <p:extLst>
+      <p:ext uri="{BB962C8B-B14F-4D97-AF65-F5344CB8AC3E}">
+        <p14:creationId xmlns:p14="http://schemas.microsoft.com/office/powerpoint/2010/main" val="3676224157"/>
       </p:ext>
     </p:extLst>
   </p:cSld>
@@ -3865,6 +4970,2355 @@
 </p:sld>
 </file>
 
+<file path=ppt/slides/slide10.xml><?xml version="1.0" encoding="utf-8"?>
+<p:sld xmlns:a="http://schemas.openxmlformats.org/drawingml/2006/main" xmlns:r="http://schemas.openxmlformats.org/officeDocument/2006/relationships" xmlns:p="http://schemas.openxmlformats.org/presentationml/2006/main">
+  <p:cSld>
+    <p:spTree>
+      <p:nvGrpSpPr>
+        <p:cNvPr id="1" name="">
+          <a:extLst>
+            <a:ext uri="{FF2B5EF4-FFF2-40B4-BE49-F238E27FC236}">
+              <a16:creationId xmlns:a16="http://schemas.microsoft.com/office/drawing/2014/main" id="{ADB4DFD7-0348-FB9B-0B06-B709489BE19C}"/>
+            </a:ext>
+          </a:extLst>
+        </p:cNvPr>
+        <p:cNvGrpSpPr/>
+        <p:nvPr/>
+      </p:nvGrpSpPr>
+      <p:grpSpPr>
+        <a:xfrm>
+          <a:off x="0" y="0"/>
+          <a:ext cx="0" cy="0"/>
+          <a:chOff x="0" y="0"/>
+          <a:chExt cx="0" cy="0"/>
+        </a:xfrm>
+      </p:grpSpPr>
+      <p:sp>
+        <p:nvSpPr>
+          <p:cNvPr id="6" name="Title 1">
+            <a:extLst>
+              <a:ext uri="{FF2B5EF4-FFF2-40B4-BE49-F238E27FC236}">
+                <a16:creationId xmlns:a16="http://schemas.microsoft.com/office/drawing/2014/main" id="{14AD7B61-07F8-E241-2ADA-0A45D5ED90D7}"/>
+              </a:ext>
+            </a:extLst>
+          </p:cNvPr>
+          <p:cNvSpPr>
+            <a:spLocks noGrp="1"/>
+          </p:cNvSpPr>
+          <p:nvPr>
+            <p:ph type="title"/>
+          </p:nvPr>
+        </p:nvSpPr>
+        <p:spPr>
+          <a:xfrm>
+            <a:off x="457200" y="205980"/>
+            <a:ext cx="8229600" cy="857251"/>
+          </a:xfrm>
+        </p:spPr>
+        <p:txBody>
+          <a:bodyPr>
+            <a:normAutofit/>
+          </a:bodyPr>
+          <a:lstStyle/>
+          <a:p>
+            <a:r>
+              <a:rPr lang="en-US" b="1" dirty="0">
+                <a:solidFill>
+                  <a:srgbClr val="0070C0"/>
+                </a:solidFill>
+              </a:rPr>
+              <a:t>CLP – </a:t>
+            </a:r>
+            <a:r>
+              <a:rPr lang="en-US" b="1" dirty="0" err="1">
+                <a:solidFill>
+                  <a:srgbClr val="0070C0"/>
+                </a:solidFill>
+              </a:rPr>
+              <a:t>Estrutura</a:t>
+            </a:r>
+            <a:r>
+              <a:rPr lang="en-US" b="1" dirty="0">
+                <a:solidFill>
+                  <a:srgbClr val="0070C0"/>
+                </a:solidFill>
+              </a:rPr>
+              <a:t> dos </a:t>
+            </a:r>
+            <a:r>
+              <a:rPr lang="en-US" b="1" dirty="0" err="1">
+                <a:solidFill>
+                  <a:srgbClr val="0070C0"/>
+                </a:solidFill>
+              </a:rPr>
+              <a:t>Relatórios</a:t>
+            </a:r>
+            <a:endParaRPr lang="en-US" b="1" dirty="0">
+              <a:solidFill>
+                <a:srgbClr val="0070C0"/>
+              </a:solidFill>
+            </a:endParaRPr>
+          </a:p>
+        </p:txBody>
+      </p:sp>
+      <p:sp>
+        <p:nvSpPr>
+          <p:cNvPr id="8" name="Text Placeholder 2">
+            <a:extLst>
+              <a:ext uri="{FF2B5EF4-FFF2-40B4-BE49-F238E27FC236}">
+                <a16:creationId xmlns:a16="http://schemas.microsoft.com/office/drawing/2014/main" id="{71DBAA9A-C7D4-36FE-14D1-E05BCE857393}"/>
+              </a:ext>
+            </a:extLst>
+          </p:cNvPr>
+          <p:cNvSpPr>
+            <a:spLocks noGrp="1"/>
+          </p:cNvSpPr>
+          <p:nvPr>
+            <p:ph type="body" sz="half" idx="1"/>
+          </p:nvPr>
+        </p:nvSpPr>
+        <p:spPr>
+          <a:xfrm>
+            <a:off x="142865" y="1035050"/>
+            <a:ext cx="8865056" cy="3994150"/>
+          </a:xfrm>
+        </p:spPr>
+        <p:txBody>
+          <a:bodyPr>
+            <a:noAutofit/>
+          </a:bodyPr>
+          <a:lstStyle/>
+          <a:p>
+            <a:pPr marL="0" indent="0" algn="just">
+              <a:buNone/>
+            </a:pPr>
+            <a:endParaRPr lang="pt-BR" sz="2400" dirty="0">
+              <a:latin typeface="Times New Roman" panose="02020603050405020304" pitchFamily="18" charset="0"/>
+              <a:cs typeface="Times New Roman" panose="02020603050405020304" pitchFamily="18" charset="0"/>
+            </a:endParaRPr>
+          </a:p>
+          <a:p>
+            <a:pPr algn="just"/>
+            <a:r>
+              <a:rPr lang="pt-BR" sz="2400" dirty="0">
+                <a:latin typeface="Times New Roman" panose="02020603050405020304" pitchFamily="18" charset="0"/>
+                <a:cs typeface="Times New Roman" panose="02020603050405020304" pitchFamily="18" charset="0"/>
+              </a:rPr>
+              <a:t>Seja claro e objetivo;</a:t>
+            </a:r>
+          </a:p>
+          <a:p>
+            <a:pPr algn="just"/>
+            <a:endParaRPr lang="pt-BR" sz="2400" dirty="0">
+              <a:latin typeface="Times New Roman" panose="02020603050405020304" pitchFamily="18" charset="0"/>
+              <a:cs typeface="Times New Roman" panose="02020603050405020304" pitchFamily="18" charset="0"/>
+            </a:endParaRPr>
+          </a:p>
+          <a:p>
+            <a:pPr algn="just"/>
+            <a:r>
+              <a:rPr lang="pt-BR" sz="2400" dirty="0">
+                <a:latin typeface="Times New Roman" panose="02020603050405020304" pitchFamily="18" charset="0"/>
+                <a:cs typeface="Times New Roman" panose="02020603050405020304" pitchFamily="18" charset="0"/>
+              </a:rPr>
+              <a:t>Evite plágio (cite corretamente </a:t>
+            </a:r>
+            <a:r>
+              <a:rPr lang="pt-BR" sz="2400" b="1" dirty="0">
+                <a:latin typeface="Times New Roman" panose="02020603050405020304" pitchFamily="18" charset="0"/>
+                <a:cs typeface="Times New Roman" panose="02020603050405020304" pitchFamily="18" charset="0"/>
+              </a:rPr>
+              <a:t>padrão ABNT</a:t>
+            </a:r>
+            <a:r>
+              <a:rPr lang="pt-BR" sz="2400" dirty="0">
+                <a:latin typeface="Times New Roman" panose="02020603050405020304" pitchFamily="18" charset="0"/>
+                <a:cs typeface="Times New Roman" panose="02020603050405020304" pitchFamily="18" charset="0"/>
+              </a:rPr>
+              <a:t>);</a:t>
+            </a:r>
+          </a:p>
+          <a:p>
+            <a:pPr algn="just"/>
+            <a:endParaRPr lang="pt-BR" sz="2400" dirty="0">
+              <a:latin typeface="Times New Roman" panose="02020603050405020304" pitchFamily="18" charset="0"/>
+              <a:cs typeface="Times New Roman" panose="02020603050405020304" pitchFamily="18" charset="0"/>
+            </a:endParaRPr>
+          </a:p>
+          <a:p>
+            <a:pPr algn="just"/>
+            <a:r>
+              <a:rPr lang="pt-BR" sz="2400" dirty="0">
+                <a:latin typeface="Times New Roman" panose="02020603050405020304" pitchFamily="18" charset="0"/>
+                <a:cs typeface="Times New Roman" panose="02020603050405020304" pitchFamily="18" charset="0"/>
+              </a:rPr>
+              <a:t>Use normas da ABNT ou da instituição.</a:t>
+            </a:r>
+          </a:p>
+          <a:p>
+            <a:pPr algn="just"/>
+            <a:endParaRPr lang="pt-BR" sz="2400" dirty="0">
+              <a:latin typeface="Times New Roman" panose="02020603050405020304" pitchFamily="18" charset="0"/>
+              <a:cs typeface="Times New Roman" panose="02020603050405020304" pitchFamily="18" charset="0"/>
+            </a:endParaRPr>
+          </a:p>
+        </p:txBody>
+      </p:sp>
+    </p:spTree>
+    <p:extLst>
+      <p:ext uri="{BB962C8B-B14F-4D97-AF65-F5344CB8AC3E}">
+        <p14:creationId xmlns:p14="http://schemas.microsoft.com/office/powerpoint/2010/main" val="1185352629"/>
+      </p:ext>
+    </p:extLst>
+  </p:cSld>
+  <p:clrMapOvr>
+    <a:masterClrMapping/>
+  </p:clrMapOvr>
+  <p:transition spd="med"/>
+</p:sld>
+</file>
+
+<file path=ppt/slides/slide11.xml><?xml version="1.0" encoding="utf-8"?>
+<p:sld xmlns:a="http://schemas.openxmlformats.org/drawingml/2006/main" xmlns:r="http://schemas.openxmlformats.org/officeDocument/2006/relationships" xmlns:p="http://schemas.openxmlformats.org/presentationml/2006/main">
+  <p:cSld>
+    <p:spTree>
+      <p:nvGrpSpPr>
+        <p:cNvPr id="1" name="">
+          <a:extLst>
+            <a:ext uri="{FF2B5EF4-FFF2-40B4-BE49-F238E27FC236}">
+              <a16:creationId xmlns:a16="http://schemas.microsoft.com/office/drawing/2014/main" id="{F9991FEF-97D8-E398-FBD9-53B345739FA4}"/>
+            </a:ext>
+          </a:extLst>
+        </p:cNvPr>
+        <p:cNvGrpSpPr/>
+        <p:nvPr/>
+      </p:nvGrpSpPr>
+      <p:grpSpPr>
+        <a:xfrm>
+          <a:off x="0" y="0"/>
+          <a:ext cx="0" cy="0"/>
+          <a:chOff x="0" y="0"/>
+          <a:chExt cx="0" cy="0"/>
+        </a:xfrm>
+      </p:grpSpPr>
+      <p:sp>
+        <p:nvSpPr>
+          <p:cNvPr id="6" name="Title 1">
+            <a:extLst>
+              <a:ext uri="{FF2B5EF4-FFF2-40B4-BE49-F238E27FC236}">
+                <a16:creationId xmlns:a16="http://schemas.microsoft.com/office/drawing/2014/main" id="{A5D8D53C-18D5-07A4-B426-41AA4650835E}"/>
+              </a:ext>
+            </a:extLst>
+          </p:cNvPr>
+          <p:cNvSpPr>
+            <a:spLocks noGrp="1"/>
+          </p:cNvSpPr>
+          <p:nvPr>
+            <p:ph type="title"/>
+          </p:nvPr>
+        </p:nvSpPr>
+        <p:spPr>
+          <a:xfrm>
+            <a:off x="457200" y="205980"/>
+            <a:ext cx="8229600" cy="857251"/>
+          </a:xfrm>
+        </p:spPr>
+        <p:txBody>
+          <a:bodyPr>
+            <a:normAutofit/>
+          </a:bodyPr>
+          <a:lstStyle/>
+          <a:p>
+            <a:r>
+              <a:rPr lang="en-US" b="1" dirty="0">
+                <a:solidFill>
+                  <a:srgbClr val="0070C0"/>
+                </a:solidFill>
+              </a:rPr>
+              <a:t>CLP – </a:t>
+            </a:r>
+            <a:r>
+              <a:rPr lang="en-US" b="1" dirty="0" err="1">
+                <a:solidFill>
+                  <a:srgbClr val="0070C0"/>
+                </a:solidFill>
+              </a:rPr>
+              <a:t>Preparação</a:t>
+            </a:r>
+            <a:r>
+              <a:rPr lang="en-US" b="1" dirty="0">
+                <a:solidFill>
+                  <a:srgbClr val="0070C0"/>
+                </a:solidFill>
+              </a:rPr>
+              <a:t> para </a:t>
+            </a:r>
+            <a:r>
+              <a:rPr lang="en-US" b="1" dirty="0" err="1">
+                <a:solidFill>
+                  <a:srgbClr val="0070C0"/>
+                </a:solidFill>
+              </a:rPr>
+              <a:t>Apresentar</a:t>
+            </a:r>
+            <a:endParaRPr lang="en-US" b="1" dirty="0">
+              <a:solidFill>
+                <a:srgbClr val="0070C0"/>
+              </a:solidFill>
+            </a:endParaRPr>
+          </a:p>
+        </p:txBody>
+      </p:sp>
+      <p:sp>
+        <p:nvSpPr>
+          <p:cNvPr id="8" name="Text Placeholder 2">
+            <a:extLst>
+              <a:ext uri="{FF2B5EF4-FFF2-40B4-BE49-F238E27FC236}">
+                <a16:creationId xmlns:a16="http://schemas.microsoft.com/office/drawing/2014/main" id="{30F707F9-65E6-8A5F-9703-B721AAD963D6}"/>
+              </a:ext>
+            </a:extLst>
+          </p:cNvPr>
+          <p:cNvSpPr>
+            <a:spLocks noGrp="1"/>
+          </p:cNvSpPr>
+          <p:nvPr>
+            <p:ph type="body" sz="half" idx="1"/>
+          </p:nvPr>
+        </p:nvSpPr>
+        <p:spPr>
+          <a:xfrm>
+            <a:off x="142865" y="1035050"/>
+            <a:ext cx="8865056" cy="3994150"/>
+          </a:xfrm>
+        </p:spPr>
+        <p:txBody>
+          <a:bodyPr>
+            <a:noAutofit/>
+          </a:bodyPr>
+          <a:lstStyle/>
+          <a:p>
+            <a:pPr marL="0" indent="0" algn="just">
+              <a:buNone/>
+            </a:pPr>
+            <a:endParaRPr lang="pt-BR" sz="2400" dirty="0">
+              <a:latin typeface="Times New Roman" panose="02020603050405020304" pitchFamily="18" charset="0"/>
+              <a:cs typeface="Times New Roman" panose="02020603050405020304" pitchFamily="18" charset="0"/>
+            </a:endParaRPr>
+          </a:p>
+          <a:p>
+            <a:pPr algn="just"/>
+            <a:r>
+              <a:rPr lang="pt-BR" sz="2400" dirty="0">
+                <a:latin typeface="Times New Roman" panose="02020603050405020304" pitchFamily="18" charset="0"/>
+                <a:cs typeface="Times New Roman" panose="02020603050405020304" pitchFamily="18" charset="0"/>
+              </a:rPr>
+              <a:t>Elabore slides claros e objetivos;</a:t>
+            </a:r>
+          </a:p>
+          <a:p>
+            <a:pPr algn="just"/>
+            <a:endParaRPr lang="pt-BR" sz="2400" dirty="0">
+              <a:latin typeface="Times New Roman" panose="02020603050405020304" pitchFamily="18" charset="0"/>
+              <a:cs typeface="Times New Roman" panose="02020603050405020304" pitchFamily="18" charset="0"/>
+            </a:endParaRPr>
+          </a:p>
+          <a:p>
+            <a:pPr algn="just"/>
+            <a:r>
+              <a:rPr lang="pt-BR" sz="2400" dirty="0">
+                <a:latin typeface="Times New Roman" panose="02020603050405020304" pitchFamily="18" charset="0"/>
+                <a:cs typeface="Times New Roman" panose="02020603050405020304" pitchFamily="18" charset="0"/>
+              </a:rPr>
+              <a:t>Pratique a oratória: postura, voz e tempo;</a:t>
+            </a:r>
+          </a:p>
+          <a:p>
+            <a:pPr algn="just"/>
+            <a:endParaRPr lang="pt-BR" sz="2400" dirty="0">
+              <a:latin typeface="Times New Roman" panose="02020603050405020304" pitchFamily="18" charset="0"/>
+              <a:cs typeface="Times New Roman" panose="02020603050405020304" pitchFamily="18" charset="0"/>
+            </a:endParaRPr>
+          </a:p>
+          <a:p>
+            <a:pPr algn="just"/>
+            <a:r>
+              <a:rPr lang="pt-BR" sz="2400" dirty="0">
+                <a:latin typeface="Times New Roman" panose="02020603050405020304" pitchFamily="18" charset="0"/>
+                <a:cs typeface="Times New Roman" panose="02020603050405020304" pitchFamily="18" charset="0"/>
+              </a:rPr>
+              <a:t>Use protótipos, vídeos ou demonstrações se possível.</a:t>
+            </a:r>
+          </a:p>
+          <a:p>
+            <a:pPr algn="just"/>
+            <a:endParaRPr lang="pt-BR" sz="2400" dirty="0">
+              <a:latin typeface="Times New Roman" panose="02020603050405020304" pitchFamily="18" charset="0"/>
+              <a:cs typeface="Times New Roman" panose="02020603050405020304" pitchFamily="18" charset="0"/>
+            </a:endParaRPr>
+          </a:p>
+        </p:txBody>
+      </p:sp>
+    </p:spTree>
+    <p:extLst>
+      <p:ext uri="{BB962C8B-B14F-4D97-AF65-F5344CB8AC3E}">
+        <p14:creationId xmlns:p14="http://schemas.microsoft.com/office/powerpoint/2010/main" val="2667437582"/>
+      </p:ext>
+    </p:extLst>
+  </p:cSld>
+  <p:clrMapOvr>
+    <a:masterClrMapping/>
+  </p:clrMapOvr>
+  <p:transition spd="med"/>
+</p:sld>
+</file>
+
+<file path=ppt/slides/slide12.xml><?xml version="1.0" encoding="utf-8"?>
+<p:sld xmlns:a="http://schemas.openxmlformats.org/drawingml/2006/main" xmlns:r="http://schemas.openxmlformats.org/officeDocument/2006/relationships" xmlns:p="http://schemas.openxmlformats.org/presentationml/2006/main">
+  <p:cSld>
+    <p:spTree>
+      <p:nvGrpSpPr>
+        <p:cNvPr id="1" name="">
+          <a:extLst>
+            <a:ext uri="{FF2B5EF4-FFF2-40B4-BE49-F238E27FC236}">
+              <a16:creationId xmlns:a16="http://schemas.microsoft.com/office/drawing/2014/main" id="{93E933D9-D8A8-C979-6C53-3FFD4EF7260C}"/>
+            </a:ext>
+          </a:extLst>
+        </p:cNvPr>
+        <p:cNvGrpSpPr/>
+        <p:nvPr/>
+      </p:nvGrpSpPr>
+      <p:grpSpPr>
+        <a:xfrm>
+          <a:off x="0" y="0"/>
+          <a:ext cx="0" cy="0"/>
+          <a:chOff x="0" y="0"/>
+          <a:chExt cx="0" cy="0"/>
+        </a:xfrm>
+      </p:grpSpPr>
+      <p:sp>
+        <p:nvSpPr>
+          <p:cNvPr id="6" name="Title 1">
+            <a:extLst>
+              <a:ext uri="{FF2B5EF4-FFF2-40B4-BE49-F238E27FC236}">
+                <a16:creationId xmlns:a16="http://schemas.microsoft.com/office/drawing/2014/main" id="{28BE857A-0302-743D-E8AD-4249FA2C4F3A}"/>
+              </a:ext>
+            </a:extLst>
+          </p:cNvPr>
+          <p:cNvSpPr>
+            <a:spLocks noGrp="1"/>
+          </p:cNvSpPr>
+          <p:nvPr>
+            <p:ph type="title"/>
+          </p:nvPr>
+        </p:nvSpPr>
+        <p:spPr>
+          <a:xfrm>
+            <a:off x="457200" y="205980"/>
+            <a:ext cx="8229600" cy="857251"/>
+          </a:xfrm>
+        </p:spPr>
+        <p:txBody>
+          <a:bodyPr>
+            <a:normAutofit fontScale="90000"/>
+          </a:bodyPr>
+          <a:lstStyle/>
+          <a:p>
+            <a:r>
+              <a:rPr lang="en-US" b="1" dirty="0">
+                <a:solidFill>
+                  <a:srgbClr val="0070C0"/>
+                </a:solidFill>
+              </a:rPr>
+              <a:t>CLP – Durante a Banca </a:t>
+            </a:r>
+            <a:r>
+              <a:rPr lang="en-US" b="1" dirty="0" err="1">
+                <a:solidFill>
+                  <a:srgbClr val="0070C0"/>
+                </a:solidFill>
+              </a:rPr>
+              <a:t>Examinadora</a:t>
+            </a:r>
+            <a:endParaRPr lang="en-US" b="1" dirty="0">
+              <a:solidFill>
+                <a:srgbClr val="0070C0"/>
+              </a:solidFill>
+            </a:endParaRPr>
+          </a:p>
+        </p:txBody>
+      </p:sp>
+      <p:sp>
+        <p:nvSpPr>
+          <p:cNvPr id="8" name="Text Placeholder 2">
+            <a:extLst>
+              <a:ext uri="{FF2B5EF4-FFF2-40B4-BE49-F238E27FC236}">
+                <a16:creationId xmlns:a16="http://schemas.microsoft.com/office/drawing/2014/main" id="{A31ED153-3F7C-34B2-5ABD-902A5389EE71}"/>
+              </a:ext>
+            </a:extLst>
+          </p:cNvPr>
+          <p:cNvSpPr>
+            <a:spLocks noGrp="1"/>
+          </p:cNvSpPr>
+          <p:nvPr>
+            <p:ph type="body" sz="half" idx="1"/>
+          </p:nvPr>
+        </p:nvSpPr>
+        <p:spPr>
+          <a:xfrm>
+            <a:off x="142865" y="1035050"/>
+            <a:ext cx="8865056" cy="3994150"/>
+          </a:xfrm>
+        </p:spPr>
+        <p:txBody>
+          <a:bodyPr>
+            <a:noAutofit/>
+          </a:bodyPr>
+          <a:lstStyle/>
+          <a:p>
+            <a:pPr marL="0" indent="0" algn="just">
+              <a:buNone/>
+            </a:pPr>
+            <a:endParaRPr lang="pt-BR" sz="2400" dirty="0">
+              <a:latin typeface="Times New Roman" panose="02020603050405020304" pitchFamily="18" charset="0"/>
+              <a:cs typeface="Times New Roman" panose="02020603050405020304" pitchFamily="18" charset="0"/>
+            </a:endParaRPr>
+          </a:p>
+          <a:p>
+            <a:pPr algn="just"/>
+            <a:r>
+              <a:rPr lang="pt-BR" sz="2400" dirty="0">
+                <a:latin typeface="Times New Roman" panose="02020603050405020304" pitchFamily="18" charset="0"/>
+                <a:cs typeface="Times New Roman" panose="02020603050405020304" pitchFamily="18" charset="0"/>
+              </a:rPr>
+              <a:t>Esteja </a:t>
+            </a:r>
+            <a:r>
+              <a:rPr lang="pt-BR" sz="2400" b="1" dirty="0">
+                <a:latin typeface="Times New Roman" panose="02020603050405020304" pitchFamily="18" charset="0"/>
+                <a:cs typeface="Times New Roman" panose="02020603050405020304" pitchFamily="18" charset="0"/>
+              </a:rPr>
+              <a:t>preparado</a:t>
+            </a:r>
+            <a:r>
+              <a:rPr lang="pt-BR" sz="2400" dirty="0">
+                <a:latin typeface="Times New Roman" panose="02020603050405020304" pitchFamily="18" charset="0"/>
+                <a:cs typeface="Times New Roman" panose="02020603050405020304" pitchFamily="18" charset="0"/>
+              </a:rPr>
+              <a:t> para responder perguntas;</a:t>
+            </a:r>
+          </a:p>
+          <a:p>
+            <a:pPr algn="just"/>
+            <a:endParaRPr lang="pt-BR" sz="2400" dirty="0">
+              <a:latin typeface="Times New Roman" panose="02020603050405020304" pitchFamily="18" charset="0"/>
+              <a:cs typeface="Times New Roman" panose="02020603050405020304" pitchFamily="18" charset="0"/>
+            </a:endParaRPr>
+          </a:p>
+          <a:p>
+            <a:pPr algn="just"/>
+            <a:r>
+              <a:rPr lang="pt-BR" sz="2400" dirty="0">
+                <a:latin typeface="Times New Roman" panose="02020603050405020304" pitchFamily="18" charset="0"/>
+                <a:cs typeface="Times New Roman" panose="02020603050405020304" pitchFamily="18" charset="0"/>
+              </a:rPr>
+              <a:t>Demonstre </a:t>
+            </a:r>
+            <a:r>
+              <a:rPr lang="pt-BR" sz="2400" b="1" dirty="0">
+                <a:latin typeface="Times New Roman" panose="02020603050405020304" pitchFamily="18" charset="0"/>
+                <a:cs typeface="Times New Roman" panose="02020603050405020304" pitchFamily="18" charset="0"/>
+              </a:rPr>
+              <a:t>segurança</a:t>
+            </a:r>
+            <a:r>
+              <a:rPr lang="pt-BR" sz="2400" dirty="0">
+                <a:latin typeface="Times New Roman" panose="02020603050405020304" pitchFamily="18" charset="0"/>
+                <a:cs typeface="Times New Roman" panose="02020603050405020304" pitchFamily="18" charset="0"/>
+              </a:rPr>
+              <a:t> e </a:t>
+            </a:r>
+            <a:r>
+              <a:rPr lang="pt-BR" sz="2400" b="1" dirty="0">
+                <a:latin typeface="Times New Roman" panose="02020603050405020304" pitchFamily="18" charset="0"/>
+                <a:cs typeface="Times New Roman" panose="02020603050405020304" pitchFamily="18" charset="0"/>
+              </a:rPr>
+              <a:t>domínio</a:t>
+            </a:r>
+            <a:r>
+              <a:rPr lang="pt-BR" sz="2400" dirty="0">
+                <a:latin typeface="Times New Roman" panose="02020603050405020304" pitchFamily="18" charset="0"/>
+                <a:cs typeface="Times New Roman" panose="02020603050405020304" pitchFamily="18" charset="0"/>
+              </a:rPr>
+              <a:t> do conteúdo;</a:t>
+            </a:r>
+          </a:p>
+          <a:p>
+            <a:pPr algn="just"/>
+            <a:endParaRPr lang="pt-BR" sz="2400" dirty="0">
+              <a:latin typeface="Times New Roman" panose="02020603050405020304" pitchFamily="18" charset="0"/>
+              <a:cs typeface="Times New Roman" panose="02020603050405020304" pitchFamily="18" charset="0"/>
+            </a:endParaRPr>
+          </a:p>
+          <a:p>
+            <a:pPr algn="just"/>
+            <a:r>
+              <a:rPr lang="pt-BR" sz="2400" b="1" dirty="0">
+                <a:latin typeface="Times New Roman" panose="02020603050405020304" pitchFamily="18" charset="0"/>
+                <a:cs typeface="Times New Roman" panose="02020603050405020304" pitchFamily="18" charset="0"/>
+              </a:rPr>
+              <a:t>Agradeça e valorize o feedback </a:t>
+            </a:r>
+            <a:r>
+              <a:rPr lang="pt-BR" sz="2400" dirty="0">
+                <a:latin typeface="Times New Roman" panose="02020603050405020304" pitchFamily="18" charset="0"/>
+                <a:cs typeface="Times New Roman" panose="02020603050405020304" pitchFamily="18" charset="0"/>
+              </a:rPr>
+              <a:t>recebido.</a:t>
+            </a:r>
+          </a:p>
+          <a:p>
+            <a:pPr algn="just"/>
+            <a:endParaRPr lang="pt-BR" sz="2400" dirty="0">
+              <a:latin typeface="Times New Roman" panose="02020603050405020304" pitchFamily="18" charset="0"/>
+              <a:cs typeface="Times New Roman" panose="02020603050405020304" pitchFamily="18" charset="0"/>
+            </a:endParaRPr>
+          </a:p>
+        </p:txBody>
+      </p:sp>
+    </p:spTree>
+    <p:extLst>
+      <p:ext uri="{BB962C8B-B14F-4D97-AF65-F5344CB8AC3E}">
+        <p14:creationId xmlns:p14="http://schemas.microsoft.com/office/powerpoint/2010/main" val="265616266"/>
+      </p:ext>
+    </p:extLst>
+  </p:cSld>
+  <p:clrMapOvr>
+    <a:masterClrMapping/>
+  </p:clrMapOvr>
+  <p:transition spd="med"/>
+</p:sld>
+</file>
+
+<file path=ppt/slides/slide13.xml><?xml version="1.0" encoding="utf-8"?>
+<p:sld xmlns:a="http://schemas.openxmlformats.org/drawingml/2006/main" xmlns:r="http://schemas.openxmlformats.org/officeDocument/2006/relationships" xmlns:p="http://schemas.openxmlformats.org/presentationml/2006/main">
+  <p:cSld>
+    <p:spTree>
+      <p:nvGrpSpPr>
+        <p:cNvPr id="1" name="">
+          <a:extLst>
+            <a:ext uri="{FF2B5EF4-FFF2-40B4-BE49-F238E27FC236}">
+              <a16:creationId xmlns:a16="http://schemas.microsoft.com/office/drawing/2014/main" id="{1FC2ABAD-1B59-009F-5883-801DAA4B7447}"/>
+            </a:ext>
+          </a:extLst>
+        </p:cNvPr>
+        <p:cNvGrpSpPr/>
+        <p:nvPr/>
+      </p:nvGrpSpPr>
+      <p:grpSpPr>
+        <a:xfrm>
+          <a:off x="0" y="0"/>
+          <a:ext cx="0" cy="0"/>
+          <a:chOff x="0" y="0"/>
+          <a:chExt cx="0" cy="0"/>
+        </a:xfrm>
+      </p:grpSpPr>
+      <p:sp>
+        <p:nvSpPr>
+          <p:cNvPr id="6" name="Title 1">
+            <a:extLst>
+              <a:ext uri="{FF2B5EF4-FFF2-40B4-BE49-F238E27FC236}">
+                <a16:creationId xmlns:a16="http://schemas.microsoft.com/office/drawing/2014/main" id="{D2A9A7AB-2D39-9C41-22D3-17EA8F858BDB}"/>
+              </a:ext>
+            </a:extLst>
+          </p:cNvPr>
+          <p:cNvSpPr>
+            <a:spLocks noGrp="1"/>
+          </p:cNvSpPr>
+          <p:nvPr>
+            <p:ph type="title"/>
+          </p:nvPr>
+        </p:nvSpPr>
+        <p:spPr>
+          <a:xfrm>
+            <a:off x="457200" y="205980"/>
+            <a:ext cx="8229600" cy="857251"/>
+          </a:xfrm>
+        </p:spPr>
+        <p:txBody>
+          <a:bodyPr>
+            <a:normAutofit/>
+          </a:bodyPr>
+          <a:lstStyle/>
+          <a:p>
+            <a:r>
+              <a:rPr lang="en-US" b="1" dirty="0">
+                <a:solidFill>
+                  <a:srgbClr val="0070C0"/>
+                </a:solidFill>
+              </a:rPr>
+              <a:t>CLP – Durante o </a:t>
+            </a:r>
+            <a:r>
+              <a:rPr lang="en-US" b="1" dirty="0" err="1">
+                <a:solidFill>
+                  <a:srgbClr val="0070C0"/>
+                </a:solidFill>
+              </a:rPr>
+              <a:t>Projeto</a:t>
+            </a:r>
+            <a:endParaRPr lang="en-US" b="1" dirty="0">
+              <a:solidFill>
+                <a:srgbClr val="0070C0"/>
+              </a:solidFill>
+            </a:endParaRPr>
+          </a:p>
+        </p:txBody>
+      </p:sp>
+      <p:sp>
+        <p:nvSpPr>
+          <p:cNvPr id="8" name="Text Placeholder 2">
+            <a:extLst>
+              <a:ext uri="{FF2B5EF4-FFF2-40B4-BE49-F238E27FC236}">
+                <a16:creationId xmlns:a16="http://schemas.microsoft.com/office/drawing/2014/main" id="{19573CE7-0C58-ECEB-2DCD-86BC355A0F70}"/>
+              </a:ext>
+            </a:extLst>
+          </p:cNvPr>
+          <p:cNvSpPr>
+            <a:spLocks noGrp="1"/>
+          </p:cNvSpPr>
+          <p:nvPr>
+            <p:ph type="body" sz="half" idx="1"/>
+          </p:nvPr>
+        </p:nvSpPr>
+        <p:spPr>
+          <a:xfrm>
+            <a:off x="142865" y="1035050"/>
+            <a:ext cx="8865056" cy="3994150"/>
+          </a:xfrm>
+        </p:spPr>
+        <p:txBody>
+          <a:bodyPr>
+            <a:noAutofit/>
+          </a:bodyPr>
+          <a:lstStyle/>
+          <a:p>
+            <a:pPr marL="0" indent="0" algn="just">
+              <a:buNone/>
+            </a:pPr>
+            <a:endParaRPr lang="pt-BR" sz="2400" dirty="0">
+              <a:latin typeface="Times New Roman" panose="02020603050405020304" pitchFamily="18" charset="0"/>
+              <a:cs typeface="Times New Roman" panose="02020603050405020304" pitchFamily="18" charset="0"/>
+            </a:endParaRPr>
+          </a:p>
+          <a:p>
+            <a:pPr algn="just"/>
+            <a:r>
+              <a:rPr lang="pt-BR" sz="2400" dirty="0">
+                <a:latin typeface="Times New Roman" panose="02020603050405020304" pitchFamily="18" charset="0"/>
+                <a:cs typeface="Times New Roman" panose="02020603050405020304" pitchFamily="18" charset="0"/>
+              </a:rPr>
+              <a:t>Mantenha </a:t>
+            </a:r>
+            <a:r>
+              <a:rPr lang="pt-BR" sz="2400" b="1" dirty="0">
+                <a:latin typeface="Times New Roman" panose="02020603050405020304" pitchFamily="18" charset="0"/>
+                <a:cs typeface="Times New Roman" panose="02020603050405020304" pitchFamily="18" charset="0"/>
+              </a:rPr>
+              <a:t>contato constante </a:t>
+            </a:r>
+            <a:r>
+              <a:rPr lang="pt-BR" sz="2400" dirty="0">
+                <a:latin typeface="Times New Roman" panose="02020603050405020304" pitchFamily="18" charset="0"/>
+                <a:cs typeface="Times New Roman" panose="02020603050405020304" pitchFamily="18" charset="0"/>
+              </a:rPr>
+              <a:t>com o </a:t>
+            </a:r>
+            <a:r>
+              <a:rPr lang="pt-BR" sz="2400" b="1" dirty="0">
+                <a:latin typeface="Times New Roman" panose="02020603050405020304" pitchFamily="18" charset="0"/>
+                <a:cs typeface="Times New Roman" panose="02020603050405020304" pitchFamily="18" charset="0"/>
+              </a:rPr>
+              <a:t>orientador</a:t>
+            </a:r>
+            <a:r>
+              <a:rPr lang="pt-BR" sz="2400" dirty="0">
+                <a:latin typeface="Times New Roman" panose="02020603050405020304" pitchFamily="18" charset="0"/>
+                <a:cs typeface="Times New Roman" panose="02020603050405020304" pitchFamily="18" charset="0"/>
+              </a:rPr>
+              <a:t>;</a:t>
+            </a:r>
+          </a:p>
+          <a:p>
+            <a:pPr algn="just"/>
+            <a:endParaRPr lang="pt-BR" sz="2400" dirty="0">
+              <a:latin typeface="Times New Roman" panose="02020603050405020304" pitchFamily="18" charset="0"/>
+              <a:cs typeface="Times New Roman" panose="02020603050405020304" pitchFamily="18" charset="0"/>
+            </a:endParaRPr>
+          </a:p>
+          <a:p>
+            <a:pPr algn="just"/>
+            <a:r>
+              <a:rPr lang="pt-BR" sz="2400" b="1" dirty="0">
+                <a:latin typeface="Times New Roman" panose="02020603050405020304" pitchFamily="18" charset="0"/>
+                <a:cs typeface="Times New Roman" panose="02020603050405020304" pitchFamily="18" charset="0"/>
+              </a:rPr>
+              <a:t>Registre</a:t>
+            </a:r>
+            <a:r>
+              <a:rPr lang="pt-BR" sz="2400" dirty="0">
+                <a:latin typeface="Times New Roman" panose="02020603050405020304" pitchFamily="18" charset="0"/>
+                <a:cs typeface="Times New Roman" panose="02020603050405020304" pitchFamily="18" charset="0"/>
+              </a:rPr>
+              <a:t> todas as </a:t>
+            </a:r>
+            <a:r>
+              <a:rPr lang="pt-BR" sz="2400" b="1" dirty="0">
+                <a:latin typeface="Times New Roman" panose="02020603050405020304" pitchFamily="18" charset="0"/>
+                <a:cs typeface="Times New Roman" panose="02020603050405020304" pitchFamily="18" charset="0"/>
+              </a:rPr>
+              <a:t>reuniões e decisões</a:t>
+            </a:r>
+            <a:r>
+              <a:rPr lang="pt-BR" sz="2400" dirty="0">
+                <a:latin typeface="Times New Roman" panose="02020603050405020304" pitchFamily="18" charset="0"/>
+                <a:cs typeface="Times New Roman" panose="02020603050405020304" pitchFamily="18" charset="0"/>
+              </a:rPr>
+              <a:t>;</a:t>
+            </a:r>
+          </a:p>
+          <a:p>
+            <a:pPr algn="just"/>
+            <a:endParaRPr lang="pt-BR" sz="2400" dirty="0">
+              <a:latin typeface="Times New Roman" panose="02020603050405020304" pitchFamily="18" charset="0"/>
+              <a:cs typeface="Times New Roman" panose="02020603050405020304" pitchFamily="18" charset="0"/>
+            </a:endParaRPr>
+          </a:p>
+          <a:p>
+            <a:pPr algn="just"/>
+            <a:r>
+              <a:rPr lang="pt-BR" sz="2400" b="1" dirty="0">
+                <a:latin typeface="Times New Roman" panose="02020603050405020304" pitchFamily="18" charset="0"/>
+                <a:cs typeface="Times New Roman" panose="02020603050405020304" pitchFamily="18" charset="0"/>
+              </a:rPr>
+              <a:t>Divida responsabilidades </a:t>
+            </a:r>
+            <a:r>
+              <a:rPr lang="pt-BR" sz="2400" dirty="0">
+                <a:latin typeface="Times New Roman" panose="02020603050405020304" pitchFamily="18" charset="0"/>
+                <a:cs typeface="Times New Roman" panose="02020603050405020304" pitchFamily="18" charset="0"/>
+              </a:rPr>
+              <a:t>de forma justa.</a:t>
+            </a:r>
+          </a:p>
+          <a:p>
+            <a:pPr algn="just"/>
+            <a:endParaRPr lang="pt-BR" sz="2400" dirty="0">
+              <a:latin typeface="Times New Roman" panose="02020603050405020304" pitchFamily="18" charset="0"/>
+              <a:cs typeface="Times New Roman" panose="02020603050405020304" pitchFamily="18" charset="0"/>
+            </a:endParaRPr>
+          </a:p>
+        </p:txBody>
+      </p:sp>
+    </p:spTree>
+    <p:extLst>
+      <p:ext uri="{BB962C8B-B14F-4D97-AF65-F5344CB8AC3E}">
+        <p14:creationId xmlns:p14="http://schemas.microsoft.com/office/powerpoint/2010/main" val="370093898"/>
+      </p:ext>
+    </p:extLst>
+  </p:cSld>
+  <p:clrMapOvr>
+    <a:masterClrMapping/>
+  </p:clrMapOvr>
+  <p:transition spd="med"/>
+</p:sld>
+</file>
+
+<file path=ppt/slides/slide14.xml><?xml version="1.0" encoding="utf-8"?>
+<p:sld xmlns:a="http://schemas.openxmlformats.org/drawingml/2006/main" xmlns:r="http://schemas.openxmlformats.org/officeDocument/2006/relationships" xmlns:p="http://schemas.openxmlformats.org/presentationml/2006/main">
+  <p:cSld>
+    <p:spTree>
+      <p:nvGrpSpPr>
+        <p:cNvPr id="1" name="">
+          <a:extLst>
+            <a:ext uri="{FF2B5EF4-FFF2-40B4-BE49-F238E27FC236}">
+              <a16:creationId xmlns:a16="http://schemas.microsoft.com/office/drawing/2014/main" id="{423B59B5-BE49-D0E1-3FE2-9ED916C76871}"/>
+            </a:ext>
+          </a:extLst>
+        </p:cNvPr>
+        <p:cNvGrpSpPr/>
+        <p:nvPr/>
+      </p:nvGrpSpPr>
+      <p:grpSpPr>
+        <a:xfrm>
+          <a:off x="0" y="0"/>
+          <a:ext cx="0" cy="0"/>
+          <a:chOff x="0" y="0"/>
+          <a:chExt cx="0" cy="0"/>
+        </a:xfrm>
+      </p:grpSpPr>
+      <p:sp>
+        <p:nvSpPr>
+          <p:cNvPr id="6" name="Title 1">
+            <a:extLst>
+              <a:ext uri="{FF2B5EF4-FFF2-40B4-BE49-F238E27FC236}">
+                <a16:creationId xmlns:a16="http://schemas.microsoft.com/office/drawing/2014/main" id="{3327C78E-1C10-94D1-1381-7BCD51E76434}"/>
+              </a:ext>
+            </a:extLst>
+          </p:cNvPr>
+          <p:cNvSpPr>
+            <a:spLocks noGrp="1"/>
+          </p:cNvSpPr>
+          <p:nvPr>
+            <p:ph type="title"/>
+          </p:nvPr>
+        </p:nvSpPr>
+        <p:spPr>
+          <a:xfrm>
+            <a:off x="457200" y="205980"/>
+            <a:ext cx="8229600" cy="857251"/>
+          </a:xfrm>
+        </p:spPr>
+        <p:txBody>
+          <a:bodyPr>
+            <a:normAutofit/>
+          </a:bodyPr>
+          <a:lstStyle/>
+          <a:p>
+            <a:r>
+              <a:rPr lang="en-US" b="1" dirty="0">
+                <a:solidFill>
+                  <a:srgbClr val="0070C0"/>
+                </a:solidFill>
+              </a:rPr>
+              <a:t>CLP – </a:t>
+            </a:r>
+            <a:r>
+              <a:rPr lang="en-US" b="1" dirty="0" err="1">
+                <a:solidFill>
+                  <a:srgbClr val="0070C0"/>
+                </a:solidFill>
+              </a:rPr>
+              <a:t>Postura</a:t>
+            </a:r>
+            <a:r>
+              <a:rPr lang="en-US" b="1" dirty="0">
+                <a:solidFill>
+                  <a:srgbClr val="0070C0"/>
+                </a:solidFill>
+              </a:rPr>
+              <a:t> </a:t>
+            </a:r>
+            <a:r>
+              <a:rPr lang="en-US" b="1" dirty="0" err="1">
+                <a:solidFill>
+                  <a:srgbClr val="0070C0"/>
+                </a:solidFill>
+              </a:rPr>
+              <a:t>Ética</a:t>
+            </a:r>
+            <a:endParaRPr lang="en-US" b="1" dirty="0">
+              <a:solidFill>
+                <a:srgbClr val="0070C0"/>
+              </a:solidFill>
+            </a:endParaRPr>
+          </a:p>
+        </p:txBody>
+      </p:sp>
+      <p:sp>
+        <p:nvSpPr>
+          <p:cNvPr id="8" name="Text Placeholder 2">
+            <a:extLst>
+              <a:ext uri="{FF2B5EF4-FFF2-40B4-BE49-F238E27FC236}">
+                <a16:creationId xmlns:a16="http://schemas.microsoft.com/office/drawing/2014/main" id="{8ED99294-22C9-0220-68E8-B329223F9303}"/>
+              </a:ext>
+            </a:extLst>
+          </p:cNvPr>
+          <p:cNvSpPr>
+            <a:spLocks noGrp="1"/>
+          </p:cNvSpPr>
+          <p:nvPr>
+            <p:ph type="body" sz="half" idx="1"/>
+          </p:nvPr>
+        </p:nvSpPr>
+        <p:spPr>
+          <a:xfrm>
+            <a:off x="142865" y="1035050"/>
+            <a:ext cx="8865056" cy="3994150"/>
+          </a:xfrm>
+        </p:spPr>
+        <p:txBody>
+          <a:bodyPr>
+            <a:noAutofit/>
+          </a:bodyPr>
+          <a:lstStyle/>
+          <a:p>
+            <a:pPr marL="0" indent="0" algn="just">
+              <a:buNone/>
+            </a:pPr>
+            <a:endParaRPr lang="pt-BR" sz="2400" dirty="0">
+              <a:latin typeface="Times New Roman" panose="02020603050405020304" pitchFamily="18" charset="0"/>
+              <a:cs typeface="Times New Roman" panose="02020603050405020304" pitchFamily="18" charset="0"/>
+            </a:endParaRPr>
+          </a:p>
+          <a:p>
+            <a:pPr algn="just"/>
+            <a:r>
+              <a:rPr lang="pt-BR" sz="2400" dirty="0">
+                <a:latin typeface="Times New Roman" panose="02020603050405020304" pitchFamily="18" charset="0"/>
+                <a:cs typeface="Times New Roman" panose="02020603050405020304" pitchFamily="18" charset="0"/>
+              </a:rPr>
+              <a:t>Evite </a:t>
+            </a:r>
+            <a:r>
+              <a:rPr lang="pt-BR" sz="2400" b="1" dirty="0">
+                <a:latin typeface="Times New Roman" panose="02020603050405020304" pitchFamily="18" charset="0"/>
+                <a:cs typeface="Times New Roman" panose="02020603050405020304" pitchFamily="18" charset="0"/>
+              </a:rPr>
+              <a:t>plágio</a:t>
+            </a:r>
+            <a:r>
+              <a:rPr lang="pt-BR" sz="2400" dirty="0">
+                <a:latin typeface="Times New Roman" panose="02020603050405020304" pitchFamily="18" charset="0"/>
+                <a:cs typeface="Times New Roman" panose="02020603050405020304" pitchFamily="18" charset="0"/>
+              </a:rPr>
+              <a:t> e </a:t>
+            </a:r>
+            <a:r>
+              <a:rPr lang="pt-BR" sz="2400" b="1" dirty="0">
+                <a:latin typeface="Times New Roman" panose="02020603050405020304" pitchFamily="18" charset="0"/>
+                <a:cs typeface="Times New Roman" panose="02020603050405020304" pitchFamily="18" charset="0"/>
+              </a:rPr>
+              <a:t>falsificação</a:t>
+            </a:r>
+            <a:r>
+              <a:rPr lang="pt-BR" sz="2400" dirty="0">
+                <a:latin typeface="Times New Roman" panose="02020603050405020304" pitchFamily="18" charset="0"/>
+                <a:cs typeface="Times New Roman" panose="02020603050405020304" pitchFamily="18" charset="0"/>
+              </a:rPr>
+              <a:t> de dados;</a:t>
+            </a:r>
+          </a:p>
+          <a:p>
+            <a:pPr algn="just"/>
+            <a:endParaRPr lang="pt-BR" sz="2400" dirty="0">
+              <a:latin typeface="Times New Roman" panose="02020603050405020304" pitchFamily="18" charset="0"/>
+              <a:cs typeface="Times New Roman" panose="02020603050405020304" pitchFamily="18" charset="0"/>
+            </a:endParaRPr>
+          </a:p>
+          <a:p>
+            <a:pPr algn="just"/>
+            <a:r>
+              <a:rPr lang="pt-BR" sz="2400" dirty="0">
+                <a:latin typeface="Times New Roman" panose="02020603050405020304" pitchFamily="18" charset="0"/>
+                <a:cs typeface="Times New Roman" panose="02020603050405020304" pitchFamily="18" charset="0"/>
+              </a:rPr>
+              <a:t>Respeite </a:t>
+            </a:r>
+            <a:r>
+              <a:rPr lang="pt-BR" sz="2400" b="1" dirty="0">
+                <a:latin typeface="Times New Roman" panose="02020603050405020304" pitchFamily="18" charset="0"/>
+                <a:cs typeface="Times New Roman" panose="02020603050405020304" pitchFamily="18" charset="0"/>
+              </a:rPr>
+              <a:t>prazos e compromissos</a:t>
+            </a:r>
+            <a:r>
+              <a:rPr lang="pt-BR" sz="2400" dirty="0">
+                <a:latin typeface="Times New Roman" panose="02020603050405020304" pitchFamily="18" charset="0"/>
+                <a:cs typeface="Times New Roman" panose="02020603050405020304" pitchFamily="18" charset="0"/>
+              </a:rPr>
+              <a:t>;</a:t>
+            </a:r>
+          </a:p>
+          <a:p>
+            <a:pPr algn="just"/>
+            <a:endParaRPr lang="pt-BR" sz="2400" dirty="0">
+              <a:latin typeface="Times New Roman" panose="02020603050405020304" pitchFamily="18" charset="0"/>
+              <a:cs typeface="Times New Roman" panose="02020603050405020304" pitchFamily="18" charset="0"/>
+            </a:endParaRPr>
+          </a:p>
+          <a:p>
+            <a:pPr algn="just"/>
+            <a:r>
+              <a:rPr lang="pt-BR" sz="2400" b="1" dirty="0">
+                <a:latin typeface="Times New Roman" panose="02020603050405020304" pitchFamily="18" charset="0"/>
+                <a:cs typeface="Times New Roman" panose="02020603050405020304" pitchFamily="18" charset="0"/>
+              </a:rPr>
+              <a:t>Contribua ativamente</a:t>
+            </a:r>
+            <a:r>
+              <a:rPr lang="pt-BR" sz="2400" dirty="0">
+                <a:latin typeface="Times New Roman" panose="02020603050405020304" pitchFamily="18" charset="0"/>
+                <a:cs typeface="Times New Roman" panose="02020603050405020304" pitchFamily="18" charset="0"/>
+              </a:rPr>
+              <a:t>, mesmo em grupo.</a:t>
+            </a:r>
+          </a:p>
+          <a:p>
+            <a:pPr algn="just"/>
+            <a:endParaRPr lang="pt-BR" sz="2400" dirty="0">
+              <a:latin typeface="Times New Roman" panose="02020603050405020304" pitchFamily="18" charset="0"/>
+              <a:cs typeface="Times New Roman" panose="02020603050405020304" pitchFamily="18" charset="0"/>
+            </a:endParaRPr>
+          </a:p>
+        </p:txBody>
+      </p:sp>
+    </p:spTree>
+    <p:extLst>
+      <p:ext uri="{BB962C8B-B14F-4D97-AF65-F5344CB8AC3E}">
+        <p14:creationId xmlns:p14="http://schemas.microsoft.com/office/powerpoint/2010/main" val="2385277470"/>
+      </p:ext>
+    </p:extLst>
+  </p:cSld>
+  <p:clrMapOvr>
+    <a:masterClrMapping/>
+  </p:clrMapOvr>
+  <p:transition spd="med"/>
+</p:sld>
+</file>
+
+<file path=ppt/slides/slide15.xml><?xml version="1.0" encoding="utf-8"?>
+<p:sld xmlns:a="http://schemas.openxmlformats.org/drawingml/2006/main" xmlns:r="http://schemas.openxmlformats.org/officeDocument/2006/relationships" xmlns:p="http://schemas.openxmlformats.org/presentationml/2006/main">
+  <p:cSld>
+    <p:spTree>
+      <p:nvGrpSpPr>
+        <p:cNvPr id="1" name="">
+          <a:extLst>
+            <a:ext uri="{FF2B5EF4-FFF2-40B4-BE49-F238E27FC236}">
+              <a16:creationId xmlns:a16="http://schemas.microsoft.com/office/drawing/2014/main" id="{666B8212-707A-E938-9660-7916FF6E2852}"/>
+            </a:ext>
+          </a:extLst>
+        </p:cNvPr>
+        <p:cNvGrpSpPr/>
+        <p:nvPr/>
+      </p:nvGrpSpPr>
+      <p:grpSpPr>
+        <a:xfrm>
+          <a:off x="0" y="0"/>
+          <a:ext cx="0" cy="0"/>
+          <a:chOff x="0" y="0"/>
+          <a:chExt cx="0" cy="0"/>
+        </a:xfrm>
+      </p:grpSpPr>
+      <p:sp>
+        <p:nvSpPr>
+          <p:cNvPr id="6" name="Title 1">
+            <a:extLst>
+              <a:ext uri="{FF2B5EF4-FFF2-40B4-BE49-F238E27FC236}">
+                <a16:creationId xmlns:a16="http://schemas.microsoft.com/office/drawing/2014/main" id="{B2A726FC-572A-E657-872F-1F2A065F738F}"/>
+              </a:ext>
+            </a:extLst>
+          </p:cNvPr>
+          <p:cNvSpPr>
+            <a:spLocks noGrp="1"/>
+          </p:cNvSpPr>
+          <p:nvPr>
+            <p:ph type="title"/>
+          </p:nvPr>
+        </p:nvSpPr>
+        <p:spPr>
+          <a:xfrm>
+            <a:off x="457200" y="205980"/>
+            <a:ext cx="8229600" cy="857251"/>
+          </a:xfrm>
+        </p:spPr>
+        <p:txBody>
+          <a:bodyPr>
+            <a:normAutofit/>
+          </a:bodyPr>
+          <a:lstStyle/>
+          <a:p>
+            <a:r>
+              <a:rPr lang="en-US" b="1" dirty="0">
+                <a:solidFill>
+                  <a:srgbClr val="0070C0"/>
+                </a:solidFill>
+              </a:rPr>
+              <a:t>CLP – </a:t>
+            </a:r>
+            <a:r>
+              <a:rPr lang="en-US" b="1" dirty="0" err="1">
+                <a:solidFill>
+                  <a:srgbClr val="0070C0"/>
+                </a:solidFill>
+              </a:rPr>
+              <a:t>Erros</a:t>
+            </a:r>
+            <a:r>
+              <a:rPr lang="en-US" b="1" dirty="0">
+                <a:solidFill>
+                  <a:srgbClr val="0070C0"/>
+                </a:solidFill>
+              </a:rPr>
+              <a:t> </a:t>
+            </a:r>
+            <a:r>
+              <a:rPr lang="en-US" b="1" dirty="0" err="1">
+                <a:solidFill>
+                  <a:srgbClr val="0070C0"/>
+                </a:solidFill>
+              </a:rPr>
+              <a:t>Frequentes</a:t>
+            </a:r>
+            <a:endParaRPr lang="en-US" b="1" dirty="0">
+              <a:solidFill>
+                <a:srgbClr val="0070C0"/>
+              </a:solidFill>
+            </a:endParaRPr>
+          </a:p>
+        </p:txBody>
+      </p:sp>
+      <p:sp>
+        <p:nvSpPr>
+          <p:cNvPr id="8" name="Text Placeholder 2">
+            <a:extLst>
+              <a:ext uri="{FF2B5EF4-FFF2-40B4-BE49-F238E27FC236}">
+                <a16:creationId xmlns:a16="http://schemas.microsoft.com/office/drawing/2014/main" id="{60C3C416-9B1A-7228-8546-2DC95AD07082}"/>
+              </a:ext>
+            </a:extLst>
+          </p:cNvPr>
+          <p:cNvSpPr>
+            <a:spLocks noGrp="1"/>
+          </p:cNvSpPr>
+          <p:nvPr>
+            <p:ph type="body" sz="half" idx="1"/>
+          </p:nvPr>
+        </p:nvSpPr>
+        <p:spPr>
+          <a:xfrm>
+            <a:off x="142865" y="1035050"/>
+            <a:ext cx="8865056" cy="3994150"/>
+          </a:xfrm>
+        </p:spPr>
+        <p:txBody>
+          <a:bodyPr>
+            <a:noAutofit/>
+          </a:bodyPr>
+          <a:lstStyle/>
+          <a:p>
+            <a:pPr algn="just"/>
+            <a:r>
+              <a:rPr lang="pt-BR" sz="2400" dirty="0">
+                <a:latin typeface="Times New Roman" panose="02020603050405020304" pitchFamily="18" charset="0"/>
+                <a:cs typeface="Times New Roman" panose="02020603050405020304" pitchFamily="18" charset="0"/>
+              </a:rPr>
+              <a:t>Começar tarde e </a:t>
+            </a:r>
+            <a:r>
+              <a:rPr lang="pt-BR" sz="2400" b="1" dirty="0">
+                <a:latin typeface="Times New Roman" panose="02020603050405020304" pitchFamily="18" charset="0"/>
+                <a:cs typeface="Times New Roman" panose="02020603050405020304" pitchFamily="18" charset="0"/>
+              </a:rPr>
+              <a:t>procrastinar</a:t>
+            </a:r>
+            <a:r>
+              <a:rPr lang="pt-BR" sz="2400" dirty="0">
+                <a:latin typeface="Times New Roman" panose="02020603050405020304" pitchFamily="18" charset="0"/>
+                <a:cs typeface="Times New Roman" panose="02020603050405020304" pitchFamily="18" charset="0"/>
+              </a:rPr>
+              <a:t>;</a:t>
+            </a:r>
+          </a:p>
+          <a:p>
+            <a:pPr algn="just"/>
+            <a:endParaRPr lang="pt-BR" sz="2400" dirty="0">
+              <a:latin typeface="Times New Roman" panose="02020603050405020304" pitchFamily="18" charset="0"/>
+              <a:cs typeface="Times New Roman" panose="02020603050405020304" pitchFamily="18" charset="0"/>
+            </a:endParaRPr>
+          </a:p>
+          <a:p>
+            <a:pPr algn="just"/>
+            <a:r>
+              <a:rPr lang="pt-BR" sz="2400" b="1" dirty="0">
+                <a:latin typeface="Times New Roman" panose="02020603050405020304" pitchFamily="18" charset="0"/>
+                <a:cs typeface="Times New Roman" panose="02020603050405020304" pitchFamily="18" charset="0"/>
+              </a:rPr>
+              <a:t>Falta de alinhamento </a:t>
+            </a:r>
+            <a:r>
+              <a:rPr lang="pt-BR" sz="2400" dirty="0">
+                <a:latin typeface="Times New Roman" panose="02020603050405020304" pitchFamily="18" charset="0"/>
+                <a:cs typeface="Times New Roman" panose="02020603050405020304" pitchFamily="18" charset="0"/>
+              </a:rPr>
+              <a:t>entre membros;</a:t>
+            </a:r>
+          </a:p>
+          <a:p>
+            <a:pPr algn="just"/>
+            <a:endParaRPr lang="pt-BR" sz="2400" dirty="0">
+              <a:latin typeface="Times New Roman" panose="02020603050405020304" pitchFamily="18" charset="0"/>
+              <a:cs typeface="Times New Roman" panose="02020603050405020304" pitchFamily="18" charset="0"/>
+            </a:endParaRPr>
+          </a:p>
+          <a:p>
+            <a:pPr algn="just"/>
+            <a:r>
+              <a:rPr lang="pt-BR" sz="2400" b="1" dirty="0">
+                <a:latin typeface="Times New Roman" panose="02020603050405020304" pitchFamily="18" charset="0"/>
+                <a:cs typeface="Times New Roman" panose="02020603050405020304" pitchFamily="18" charset="0"/>
+              </a:rPr>
+              <a:t>Ignorar</a:t>
+            </a:r>
+            <a:r>
+              <a:rPr lang="pt-BR" sz="2400" dirty="0">
+                <a:latin typeface="Times New Roman" panose="02020603050405020304" pitchFamily="18" charset="0"/>
+                <a:cs typeface="Times New Roman" panose="02020603050405020304" pitchFamily="18" charset="0"/>
+              </a:rPr>
+              <a:t> o </a:t>
+            </a:r>
+            <a:r>
+              <a:rPr lang="pt-BR" sz="2400" b="1" dirty="0">
+                <a:latin typeface="Times New Roman" panose="02020603050405020304" pitchFamily="18" charset="0"/>
+                <a:cs typeface="Times New Roman" panose="02020603050405020304" pitchFamily="18" charset="0"/>
+              </a:rPr>
+              <a:t>escopo</a:t>
+            </a:r>
+            <a:r>
+              <a:rPr lang="pt-BR" sz="2400" dirty="0">
+                <a:latin typeface="Times New Roman" panose="02020603050405020304" pitchFamily="18" charset="0"/>
+                <a:cs typeface="Times New Roman" panose="02020603050405020304" pitchFamily="18" charset="0"/>
+              </a:rPr>
+              <a:t> definido e o </a:t>
+            </a:r>
+            <a:r>
+              <a:rPr lang="pt-BR" sz="2400" b="1" dirty="0">
+                <a:latin typeface="Times New Roman" panose="02020603050405020304" pitchFamily="18" charset="0"/>
+                <a:cs typeface="Times New Roman" panose="02020603050405020304" pitchFamily="18" charset="0"/>
+              </a:rPr>
+              <a:t>cronograma</a:t>
+            </a:r>
+            <a:r>
+              <a:rPr lang="pt-BR" sz="2400" dirty="0">
+                <a:latin typeface="Times New Roman" panose="02020603050405020304" pitchFamily="18" charset="0"/>
+                <a:cs typeface="Times New Roman" panose="02020603050405020304" pitchFamily="18" charset="0"/>
+              </a:rPr>
+              <a:t>;</a:t>
+            </a:r>
+          </a:p>
+          <a:p>
+            <a:pPr algn="just"/>
+            <a:endParaRPr lang="pt-BR" sz="2400" dirty="0">
+              <a:latin typeface="Times New Roman" panose="02020603050405020304" pitchFamily="18" charset="0"/>
+              <a:cs typeface="Times New Roman" panose="02020603050405020304" pitchFamily="18" charset="0"/>
+            </a:endParaRPr>
+          </a:p>
+          <a:p>
+            <a:pPr algn="just"/>
+            <a:r>
+              <a:rPr lang="pt-BR" sz="2400" b="1" dirty="0">
+                <a:latin typeface="Times New Roman" panose="02020603050405020304" pitchFamily="18" charset="0"/>
+                <a:cs typeface="Times New Roman" panose="02020603050405020304" pitchFamily="18" charset="0"/>
+              </a:rPr>
+              <a:t>Falta</a:t>
+            </a:r>
+            <a:r>
+              <a:rPr lang="pt-BR" sz="2400" dirty="0">
+                <a:latin typeface="Times New Roman" panose="02020603050405020304" pitchFamily="18" charset="0"/>
+                <a:cs typeface="Times New Roman" panose="02020603050405020304" pitchFamily="18" charset="0"/>
+              </a:rPr>
+              <a:t> de </a:t>
+            </a:r>
+            <a:r>
+              <a:rPr lang="pt-BR" sz="2400" b="1" dirty="0">
+                <a:latin typeface="Times New Roman" panose="02020603050405020304" pitchFamily="18" charset="0"/>
+                <a:cs typeface="Times New Roman" panose="02020603050405020304" pitchFamily="18" charset="0"/>
+              </a:rPr>
+              <a:t>testes</a:t>
+            </a:r>
+            <a:r>
+              <a:rPr lang="pt-BR" sz="2400" dirty="0">
+                <a:latin typeface="Times New Roman" panose="02020603050405020304" pitchFamily="18" charset="0"/>
+                <a:cs typeface="Times New Roman" panose="02020603050405020304" pitchFamily="18" charset="0"/>
+              </a:rPr>
+              <a:t> e </a:t>
+            </a:r>
+            <a:r>
+              <a:rPr lang="pt-BR" sz="2400" b="1" dirty="0">
+                <a:latin typeface="Times New Roman" panose="02020603050405020304" pitchFamily="18" charset="0"/>
+                <a:cs typeface="Times New Roman" panose="02020603050405020304" pitchFamily="18" charset="0"/>
+              </a:rPr>
+              <a:t>validação</a:t>
+            </a:r>
+            <a:r>
+              <a:rPr lang="pt-BR" sz="2400" dirty="0">
+                <a:latin typeface="Times New Roman" panose="02020603050405020304" pitchFamily="18" charset="0"/>
+                <a:cs typeface="Times New Roman" panose="02020603050405020304" pitchFamily="18" charset="0"/>
+              </a:rPr>
+              <a:t> antes da entrega.</a:t>
+            </a:r>
+          </a:p>
+        </p:txBody>
+      </p:sp>
+    </p:spTree>
+    <p:extLst>
+      <p:ext uri="{BB962C8B-B14F-4D97-AF65-F5344CB8AC3E}">
+        <p14:creationId xmlns:p14="http://schemas.microsoft.com/office/powerpoint/2010/main" val="1284377627"/>
+      </p:ext>
+    </p:extLst>
+  </p:cSld>
+  <p:clrMapOvr>
+    <a:masterClrMapping/>
+  </p:clrMapOvr>
+  <p:transition spd="med"/>
+</p:sld>
+</file>
+
+<file path=ppt/slides/slide16.xml><?xml version="1.0" encoding="utf-8"?>
+<p:sld xmlns:a="http://schemas.openxmlformats.org/drawingml/2006/main" xmlns:r="http://schemas.openxmlformats.org/officeDocument/2006/relationships" xmlns:p="http://schemas.openxmlformats.org/presentationml/2006/main">
+  <p:cSld>
+    <p:spTree>
+      <p:nvGrpSpPr>
+        <p:cNvPr id="1" name="">
+          <a:extLst>
+            <a:ext uri="{FF2B5EF4-FFF2-40B4-BE49-F238E27FC236}">
+              <a16:creationId xmlns:a16="http://schemas.microsoft.com/office/drawing/2014/main" id="{BB47624B-265F-5C6C-449B-82169E7B0030}"/>
+            </a:ext>
+          </a:extLst>
+        </p:cNvPr>
+        <p:cNvGrpSpPr/>
+        <p:nvPr/>
+      </p:nvGrpSpPr>
+      <p:grpSpPr>
+        <a:xfrm>
+          <a:off x="0" y="0"/>
+          <a:ext cx="0" cy="0"/>
+          <a:chOff x="0" y="0"/>
+          <a:chExt cx="0" cy="0"/>
+        </a:xfrm>
+      </p:grpSpPr>
+      <p:sp>
+        <p:nvSpPr>
+          <p:cNvPr id="6" name="Title 1">
+            <a:extLst>
+              <a:ext uri="{FF2B5EF4-FFF2-40B4-BE49-F238E27FC236}">
+                <a16:creationId xmlns:a16="http://schemas.microsoft.com/office/drawing/2014/main" id="{38AD5E28-4795-E7C9-7277-E9C5C1103513}"/>
+              </a:ext>
+            </a:extLst>
+          </p:cNvPr>
+          <p:cNvSpPr>
+            <a:spLocks noGrp="1"/>
+          </p:cNvSpPr>
+          <p:nvPr>
+            <p:ph type="title"/>
+          </p:nvPr>
+        </p:nvSpPr>
+        <p:spPr>
+          <a:xfrm>
+            <a:off x="457200" y="205980"/>
+            <a:ext cx="8229600" cy="857251"/>
+          </a:xfrm>
+        </p:spPr>
+        <p:txBody>
+          <a:bodyPr>
+            <a:normAutofit/>
+          </a:bodyPr>
+          <a:lstStyle/>
+          <a:p>
+            <a:r>
+              <a:rPr lang="en-US" b="1" dirty="0">
+                <a:solidFill>
+                  <a:srgbClr val="0070C0"/>
+                </a:solidFill>
+              </a:rPr>
+              <a:t>CLP – </a:t>
+            </a:r>
+            <a:r>
+              <a:rPr lang="en-US" b="1" dirty="0" err="1">
+                <a:solidFill>
+                  <a:srgbClr val="0070C0"/>
+                </a:solidFill>
+              </a:rPr>
+              <a:t>Mensagem</a:t>
+            </a:r>
+            <a:r>
+              <a:rPr lang="en-US" b="1" dirty="0">
+                <a:solidFill>
+                  <a:srgbClr val="0070C0"/>
+                </a:solidFill>
+              </a:rPr>
+              <a:t> Final</a:t>
+            </a:r>
+          </a:p>
+        </p:txBody>
+      </p:sp>
+      <p:sp>
+        <p:nvSpPr>
+          <p:cNvPr id="8" name="Text Placeholder 2">
+            <a:extLst>
+              <a:ext uri="{FF2B5EF4-FFF2-40B4-BE49-F238E27FC236}">
+                <a16:creationId xmlns:a16="http://schemas.microsoft.com/office/drawing/2014/main" id="{8F90D717-C44A-D26B-CEAE-E4FC4B59376A}"/>
+              </a:ext>
+            </a:extLst>
+          </p:cNvPr>
+          <p:cNvSpPr>
+            <a:spLocks noGrp="1"/>
+          </p:cNvSpPr>
+          <p:nvPr>
+            <p:ph type="body" sz="half" idx="1"/>
+          </p:nvPr>
+        </p:nvSpPr>
+        <p:spPr>
+          <a:xfrm>
+            <a:off x="142865" y="1035050"/>
+            <a:ext cx="8865056" cy="3994150"/>
+          </a:xfrm>
+        </p:spPr>
+        <p:txBody>
+          <a:bodyPr>
+            <a:noAutofit/>
+          </a:bodyPr>
+          <a:lstStyle/>
+          <a:p>
+            <a:pPr marL="0" indent="0" algn="just">
+              <a:buNone/>
+            </a:pPr>
+            <a:r>
+              <a:rPr lang="pt-BR" sz="2200" dirty="0">
+                <a:latin typeface="Times New Roman" panose="02020603050405020304" pitchFamily="18" charset="0"/>
+                <a:cs typeface="Times New Roman" panose="02020603050405020304" pitchFamily="18" charset="0"/>
+              </a:rPr>
+              <a:t>Projetos bem-sucedidos são fruto de organização e colaboração.</a:t>
+            </a:r>
+          </a:p>
+          <a:p>
+            <a:pPr marL="0" indent="0" algn="just">
+              <a:buNone/>
+            </a:pPr>
+            <a:endParaRPr lang="pt-BR" sz="2200" dirty="0">
+              <a:latin typeface="Times New Roman" panose="02020603050405020304" pitchFamily="18" charset="0"/>
+              <a:cs typeface="Times New Roman" panose="02020603050405020304" pitchFamily="18" charset="0"/>
+            </a:endParaRPr>
+          </a:p>
+          <a:p>
+            <a:pPr marL="0" indent="0" algn="just">
+              <a:buNone/>
+            </a:pPr>
+            <a:r>
+              <a:rPr lang="pt-BR" sz="2200" dirty="0">
+                <a:latin typeface="Times New Roman" panose="02020603050405020304" pitchFamily="18" charset="0"/>
+                <a:cs typeface="Times New Roman" panose="02020603050405020304" pitchFamily="18" charset="0"/>
+              </a:rPr>
+              <a:t>Usem as recomendações como guia ao longo do projeto.</a:t>
+            </a:r>
+          </a:p>
+          <a:p>
+            <a:pPr marL="0" indent="0" algn="just">
+              <a:buNone/>
+            </a:pPr>
+            <a:endParaRPr lang="pt-BR" sz="2200" dirty="0">
+              <a:latin typeface="Times New Roman" panose="02020603050405020304" pitchFamily="18" charset="0"/>
+              <a:cs typeface="Times New Roman" panose="02020603050405020304" pitchFamily="18" charset="0"/>
+            </a:endParaRPr>
+          </a:p>
+          <a:p>
+            <a:pPr marL="0" indent="0" algn="just">
+              <a:buNone/>
+            </a:pPr>
+            <a:r>
+              <a:rPr lang="pt-BR" sz="2200" dirty="0">
+                <a:latin typeface="Times New Roman" panose="02020603050405020304" pitchFamily="18" charset="0"/>
+                <a:cs typeface="Times New Roman" panose="02020603050405020304" pitchFamily="18" charset="0"/>
+              </a:rPr>
+              <a:t>O </a:t>
+            </a:r>
+            <a:r>
+              <a:rPr lang="pt-BR" sz="2200" b="1" dirty="0">
+                <a:solidFill>
+                  <a:srgbClr val="FF0000"/>
+                </a:solidFill>
+                <a:latin typeface="Times New Roman" panose="02020603050405020304" pitchFamily="18" charset="0"/>
+                <a:cs typeface="Times New Roman" panose="02020603050405020304" pitchFamily="18" charset="0"/>
+              </a:rPr>
+              <a:t>Projeto Supervisório</a:t>
+            </a:r>
+            <a:r>
+              <a:rPr lang="pt-BR" sz="2200" b="1" dirty="0">
+                <a:latin typeface="Times New Roman" panose="02020603050405020304" pitchFamily="18" charset="0"/>
+                <a:cs typeface="Times New Roman" panose="02020603050405020304" pitchFamily="18" charset="0"/>
+              </a:rPr>
+              <a:t> </a:t>
+            </a:r>
+            <a:r>
+              <a:rPr lang="pt-BR" sz="2200" dirty="0">
+                <a:latin typeface="Times New Roman" panose="02020603050405020304" pitchFamily="18" charset="0"/>
+                <a:cs typeface="Times New Roman" panose="02020603050405020304" pitchFamily="18" charset="0"/>
+              </a:rPr>
+              <a:t>é mais aplicado e técnico, geralmente voltado para o mercado.</a:t>
+            </a:r>
+          </a:p>
+          <a:p>
+            <a:pPr marL="0" indent="0" algn="just">
+              <a:buNone/>
+            </a:pPr>
+            <a:endParaRPr lang="pt-BR" sz="2200" dirty="0">
+              <a:latin typeface="Times New Roman" panose="02020603050405020304" pitchFamily="18" charset="0"/>
+              <a:cs typeface="Times New Roman" panose="02020603050405020304" pitchFamily="18" charset="0"/>
+            </a:endParaRPr>
+          </a:p>
+          <a:p>
+            <a:pPr marL="0" indent="0" algn="just">
+              <a:buNone/>
+            </a:pPr>
+            <a:r>
+              <a:rPr lang="pt-BR" sz="2200" dirty="0">
+                <a:latin typeface="Times New Roman" panose="02020603050405020304" pitchFamily="18" charset="0"/>
+                <a:cs typeface="Times New Roman" panose="02020603050405020304" pitchFamily="18" charset="0"/>
+              </a:rPr>
+              <a:t>O </a:t>
+            </a:r>
+            <a:r>
+              <a:rPr lang="pt-BR" sz="2200" b="1" dirty="0">
+                <a:solidFill>
+                  <a:srgbClr val="FF0000"/>
+                </a:solidFill>
+                <a:latin typeface="Times New Roman" panose="02020603050405020304" pitchFamily="18" charset="0"/>
+                <a:cs typeface="Times New Roman" panose="02020603050405020304" pitchFamily="18" charset="0"/>
+              </a:rPr>
+              <a:t>TCC</a:t>
+            </a:r>
+            <a:r>
+              <a:rPr lang="pt-BR" sz="2200" dirty="0">
+                <a:latin typeface="Times New Roman" panose="02020603050405020304" pitchFamily="18" charset="0"/>
+                <a:cs typeface="Times New Roman" panose="02020603050405020304" pitchFamily="18" charset="0"/>
+              </a:rPr>
+              <a:t> exige mais rigor científico e teórico, focando em pesquisa e escrita acadêmica.</a:t>
+            </a:r>
+          </a:p>
+        </p:txBody>
+      </p:sp>
+    </p:spTree>
+    <p:extLst>
+      <p:ext uri="{BB962C8B-B14F-4D97-AF65-F5344CB8AC3E}">
+        <p14:creationId xmlns:p14="http://schemas.microsoft.com/office/powerpoint/2010/main" val="2774126191"/>
+      </p:ext>
+    </p:extLst>
+  </p:cSld>
+  <p:clrMapOvr>
+    <a:masterClrMapping/>
+  </p:clrMapOvr>
+  <p:transition spd="med"/>
+</p:sld>
+</file>
+
+<file path=ppt/slides/slide17.xml><?xml version="1.0" encoding="utf-8"?>
+<p:sld xmlns:a="http://schemas.openxmlformats.org/drawingml/2006/main" xmlns:r="http://schemas.openxmlformats.org/officeDocument/2006/relationships" xmlns:p="http://schemas.openxmlformats.org/presentationml/2006/main">
+  <p:cSld>
+    <p:spTree>
+      <p:nvGrpSpPr>
+        <p:cNvPr id="1" name=""/>
+        <p:cNvGrpSpPr/>
+        <p:nvPr/>
+      </p:nvGrpSpPr>
+      <p:grpSpPr>
+        <a:xfrm>
+          <a:off x="0" y="0"/>
+          <a:ext cx="0" cy="0"/>
+          <a:chOff x="0" y="0"/>
+          <a:chExt cx="0" cy="0"/>
+        </a:xfrm>
+      </p:grpSpPr>
+      <p:sp>
+        <p:nvSpPr>
+          <p:cNvPr id="6" name="Title 1"/>
+          <p:cNvSpPr>
+            <a:spLocks noGrp="1"/>
+          </p:cNvSpPr>
+          <p:nvPr>
+            <p:ph type="title"/>
+          </p:nvPr>
+        </p:nvSpPr>
+        <p:spPr>
+          <a:xfrm>
+            <a:off x="457200" y="205980"/>
+            <a:ext cx="8229600" cy="857251"/>
+          </a:xfrm>
+        </p:spPr>
+        <p:txBody>
+          <a:bodyPr>
+            <a:normAutofit/>
+          </a:bodyPr>
+          <a:lstStyle/>
+          <a:p>
+            <a:r>
+              <a:rPr lang="en-US" b="1" dirty="0" err="1">
+                <a:solidFill>
+                  <a:srgbClr val="0070C0"/>
+                </a:solidFill>
+              </a:rPr>
+              <a:t>Leitura</a:t>
+            </a:r>
+            <a:r>
+              <a:rPr lang="en-US" b="1" dirty="0">
+                <a:solidFill>
+                  <a:srgbClr val="0070C0"/>
+                </a:solidFill>
+              </a:rPr>
+              <a:t> </a:t>
+            </a:r>
+            <a:r>
+              <a:rPr lang="en-US" b="1" dirty="0" err="1">
+                <a:solidFill>
+                  <a:srgbClr val="0070C0"/>
+                </a:solidFill>
+              </a:rPr>
+              <a:t>Específica</a:t>
+            </a:r>
+            <a:endParaRPr lang="en-US" b="1" dirty="0">
+              <a:solidFill>
+                <a:srgbClr val="0070C0"/>
+              </a:solidFill>
+            </a:endParaRPr>
+          </a:p>
+        </p:txBody>
+      </p:sp>
+      <p:sp>
+        <p:nvSpPr>
+          <p:cNvPr id="8" name="Text Placeholder 2"/>
+          <p:cNvSpPr>
+            <a:spLocks noGrp="1"/>
+          </p:cNvSpPr>
+          <p:nvPr>
+            <p:ph type="body" sz="half" idx="1"/>
+          </p:nvPr>
+        </p:nvSpPr>
+        <p:spPr>
+          <a:xfrm>
+            <a:off x="142865" y="1200150"/>
+            <a:ext cx="8865056" cy="3737369"/>
+          </a:xfrm>
+        </p:spPr>
+        <p:txBody>
+          <a:bodyPr>
+            <a:noAutofit/>
+          </a:bodyPr>
+          <a:lstStyle/>
+          <a:p>
+            <a:pPr marL="0" indent="0" algn="just">
+              <a:buNone/>
+            </a:pPr>
+            <a:r>
+              <a:rPr lang="pt-BR" sz="2200" dirty="0">
+                <a:latin typeface="Times New Roman" panose="02020603050405020304" pitchFamily="18" charset="0"/>
+                <a:cs typeface="Times New Roman" panose="02020603050405020304" pitchFamily="18" charset="0"/>
+              </a:rPr>
+              <a:t>[1] </a:t>
+            </a:r>
+            <a:r>
+              <a:rPr lang="pt-BR" sz="2200" b="1" dirty="0">
+                <a:latin typeface="Times New Roman" panose="02020603050405020304" pitchFamily="18" charset="0"/>
+                <a:cs typeface="Times New Roman" panose="02020603050405020304" pitchFamily="18" charset="0"/>
+              </a:rPr>
+              <a:t>Guia PMBOK – Project Management </a:t>
+            </a:r>
+            <a:r>
+              <a:rPr lang="pt-BR" sz="2200" b="1" dirty="0" err="1">
+                <a:latin typeface="Times New Roman" panose="02020603050405020304" pitchFamily="18" charset="0"/>
+                <a:cs typeface="Times New Roman" panose="02020603050405020304" pitchFamily="18" charset="0"/>
+              </a:rPr>
+              <a:t>Institute</a:t>
+            </a:r>
+            <a:r>
+              <a:rPr lang="pt-BR" sz="2200" b="1" dirty="0">
+                <a:latin typeface="Times New Roman" panose="02020603050405020304" pitchFamily="18" charset="0"/>
+                <a:cs typeface="Times New Roman" panose="02020603050405020304" pitchFamily="18" charset="0"/>
+              </a:rPr>
+              <a:t> (PMI)</a:t>
+            </a:r>
+            <a:endParaRPr lang="pt-BR" sz="2200" dirty="0">
+              <a:latin typeface="Times New Roman" panose="02020603050405020304" pitchFamily="18" charset="0"/>
+              <a:cs typeface="Times New Roman" panose="02020603050405020304" pitchFamily="18" charset="0"/>
+            </a:endParaRPr>
+          </a:p>
+          <a:p>
+            <a:pPr marL="0" indent="0" algn="just">
+              <a:buNone/>
+            </a:pPr>
+            <a:r>
+              <a:rPr lang="pt-BR" sz="2200" b="1" dirty="0">
+                <a:solidFill>
+                  <a:srgbClr val="FF0000"/>
+                </a:solidFill>
+                <a:latin typeface="Times New Roman" panose="02020603050405020304" pitchFamily="18" charset="0"/>
+                <a:cs typeface="Times New Roman" panose="02020603050405020304" pitchFamily="18" charset="0"/>
+              </a:rPr>
+              <a:t>Disponível em: </a:t>
+            </a:r>
+            <a:r>
+              <a:rPr lang="pt-BR" sz="2200" dirty="0">
+                <a:solidFill>
+                  <a:srgbClr val="FF0000"/>
+                </a:solidFill>
+                <a:latin typeface="Times New Roman" panose="02020603050405020304" pitchFamily="18" charset="0"/>
+                <a:cs typeface="Times New Roman" panose="02020603050405020304" pitchFamily="18" charset="0"/>
+                <a:hlinkClick r:id="rId3"/>
+              </a:rPr>
+              <a:t>https://www.pmi.org/standards</a:t>
+            </a:r>
+            <a:r>
+              <a:rPr lang="pt-BR" sz="2200" dirty="0">
+                <a:solidFill>
+                  <a:srgbClr val="FF0000"/>
+                </a:solidFill>
+                <a:latin typeface="Times New Roman" panose="02020603050405020304" pitchFamily="18" charset="0"/>
+                <a:cs typeface="Times New Roman" panose="02020603050405020304" pitchFamily="18" charset="0"/>
+              </a:rPr>
+              <a:t> </a:t>
+            </a:r>
+          </a:p>
+          <a:p>
+            <a:pPr marL="0" indent="0" algn="just">
+              <a:buNone/>
+            </a:pPr>
+            <a:endParaRPr lang="pt-BR" sz="2200" b="1" dirty="0">
+              <a:solidFill>
+                <a:srgbClr val="FF0000"/>
+              </a:solidFill>
+              <a:latin typeface="Times New Roman" panose="02020603050405020304" pitchFamily="18" charset="0"/>
+              <a:cs typeface="Times New Roman" panose="02020603050405020304" pitchFamily="18" charset="0"/>
+            </a:endParaRPr>
+          </a:p>
+          <a:p>
+            <a:pPr marL="0" indent="0" algn="just">
+              <a:buNone/>
+            </a:pPr>
+            <a:endParaRPr lang="pt-BR" sz="2200" dirty="0">
+              <a:latin typeface="Times New Roman" panose="02020603050405020304" pitchFamily="18" charset="0"/>
+              <a:cs typeface="Times New Roman" panose="02020603050405020304" pitchFamily="18" charset="0"/>
+            </a:endParaRPr>
+          </a:p>
+          <a:p>
+            <a:pPr marL="0" indent="0" algn="just">
+              <a:buNone/>
+            </a:pPr>
+            <a:r>
+              <a:rPr lang="pt-BR" sz="2200" dirty="0">
+                <a:latin typeface="Times New Roman" panose="02020603050405020304" pitchFamily="18" charset="0"/>
+                <a:cs typeface="Times New Roman" panose="02020603050405020304" pitchFamily="18" charset="0"/>
+              </a:rPr>
+              <a:t>[2] </a:t>
+            </a:r>
+            <a:r>
+              <a:rPr lang="pt-BR" sz="2200" b="1" dirty="0">
+                <a:latin typeface="Times New Roman" panose="02020603050405020304" pitchFamily="18" charset="0"/>
+                <a:cs typeface="Times New Roman" panose="02020603050405020304" pitchFamily="18" charset="0"/>
+              </a:rPr>
+              <a:t>Normas da ABNT – Regras de formatação</a:t>
+            </a:r>
+            <a:r>
+              <a:rPr lang="pt-BR" sz="2200" dirty="0">
+                <a:latin typeface="Times New Roman" panose="02020603050405020304" pitchFamily="18" charset="0"/>
+                <a:cs typeface="Times New Roman" panose="02020603050405020304" pitchFamily="18" charset="0"/>
+              </a:rPr>
+              <a:t> </a:t>
+            </a:r>
+          </a:p>
+          <a:p>
+            <a:pPr marL="0" indent="0" algn="just">
+              <a:buNone/>
+            </a:pPr>
+            <a:r>
+              <a:rPr lang="pt-BR" sz="2200" b="1" dirty="0">
+                <a:solidFill>
+                  <a:srgbClr val="FF0000"/>
+                </a:solidFill>
+                <a:latin typeface="Times New Roman" panose="02020603050405020304" pitchFamily="18" charset="0"/>
+                <a:cs typeface="Times New Roman" panose="02020603050405020304" pitchFamily="18" charset="0"/>
+              </a:rPr>
+              <a:t>Disponível em: </a:t>
+            </a:r>
+            <a:r>
+              <a:rPr lang="pt-BR" sz="2200" dirty="0">
+                <a:solidFill>
+                  <a:srgbClr val="FF0000"/>
+                </a:solidFill>
+                <a:latin typeface="Times New Roman" panose="02020603050405020304" pitchFamily="18" charset="0"/>
+                <a:cs typeface="Times New Roman" panose="02020603050405020304" pitchFamily="18" charset="0"/>
+                <a:hlinkClick r:id="rId4"/>
+              </a:rPr>
+              <a:t>https://www.normasabnt.org/</a:t>
+            </a:r>
+            <a:r>
+              <a:rPr lang="pt-BR" sz="2200" dirty="0">
+                <a:solidFill>
+                  <a:srgbClr val="FF0000"/>
+                </a:solidFill>
+                <a:latin typeface="Times New Roman" panose="02020603050405020304" pitchFamily="18" charset="0"/>
+                <a:cs typeface="Times New Roman" panose="02020603050405020304" pitchFamily="18" charset="0"/>
+              </a:rPr>
+              <a:t> </a:t>
+            </a:r>
+            <a:endParaRPr lang="pt-BR" sz="2200" dirty="0">
+              <a:latin typeface="Calibri" panose="020F0502020204030204" pitchFamily="34" charset="0"/>
+            </a:endParaRPr>
+          </a:p>
+        </p:txBody>
+      </p:sp>
+    </p:spTree>
+    <p:extLst>
+      <p:ext uri="{BB962C8B-B14F-4D97-AF65-F5344CB8AC3E}">
+        <p14:creationId xmlns:p14="http://schemas.microsoft.com/office/powerpoint/2010/main" val="3680270425"/>
+      </p:ext>
+    </p:extLst>
+  </p:cSld>
+  <p:clrMapOvr>
+    <a:masterClrMapping/>
+  </p:clrMapOvr>
+  <p:transition spd="med"/>
+</p:sld>
+</file>
+
+<file path=ppt/slides/slide18.xml><?xml version="1.0" encoding="utf-8"?>
+<p:sld xmlns:a="http://schemas.openxmlformats.org/drawingml/2006/main" xmlns:r="http://schemas.openxmlformats.org/officeDocument/2006/relationships" xmlns:p="http://schemas.openxmlformats.org/presentationml/2006/main">
+  <p:cSld>
+    <p:spTree>
+      <p:nvGrpSpPr>
+        <p:cNvPr id="1" name=""/>
+        <p:cNvGrpSpPr/>
+        <p:nvPr/>
+      </p:nvGrpSpPr>
+      <p:grpSpPr>
+        <a:xfrm>
+          <a:off x="0" y="0"/>
+          <a:ext cx="0" cy="0"/>
+          <a:chOff x="0" y="0"/>
+          <a:chExt cx="0" cy="0"/>
+        </a:xfrm>
+      </p:grpSpPr>
+      <p:sp>
+        <p:nvSpPr>
+          <p:cNvPr id="6" name="Title 1"/>
+          <p:cNvSpPr>
+            <a:spLocks noGrp="1"/>
+          </p:cNvSpPr>
+          <p:nvPr>
+            <p:ph type="title"/>
+          </p:nvPr>
+        </p:nvSpPr>
+        <p:spPr>
+          <a:xfrm>
+            <a:off x="457200" y="205980"/>
+            <a:ext cx="8229600" cy="857251"/>
+          </a:xfrm>
+        </p:spPr>
+        <p:txBody>
+          <a:bodyPr>
+            <a:normAutofit/>
+          </a:bodyPr>
+          <a:lstStyle/>
+          <a:p>
+            <a:r>
+              <a:rPr lang="en-US" b="1" dirty="0" err="1">
+                <a:solidFill>
+                  <a:srgbClr val="0070C0"/>
+                </a:solidFill>
+              </a:rPr>
+              <a:t>Aprenda</a:t>
+            </a:r>
+            <a:r>
+              <a:rPr lang="en-US" b="1" dirty="0">
+                <a:solidFill>
+                  <a:srgbClr val="0070C0"/>
+                </a:solidFill>
+              </a:rPr>
+              <a:t>+</a:t>
+            </a:r>
+          </a:p>
+        </p:txBody>
+      </p:sp>
+      <p:sp>
+        <p:nvSpPr>
+          <p:cNvPr id="8" name="Text Placeholder 2"/>
+          <p:cNvSpPr>
+            <a:spLocks noGrp="1"/>
+          </p:cNvSpPr>
+          <p:nvPr>
+            <p:ph type="body" sz="half" idx="1"/>
+          </p:nvPr>
+        </p:nvSpPr>
+        <p:spPr>
+          <a:xfrm>
+            <a:off x="142865" y="1200150"/>
+            <a:ext cx="8865056" cy="3737370"/>
+          </a:xfrm>
+        </p:spPr>
+        <p:txBody>
+          <a:bodyPr>
+            <a:noAutofit/>
+          </a:bodyPr>
+          <a:lstStyle/>
+          <a:p>
+            <a:pPr marL="0" indent="0" algn="just">
+              <a:buNone/>
+            </a:pPr>
+            <a:r>
+              <a:rPr lang="pt-BR" sz="2200" dirty="0">
+                <a:latin typeface="Times New Roman" panose="02020603050405020304" pitchFamily="18" charset="0"/>
+                <a:cs typeface="Times New Roman" panose="02020603050405020304" pitchFamily="18" charset="0"/>
+              </a:rPr>
+              <a:t>[1] </a:t>
+            </a:r>
+            <a:r>
+              <a:rPr lang="pt-BR" sz="2200" b="1" dirty="0">
+                <a:latin typeface="Times New Roman" panose="02020603050405020304" pitchFamily="18" charset="0"/>
+                <a:cs typeface="Times New Roman" panose="02020603050405020304" pitchFamily="18" charset="0"/>
+              </a:rPr>
+              <a:t>05 passos para elaborar um projeto.</a:t>
+            </a:r>
+          </a:p>
+          <a:p>
+            <a:pPr marL="0" indent="0" algn="just">
+              <a:buNone/>
+            </a:pPr>
+            <a:r>
+              <a:rPr lang="pt-BR" sz="2200" b="1" dirty="0">
+                <a:solidFill>
+                  <a:srgbClr val="FF0000"/>
+                </a:solidFill>
+                <a:latin typeface="Times New Roman" panose="02020603050405020304" pitchFamily="18" charset="0"/>
+                <a:cs typeface="Times New Roman" panose="02020603050405020304" pitchFamily="18" charset="0"/>
+              </a:rPr>
+              <a:t>Disponível em: </a:t>
+            </a:r>
+            <a:r>
+              <a:rPr lang="pt-BR" sz="2200" dirty="0">
+                <a:latin typeface="Times New Roman" panose="02020603050405020304" pitchFamily="18" charset="0"/>
+                <a:cs typeface="Times New Roman" panose="02020603050405020304" pitchFamily="18" charset="0"/>
+                <a:hlinkClick r:id="rId3"/>
+              </a:rPr>
+              <a:t>https://youtu.be/6-xCs2meob8</a:t>
+            </a:r>
+            <a:r>
+              <a:rPr lang="pt-BR" sz="2200" dirty="0">
+                <a:latin typeface="Times New Roman" panose="02020603050405020304" pitchFamily="18" charset="0"/>
+                <a:cs typeface="Times New Roman" panose="02020603050405020304" pitchFamily="18" charset="0"/>
+              </a:rPr>
+              <a:t> </a:t>
+            </a:r>
+          </a:p>
+          <a:p>
+            <a:pPr marL="0" indent="0" algn="just">
+              <a:buNone/>
+            </a:pPr>
+            <a:endParaRPr lang="pt-BR" sz="2200" dirty="0">
+              <a:latin typeface="Times New Roman" panose="02020603050405020304" pitchFamily="18" charset="0"/>
+              <a:cs typeface="Times New Roman" panose="02020603050405020304" pitchFamily="18" charset="0"/>
+            </a:endParaRPr>
+          </a:p>
+          <a:p>
+            <a:pPr marL="0" indent="0" algn="just">
+              <a:buNone/>
+            </a:pPr>
+            <a:endParaRPr lang="pt-BR" sz="2200" dirty="0">
+              <a:latin typeface="Times New Roman" panose="02020603050405020304" pitchFamily="18" charset="0"/>
+              <a:cs typeface="Times New Roman" panose="02020603050405020304" pitchFamily="18" charset="0"/>
+            </a:endParaRPr>
+          </a:p>
+          <a:p>
+            <a:pPr marL="0" indent="0" algn="just">
+              <a:buNone/>
+            </a:pPr>
+            <a:r>
+              <a:rPr lang="pt-BR" sz="2200" dirty="0">
+                <a:latin typeface="Times New Roman" panose="02020603050405020304" pitchFamily="18" charset="0"/>
+                <a:cs typeface="Times New Roman" panose="02020603050405020304" pitchFamily="18" charset="0"/>
+              </a:rPr>
+              <a:t>[2] </a:t>
+            </a:r>
+            <a:r>
+              <a:rPr lang="pt-BR" sz="2200" b="1" dirty="0">
+                <a:latin typeface="Times New Roman" panose="02020603050405020304" pitchFamily="18" charset="0"/>
+                <a:cs typeface="Times New Roman" panose="02020603050405020304" pitchFamily="18" charset="0"/>
+              </a:rPr>
+              <a:t>Tipos de TCC: Diferença entre artigo cientifico e monografia</a:t>
+            </a:r>
+          </a:p>
+          <a:p>
+            <a:pPr marL="0" indent="0" algn="just">
+              <a:buNone/>
+            </a:pPr>
+            <a:r>
+              <a:rPr lang="pt-BR" sz="2200" b="1" dirty="0">
+                <a:solidFill>
+                  <a:srgbClr val="FF0000"/>
+                </a:solidFill>
+                <a:latin typeface="Times New Roman" panose="02020603050405020304" pitchFamily="18" charset="0"/>
+                <a:cs typeface="Times New Roman" panose="02020603050405020304" pitchFamily="18" charset="0"/>
+              </a:rPr>
+              <a:t>Disponível em: </a:t>
+            </a:r>
+            <a:r>
+              <a:rPr lang="pt-BR" sz="2200" dirty="0">
+                <a:solidFill>
+                  <a:srgbClr val="FF0000"/>
+                </a:solidFill>
+                <a:latin typeface="Times New Roman" panose="02020603050405020304" pitchFamily="18" charset="0"/>
+                <a:cs typeface="Times New Roman" panose="02020603050405020304" pitchFamily="18" charset="0"/>
+                <a:hlinkClick r:id="rId4"/>
+              </a:rPr>
+              <a:t>https://youtu.be/1PuHtF-cmh8</a:t>
+            </a:r>
+            <a:r>
+              <a:rPr lang="pt-BR" sz="2200" dirty="0">
+                <a:solidFill>
+                  <a:srgbClr val="FF0000"/>
+                </a:solidFill>
+                <a:latin typeface="Times New Roman" panose="02020603050405020304" pitchFamily="18" charset="0"/>
+                <a:cs typeface="Times New Roman" panose="02020603050405020304" pitchFamily="18" charset="0"/>
+              </a:rPr>
+              <a:t> </a:t>
+            </a:r>
+            <a:endParaRPr lang="pt-BR" sz="2200" dirty="0">
+              <a:latin typeface="Times New Roman" panose="02020603050405020304" pitchFamily="18" charset="0"/>
+              <a:cs typeface="Times New Roman" panose="02020603050405020304" pitchFamily="18" charset="0"/>
+            </a:endParaRPr>
+          </a:p>
+        </p:txBody>
+      </p:sp>
+    </p:spTree>
+    <p:extLst>
+      <p:ext uri="{BB962C8B-B14F-4D97-AF65-F5344CB8AC3E}">
+        <p14:creationId xmlns:p14="http://schemas.microsoft.com/office/powerpoint/2010/main" val="2747596967"/>
+      </p:ext>
+    </p:extLst>
+  </p:cSld>
+  <p:clrMapOvr>
+    <a:masterClrMapping/>
+  </p:clrMapOvr>
+  <p:transition spd="med"/>
+</p:sld>
+</file>
+
+<file path=ppt/slides/slide19.xml><?xml version="1.0" encoding="utf-8"?>
+<p:sld xmlns:a="http://schemas.openxmlformats.org/drawingml/2006/main" xmlns:r="http://schemas.openxmlformats.org/officeDocument/2006/relationships" xmlns:p="http://schemas.openxmlformats.org/presentationml/2006/main">
+  <p:cSld>
+    <p:spTree>
+      <p:nvGrpSpPr>
+        <p:cNvPr id="1" name="">
+          <a:extLst>
+            <a:ext uri="{FF2B5EF4-FFF2-40B4-BE49-F238E27FC236}">
+              <a16:creationId xmlns:a16="http://schemas.microsoft.com/office/drawing/2014/main" id="{2953AC7D-8CF9-A63F-57A2-D983DEB50039}"/>
+            </a:ext>
+          </a:extLst>
+        </p:cNvPr>
+        <p:cNvGrpSpPr/>
+        <p:nvPr/>
+      </p:nvGrpSpPr>
+      <p:grpSpPr>
+        <a:xfrm>
+          <a:off x="0" y="0"/>
+          <a:ext cx="0" cy="0"/>
+          <a:chOff x="0" y="0"/>
+          <a:chExt cx="0" cy="0"/>
+        </a:xfrm>
+      </p:grpSpPr>
+      <p:sp>
+        <p:nvSpPr>
+          <p:cNvPr id="6" name="Title 1">
+            <a:extLst>
+              <a:ext uri="{FF2B5EF4-FFF2-40B4-BE49-F238E27FC236}">
+                <a16:creationId xmlns:a16="http://schemas.microsoft.com/office/drawing/2014/main" id="{CC4C3A19-ED0C-1CE0-1512-03DBBA8E622A}"/>
+              </a:ext>
+            </a:extLst>
+          </p:cNvPr>
+          <p:cNvSpPr>
+            <a:spLocks noGrp="1"/>
+          </p:cNvSpPr>
+          <p:nvPr>
+            <p:ph type="title"/>
+          </p:nvPr>
+        </p:nvSpPr>
+        <p:spPr>
+          <a:xfrm>
+            <a:off x="457200" y="205980"/>
+            <a:ext cx="8229600" cy="857251"/>
+          </a:xfrm>
+        </p:spPr>
+        <p:txBody>
+          <a:bodyPr>
+            <a:normAutofit/>
+          </a:bodyPr>
+          <a:lstStyle/>
+          <a:p>
+            <a:r>
+              <a:rPr lang="en-US" b="1" dirty="0" err="1">
+                <a:solidFill>
+                  <a:srgbClr val="0070C0"/>
+                </a:solidFill>
+              </a:rPr>
+              <a:t>Dinâmica</a:t>
+            </a:r>
+            <a:r>
+              <a:rPr lang="en-US" b="1" dirty="0">
+                <a:solidFill>
+                  <a:srgbClr val="0070C0"/>
+                </a:solidFill>
+              </a:rPr>
+              <a:t>/</a:t>
+            </a:r>
+            <a:r>
+              <a:rPr lang="en-US" b="1" dirty="0" err="1">
+                <a:solidFill>
+                  <a:srgbClr val="0070C0"/>
+                </a:solidFill>
+              </a:rPr>
+              <a:t>Atividade</a:t>
+            </a:r>
+            <a:endParaRPr lang="en-US" b="1" dirty="0">
+              <a:solidFill>
+                <a:srgbClr val="0070C0"/>
+              </a:solidFill>
+            </a:endParaRPr>
+          </a:p>
+        </p:txBody>
+      </p:sp>
+      <p:sp>
+        <p:nvSpPr>
+          <p:cNvPr id="8" name="Text Placeholder 2">
+            <a:extLst>
+              <a:ext uri="{FF2B5EF4-FFF2-40B4-BE49-F238E27FC236}">
+                <a16:creationId xmlns:a16="http://schemas.microsoft.com/office/drawing/2014/main" id="{B45119E1-EF11-7248-2ADA-8776A0D7E7E3}"/>
+              </a:ext>
+            </a:extLst>
+          </p:cNvPr>
+          <p:cNvSpPr>
+            <a:spLocks noGrp="1"/>
+          </p:cNvSpPr>
+          <p:nvPr>
+            <p:ph type="body" sz="half" idx="1"/>
+          </p:nvPr>
+        </p:nvSpPr>
+        <p:spPr>
+          <a:xfrm>
+            <a:off x="142865" y="1035050"/>
+            <a:ext cx="8865056" cy="3994150"/>
+          </a:xfrm>
+        </p:spPr>
+        <p:txBody>
+          <a:bodyPr>
+            <a:noAutofit/>
+          </a:bodyPr>
+          <a:lstStyle/>
+          <a:p>
+            <a:pPr algn="just"/>
+            <a:r>
+              <a:rPr lang="pt-BR" sz="2400" dirty="0">
+                <a:solidFill>
+                  <a:schemeClr val="tx1"/>
+                </a:solidFill>
+                <a:latin typeface="Times New Roman" panose="02020603050405020304" pitchFamily="18" charset="0"/>
+                <a:cs typeface="Times New Roman" panose="02020603050405020304" pitchFamily="18" charset="0"/>
+              </a:rPr>
+              <a:t>Análise crítica de projetos anteriores;</a:t>
+            </a:r>
+          </a:p>
+          <a:p>
+            <a:pPr algn="just"/>
+            <a:endParaRPr lang="pt-BR" sz="2400" dirty="0">
+              <a:solidFill>
+                <a:schemeClr val="tx1"/>
+              </a:solidFill>
+              <a:latin typeface="Times New Roman" panose="02020603050405020304" pitchFamily="18" charset="0"/>
+              <a:cs typeface="Times New Roman" panose="02020603050405020304" pitchFamily="18" charset="0"/>
+            </a:endParaRPr>
+          </a:p>
+          <a:p>
+            <a:pPr algn="just"/>
+            <a:r>
+              <a:rPr lang="pt-BR" sz="2400" dirty="0">
+                <a:solidFill>
+                  <a:schemeClr val="tx1"/>
+                </a:solidFill>
+                <a:latin typeface="Times New Roman" panose="02020603050405020304" pitchFamily="18" charset="0"/>
+                <a:cs typeface="Times New Roman" panose="02020603050405020304" pitchFamily="18" charset="0"/>
+              </a:rPr>
+              <a:t>Criação de esboço de escopo e cronograma;</a:t>
+            </a:r>
+          </a:p>
+          <a:p>
+            <a:pPr algn="just"/>
+            <a:endParaRPr lang="pt-BR" sz="2400" dirty="0">
+              <a:solidFill>
+                <a:schemeClr val="tx1"/>
+              </a:solidFill>
+              <a:latin typeface="Times New Roman" panose="02020603050405020304" pitchFamily="18" charset="0"/>
+              <a:cs typeface="Times New Roman" panose="02020603050405020304" pitchFamily="18" charset="0"/>
+            </a:endParaRPr>
+          </a:p>
+          <a:p>
+            <a:pPr algn="just"/>
+            <a:r>
+              <a:rPr lang="pt-BR" sz="2400" dirty="0">
+                <a:solidFill>
+                  <a:schemeClr val="tx1"/>
+                </a:solidFill>
+                <a:latin typeface="Times New Roman" panose="02020603050405020304" pitchFamily="18" charset="0"/>
+                <a:cs typeface="Times New Roman" panose="02020603050405020304" pitchFamily="18" charset="0"/>
+              </a:rPr>
+              <a:t>Checklist de boas práticas;</a:t>
+            </a:r>
+          </a:p>
+          <a:p>
+            <a:pPr algn="just"/>
+            <a:endParaRPr lang="pt-BR" sz="2400" dirty="0">
+              <a:solidFill>
+                <a:schemeClr val="tx1"/>
+              </a:solidFill>
+              <a:latin typeface="Times New Roman" panose="02020603050405020304" pitchFamily="18" charset="0"/>
+              <a:cs typeface="Times New Roman" panose="02020603050405020304" pitchFamily="18" charset="0"/>
+            </a:endParaRPr>
+          </a:p>
+          <a:p>
+            <a:pPr algn="just"/>
+            <a:r>
+              <a:rPr lang="pt-BR" sz="2400" dirty="0">
+                <a:solidFill>
+                  <a:schemeClr val="tx1"/>
+                </a:solidFill>
+                <a:latin typeface="Times New Roman" panose="02020603050405020304" pitchFamily="18" charset="0"/>
+                <a:cs typeface="Times New Roman" panose="02020603050405020304" pitchFamily="18" charset="0"/>
+              </a:rPr>
+              <a:t>Simulação de apresentação para feedback.</a:t>
+            </a:r>
+          </a:p>
+          <a:p>
+            <a:pPr marL="0" indent="0" algn="just">
+              <a:buNone/>
+            </a:pPr>
+            <a:endParaRPr lang="pt-BR" sz="2400" dirty="0">
+              <a:solidFill>
+                <a:schemeClr val="tx1"/>
+              </a:solidFill>
+              <a:latin typeface="Times New Roman" panose="02020603050405020304" pitchFamily="18" charset="0"/>
+              <a:cs typeface="Times New Roman" panose="02020603050405020304" pitchFamily="18" charset="0"/>
+            </a:endParaRPr>
+          </a:p>
+          <a:p>
+            <a:pPr marL="0" indent="0" algn="just">
+              <a:buNone/>
+            </a:pPr>
+            <a:endParaRPr lang="pt-BR" sz="2400" dirty="0">
+              <a:solidFill>
+                <a:schemeClr val="tx1"/>
+              </a:solidFill>
+              <a:latin typeface="Times New Roman" panose="02020603050405020304" pitchFamily="18" charset="0"/>
+              <a:cs typeface="Times New Roman" panose="02020603050405020304" pitchFamily="18" charset="0"/>
+            </a:endParaRPr>
+          </a:p>
+        </p:txBody>
+      </p:sp>
+    </p:spTree>
+    <p:extLst>
+      <p:ext uri="{BB962C8B-B14F-4D97-AF65-F5344CB8AC3E}">
+        <p14:creationId xmlns:p14="http://schemas.microsoft.com/office/powerpoint/2010/main" val="2976682751"/>
+      </p:ext>
+    </p:extLst>
+  </p:cSld>
+  <p:clrMapOvr>
+    <a:masterClrMapping/>
+  </p:clrMapOvr>
+  <p:transition spd="med"/>
+</p:sld>
+</file>
+
 <file path=ppt/slides/slide2.xml><?xml version="1.0" encoding="utf-8"?>
 <p:sld xmlns:a="http://schemas.openxmlformats.org/drawingml/2006/main" xmlns:r="http://schemas.openxmlformats.org/officeDocument/2006/relationships" xmlns:p="http://schemas.openxmlformats.org/presentationml/2006/main">
   <p:cSld>
@@ -3991,7 +7445,7 @@
                   <a:schemeClr val="bg1"/>
                 </a:solidFill>
               </a:rPr>
-              <a:t>	CLP – Recomendações Projetos Supervisórios</a:t>
+              <a:t>	CLP – Recomendações Projetos em Geral e Supervisórios</a:t>
             </a:r>
           </a:p>
         </p:txBody>
@@ -4343,153 +7797,7 @@
 </p:sld>
 </file>
 
-<file path=ppt/slides/slide3.xml><?xml version="1.0" encoding="utf-8"?>
-<p:sld xmlns:a="http://schemas.openxmlformats.org/drawingml/2006/main" xmlns:r="http://schemas.openxmlformats.org/officeDocument/2006/relationships" xmlns:p="http://schemas.openxmlformats.org/presentationml/2006/main">
-  <p:cSld>
-    <p:spTree>
-      <p:nvGrpSpPr>
-        <p:cNvPr id="1" name="">
-          <a:extLst>
-            <a:ext uri="{FF2B5EF4-FFF2-40B4-BE49-F238E27FC236}">
-              <a16:creationId xmlns:a16="http://schemas.microsoft.com/office/drawing/2014/main" id="{AFFC8B2D-7443-68FB-D448-E738142EB99F}"/>
-            </a:ext>
-          </a:extLst>
-        </p:cNvPr>
-        <p:cNvGrpSpPr/>
-        <p:nvPr/>
-      </p:nvGrpSpPr>
-      <p:grpSpPr>
-        <a:xfrm>
-          <a:off x="0" y="0"/>
-          <a:ext cx="0" cy="0"/>
-          <a:chOff x="0" y="0"/>
-          <a:chExt cx="0" cy="0"/>
-        </a:xfrm>
-      </p:grpSpPr>
-      <p:sp>
-        <p:nvSpPr>
-          <p:cNvPr id="6" name="Title 1">
-            <a:extLst>
-              <a:ext uri="{FF2B5EF4-FFF2-40B4-BE49-F238E27FC236}">
-                <a16:creationId xmlns:a16="http://schemas.microsoft.com/office/drawing/2014/main" id="{0A36332F-AF5C-5EE7-4FDB-2DE89732CE38}"/>
-              </a:ext>
-            </a:extLst>
-          </p:cNvPr>
-          <p:cNvSpPr>
-            <a:spLocks noGrp="1"/>
-          </p:cNvSpPr>
-          <p:nvPr>
-            <p:ph type="title"/>
-          </p:nvPr>
-        </p:nvSpPr>
-        <p:spPr>
-          <a:xfrm>
-            <a:off x="457200" y="205980"/>
-            <a:ext cx="8229600" cy="857251"/>
-          </a:xfrm>
-        </p:spPr>
-        <p:txBody>
-          <a:bodyPr>
-            <a:normAutofit fontScale="90000"/>
-          </a:bodyPr>
-          <a:lstStyle/>
-          <a:p>
-            <a:r>
-              <a:rPr lang="en-US" b="1" dirty="0">
-                <a:solidFill>
-                  <a:srgbClr val="0070C0"/>
-                </a:solidFill>
-              </a:rPr>
-              <a:t>CLP – </a:t>
-            </a:r>
-            <a:r>
-              <a:rPr lang="en-US" b="1" dirty="0" err="1">
-                <a:solidFill>
-                  <a:srgbClr val="0070C0"/>
-                </a:solidFill>
-              </a:rPr>
-              <a:t>Recomendações</a:t>
-            </a:r>
-            <a:r>
-              <a:rPr lang="en-US" b="1" dirty="0">
-                <a:solidFill>
-                  <a:srgbClr val="0070C0"/>
-                </a:solidFill>
-              </a:rPr>
-              <a:t> </a:t>
-            </a:r>
-            <a:r>
-              <a:rPr lang="en-US" b="1" dirty="0" err="1">
-                <a:solidFill>
-                  <a:srgbClr val="0070C0"/>
-                </a:solidFill>
-              </a:rPr>
-              <a:t>Supervisórios</a:t>
-            </a:r>
-            <a:endParaRPr lang="en-US" b="1" dirty="0">
-              <a:solidFill>
-                <a:srgbClr val="0070C0"/>
-              </a:solidFill>
-            </a:endParaRPr>
-          </a:p>
-        </p:txBody>
-      </p:sp>
-      <p:sp>
-        <p:nvSpPr>
-          <p:cNvPr id="8" name="Text Placeholder 2">
-            <a:extLst>
-              <a:ext uri="{FF2B5EF4-FFF2-40B4-BE49-F238E27FC236}">
-                <a16:creationId xmlns:a16="http://schemas.microsoft.com/office/drawing/2014/main" id="{B1B1D734-DA2C-3DA6-0191-27F88C8EB709}"/>
-              </a:ext>
-            </a:extLst>
-          </p:cNvPr>
-          <p:cNvSpPr>
-            <a:spLocks noGrp="1"/>
-          </p:cNvSpPr>
-          <p:nvPr>
-            <p:ph type="body" sz="half" idx="1"/>
-          </p:nvPr>
-        </p:nvSpPr>
-        <p:spPr>
-          <a:xfrm>
-            <a:off x="142865" y="1035050"/>
-            <a:ext cx="8865056" cy="3994150"/>
-          </a:xfrm>
-        </p:spPr>
-        <p:txBody>
-          <a:bodyPr>
-            <a:noAutofit/>
-          </a:bodyPr>
-          <a:lstStyle/>
-          <a:p>
-            <a:pPr marL="0" indent="0" algn="just">
-              <a:buNone/>
-            </a:pPr>
-            <a:r>
-              <a:rPr lang="pt-BR" sz="2200" dirty="0">
-                <a:latin typeface="Times New Roman" panose="02020603050405020304" pitchFamily="18" charset="0"/>
-                <a:cs typeface="Times New Roman" panose="02020603050405020304" pitchFamily="18" charset="0"/>
-              </a:rPr>
-              <a:t>....</a:t>
-            </a:r>
-          </a:p>
-        </p:txBody>
-      </p:sp>
-    </p:spTree>
-    <p:extLst>
-      <p:ext uri="{BB962C8B-B14F-4D97-AF65-F5344CB8AC3E}">
-        <p14:creationId xmlns:p14="http://schemas.microsoft.com/office/powerpoint/2010/main" val="298294241"/>
-      </p:ext>
-    </p:extLst>
-  </p:cSld>
-  <p:clrMapOvr>
-    <a:masterClrMapping/>
-  </p:clrMapOvr>
-  <p:transition spd="med"/>
-</p:sld>
-</file>
-
-<file path=ppt/slides/slide4.xml><?xml version="1.0" encoding="utf-8"?>
+<file path=ppt/slides/slide20.xml><?xml version="1.0" encoding="utf-8"?>
 <p:sld xmlns:a="http://schemas.openxmlformats.org/drawingml/2006/main" xmlns:r="http://schemas.openxmlformats.org/officeDocument/2006/relationships" xmlns:p="http://schemas.openxmlformats.org/presentationml/2006/main">
   <p:cSld>
     <p:spTree>
@@ -4534,606 +7842,6 @@
                   <a:srgbClr val="0070C0"/>
                 </a:solidFill>
               </a:rPr>
-              <a:t>Leitura</a:t>
-            </a:r>
-            <a:r>
-              <a:rPr lang="en-US" b="1" dirty="0">
-                <a:solidFill>
-                  <a:srgbClr val="0070C0"/>
-                </a:solidFill>
-              </a:rPr>
-              <a:t> </a:t>
-            </a:r>
-            <a:r>
-              <a:rPr lang="en-US" b="1" dirty="0" err="1">
-                <a:solidFill>
-                  <a:srgbClr val="0070C0"/>
-                </a:solidFill>
-              </a:rPr>
-              <a:t>Específica</a:t>
-            </a:r>
-            <a:endParaRPr lang="en-US" b="1" dirty="0">
-              <a:solidFill>
-                <a:srgbClr val="0070C0"/>
-              </a:solidFill>
-            </a:endParaRPr>
-          </a:p>
-        </p:txBody>
-      </p:sp>
-      <p:sp>
-        <p:nvSpPr>
-          <p:cNvPr id="8" name="Text Placeholder 2"/>
-          <p:cNvSpPr>
-            <a:spLocks noGrp="1"/>
-          </p:cNvSpPr>
-          <p:nvPr>
-            <p:ph type="body" sz="half" idx="1"/>
-          </p:nvPr>
-        </p:nvSpPr>
-        <p:spPr>
-          <a:xfrm>
-            <a:off x="142865" y="1200150"/>
-            <a:ext cx="8865056" cy="3737369"/>
-          </a:xfrm>
-        </p:spPr>
-        <p:txBody>
-          <a:bodyPr>
-            <a:noAutofit/>
-          </a:bodyPr>
-          <a:lstStyle/>
-          <a:p>
-            <a:pPr marL="0" indent="0" algn="just">
-              <a:buNone/>
-            </a:pPr>
-            <a:r>
-              <a:rPr lang="pt-BR" sz="2200" dirty="0">
-                <a:latin typeface="Times New Roman" panose="02020603050405020304" pitchFamily="18" charset="0"/>
-                <a:cs typeface="Times New Roman" panose="02020603050405020304" pitchFamily="18" charset="0"/>
-              </a:rPr>
-              <a:t>[1] </a:t>
-            </a:r>
-            <a:r>
-              <a:rPr lang="pt-BR" sz="2200" b="1" dirty="0">
-                <a:latin typeface="Times New Roman" panose="02020603050405020304" pitchFamily="18" charset="0"/>
-                <a:cs typeface="Times New Roman" panose="02020603050405020304" pitchFamily="18" charset="0"/>
-              </a:rPr>
-              <a:t>CLP Recomendações Projetos Supervisórios 1</a:t>
-            </a:r>
-            <a:r>
-              <a:rPr lang="pt-BR" sz="2200" dirty="0">
-                <a:latin typeface="Times New Roman" panose="02020603050405020304" pitchFamily="18" charset="0"/>
-                <a:cs typeface="Times New Roman" panose="02020603050405020304" pitchFamily="18" charset="0"/>
-              </a:rPr>
-              <a:t>.</a:t>
-            </a:r>
-          </a:p>
-          <a:p>
-            <a:pPr marL="0" indent="0" algn="just">
-              <a:buNone/>
-            </a:pPr>
-            <a:r>
-              <a:rPr lang="pt-BR" sz="2200" b="1" dirty="0">
-                <a:solidFill>
-                  <a:srgbClr val="FF0000"/>
-                </a:solidFill>
-                <a:latin typeface="Times New Roman" panose="02020603050405020304" pitchFamily="18" charset="0"/>
-                <a:cs typeface="Times New Roman" panose="02020603050405020304" pitchFamily="18" charset="0"/>
-              </a:rPr>
-              <a:t>Disponível em: </a:t>
-            </a:r>
-            <a:r>
-              <a:rPr lang="pt-BR" sz="2200" dirty="0">
-                <a:solidFill>
-                  <a:srgbClr val="FF0000"/>
-                </a:solidFill>
-                <a:latin typeface="Times New Roman" panose="02020603050405020304" pitchFamily="18" charset="0"/>
-                <a:cs typeface="Times New Roman" panose="02020603050405020304" pitchFamily="18" charset="0"/>
-                <a:hlinkClick r:id="rId3"/>
-              </a:rPr>
-              <a:t>h</a:t>
-            </a:r>
-            <a:endParaRPr lang="pt-BR" sz="2200" dirty="0">
-              <a:solidFill>
-                <a:srgbClr val="FF0000"/>
-              </a:solidFill>
-              <a:latin typeface="Times New Roman" panose="02020603050405020304" pitchFamily="18" charset="0"/>
-              <a:cs typeface="Times New Roman" panose="02020603050405020304" pitchFamily="18" charset="0"/>
-            </a:endParaRPr>
-          </a:p>
-          <a:p>
-            <a:pPr marL="0" indent="0" algn="just">
-              <a:buNone/>
-            </a:pPr>
-            <a:endParaRPr lang="pt-BR" sz="2200" b="1" dirty="0">
-              <a:solidFill>
-                <a:srgbClr val="FF0000"/>
-              </a:solidFill>
-              <a:latin typeface="Times New Roman" panose="02020603050405020304" pitchFamily="18" charset="0"/>
-              <a:cs typeface="Times New Roman" panose="02020603050405020304" pitchFamily="18" charset="0"/>
-            </a:endParaRPr>
-          </a:p>
-          <a:p>
-            <a:pPr marL="0" indent="0" algn="just">
-              <a:buNone/>
-            </a:pPr>
-            <a:endParaRPr lang="pt-BR" sz="2200" dirty="0">
-              <a:latin typeface="Times New Roman" panose="02020603050405020304" pitchFamily="18" charset="0"/>
-              <a:cs typeface="Times New Roman" panose="02020603050405020304" pitchFamily="18" charset="0"/>
-            </a:endParaRPr>
-          </a:p>
-          <a:p>
-            <a:pPr marL="0" indent="0" algn="just">
-              <a:buNone/>
-            </a:pPr>
-            <a:r>
-              <a:rPr lang="pt-BR" sz="2200" dirty="0">
-                <a:latin typeface="Times New Roman" panose="02020603050405020304" pitchFamily="18" charset="0"/>
-                <a:cs typeface="Times New Roman" panose="02020603050405020304" pitchFamily="18" charset="0"/>
-              </a:rPr>
-              <a:t>[2] </a:t>
-            </a:r>
-            <a:r>
-              <a:rPr lang="pt-BR" sz="2200" b="1" dirty="0">
-                <a:latin typeface="Times New Roman" panose="02020603050405020304" pitchFamily="18" charset="0"/>
-                <a:cs typeface="Times New Roman" panose="02020603050405020304" pitchFamily="18" charset="0"/>
-              </a:rPr>
-              <a:t>CLP Recomendações Projetos Supervisórios 2</a:t>
-            </a:r>
-            <a:r>
-              <a:rPr lang="pt-BR" sz="2200" dirty="0">
-                <a:latin typeface="Times New Roman" panose="02020603050405020304" pitchFamily="18" charset="0"/>
-                <a:cs typeface="Times New Roman" panose="02020603050405020304" pitchFamily="18" charset="0"/>
-              </a:rPr>
-              <a:t>. </a:t>
-            </a:r>
-          </a:p>
-          <a:p>
-            <a:pPr marL="0" indent="0" algn="just">
-              <a:buNone/>
-            </a:pPr>
-            <a:r>
-              <a:rPr lang="pt-BR" sz="2200" b="1" dirty="0">
-                <a:solidFill>
-                  <a:srgbClr val="FF0000"/>
-                </a:solidFill>
-                <a:latin typeface="Times New Roman" panose="02020603050405020304" pitchFamily="18" charset="0"/>
-                <a:cs typeface="Times New Roman" panose="02020603050405020304" pitchFamily="18" charset="0"/>
-              </a:rPr>
-              <a:t>Disponível em: </a:t>
-            </a:r>
-            <a:r>
-              <a:rPr lang="pt-BR" sz="2200" dirty="0">
-                <a:solidFill>
-                  <a:srgbClr val="FF0000"/>
-                </a:solidFill>
-                <a:latin typeface="Times New Roman" panose="02020603050405020304" pitchFamily="18" charset="0"/>
-                <a:cs typeface="Times New Roman" panose="02020603050405020304" pitchFamily="18" charset="0"/>
-                <a:hlinkClick r:id="rId4"/>
-              </a:rPr>
-              <a:t>h</a:t>
-            </a:r>
-            <a:endParaRPr lang="pt-BR" sz="2200" dirty="0">
-              <a:latin typeface="Calibri" panose="020F0502020204030204" pitchFamily="34" charset="0"/>
-            </a:endParaRPr>
-          </a:p>
-        </p:txBody>
-      </p:sp>
-    </p:spTree>
-    <p:extLst>
-      <p:ext uri="{BB962C8B-B14F-4D97-AF65-F5344CB8AC3E}">
-        <p14:creationId xmlns:p14="http://schemas.microsoft.com/office/powerpoint/2010/main" val="3680270425"/>
-      </p:ext>
-    </p:extLst>
-  </p:cSld>
-  <p:clrMapOvr>
-    <a:masterClrMapping/>
-  </p:clrMapOvr>
-  <p:transition spd="med"/>
-</p:sld>
-</file>
-
-<file path=ppt/slides/slide5.xml><?xml version="1.0" encoding="utf-8"?>
-<p:sld xmlns:a="http://schemas.openxmlformats.org/drawingml/2006/main" xmlns:r="http://schemas.openxmlformats.org/officeDocument/2006/relationships" xmlns:p="http://schemas.openxmlformats.org/presentationml/2006/main">
-  <p:cSld>
-    <p:spTree>
-      <p:nvGrpSpPr>
-        <p:cNvPr id="1" name=""/>
-        <p:cNvGrpSpPr/>
-        <p:nvPr/>
-      </p:nvGrpSpPr>
-      <p:grpSpPr>
-        <a:xfrm>
-          <a:off x="0" y="0"/>
-          <a:ext cx="0" cy="0"/>
-          <a:chOff x="0" y="0"/>
-          <a:chExt cx="0" cy="0"/>
-        </a:xfrm>
-      </p:grpSpPr>
-      <p:sp>
-        <p:nvSpPr>
-          <p:cNvPr id="6" name="Title 1"/>
-          <p:cNvSpPr>
-            <a:spLocks noGrp="1"/>
-          </p:cNvSpPr>
-          <p:nvPr>
-            <p:ph type="title"/>
-          </p:nvPr>
-        </p:nvSpPr>
-        <p:spPr>
-          <a:xfrm>
-            <a:off x="457200" y="205980"/>
-            <a:ext cx="8229600" cy="857251"/>
-          </a:xfrm>
-        </p:spPr>
-        <p:txBody>
-          <a:bodyPr>
-            <a:normAutofit/>
-          </a:bodyPr>
-          <a:lstStyle/>
-          <a:p>
-            <a:r>
-              <a:rPr lang="en-US" b="1" dirty="0" err="1">
-                <a:solidFill>
-                  <a:srgbClr val="0070C0"/>
-                </a:solidFill>
-              </a:rPr>
-              <a:t>Aprenda</a:t>
-            </a:r>
-            <a:r>
-              <a:rPr lang="en-US" b="1" dirty="0">
-                <a:solidFill>
-                  <a:srgbClr val="0070C0"/>
-                </a:solidFill>
-              </a:rPr>
-              <a:t>+</a:t>
-            </a:r>
-          </a:p>
-        </p:txBody>
-      </p:sp>
-      <p:sp>
-        <p:nvSpPr>
-          <p:cNvPr id="8" name="Text Placeholder 2"/>
-          <p:cNvSpPr>
-            <a:spLocks noGrp="1"/>
-          </p:cNvSpPr>
-          <p:nvPr>
-            <p:ph type="body" sz="half" idx="1"/>
-          </p:nvPr>
-        </p:nvSpPr>
-        <p:spPr>
-          <a:xfrm>
-            <a:off x="142865" y="1200150"/>
-            <a:ext cx="8865056" cy="3737370"/>
-          </a:xfrm>
-        </p:spPr>
-        <p:txBody>
-          <a:bodyPr>
-            <a:noAutofit/>
-          </a:bodyPr>
-          <a:lstStyle/>
-          <a:p>
-            <a:pPr marL="0" indent="0" algn="just">
-              <a:buNone/>
-            </a:pPr>
-            <a:r>
-              <a:rPr lang="pt-BR" sz="2200" dirty="0">
-                <a:latin typeface="Times New Roman" panose="02020603050405020304" pitchFamily="18" charset="0"/>
-                <a:cs typeface="Times New Roman" panose="02020603050405020304" pitchFamily="18" charset="0"/>
-              </a:rPr>
-              <a:t>[1] </a:t>
-            </a:r>
-            <a:r>
-              <a:rPr lang="pt-BR" sz="2200" b="1" dirty="0">
-                <a:latin typeface="Times New Roman" panose="02020603050405020304" pitchFamily="18" charset="0"/>
-                <a:cs typeface="Times New Roman" panose="02020603050405020304" pitchFamily="18" charset="0"/>
-              </a:rPr>
-              <a:t>CLP Recomendações Projetos Supervisórios 1.</a:t>
-            </a:r>
-          </a:p>
-          <a:p>
-            <a:pPr marL="0" indent="0" algn="just">
-              <a:buNone/>
-            </a:pPr>
-            <a:r>
-              <a:rPr lang="pt-BR" sz="2200" b="1" dirty="0">
-                <a:solidFill>
-                  <a:srgbClr val="FF0000"/>
-                </a:solidFill>
-                <a:latin typeface="Times New Roman" panose="02020603050405020304" pitchFamily="18" charset="0"/>
-                <a:cs typeface="Times New Roman" panose="02020603050405020304" pitchFamily="18" charset="0"/>
-              </a:rPr>
-              <a:t>Disponível em: </a:t>
-            </a:r>
-            <a:r>
-              <a:rPr lang="pt-BR" sz="2200" dirty="0">
-                <a:latin typeface="Times New Roman" panose="02020603050405020304" pitchFamily="18" charset="0"/>
-                <a:cs typeface="Times New Roman" panose="02020603050405020304" pitchFamily="18" charset="0"/>
-                <a:hlinkClick r:id="rId3"/>
-              </a:rPr>
-              <a:t>https:</a:t>
-            </a:r>
-            <a:endParaRPr lang="pt-BR" sz="2200" dirty="0">
-              <a:latin typeface="Times New Roman" panose="02020603050405020304" pitchFamily="18" charset="0"/>
-              <a:cs typeface="Times New Roman" panose="02020603050405020304" pitchFamily="18" charset="0"/>
-            </a:endParaRPr>
-          </a:p>
-          <a:p>
-            <a:pPr marL="0" indent="0" algn="just">
-              <a:buNone/>
-            </a:pPr>
-            <a:endParaRPr lang="pt-BR" sz="2200" dirty="0">
-              <a:latin typeface="Times New Roman" panose="02020603050405020304" pitchFamily="18" charset="0"/>
-              <a:cs typeface="Times New Roman" panose="02020603050405020304" pitchFamily="18" charset="0"/>
-            </a:endParaRPr>
-          </a:p>
-          <a:p>
-            <a:pPr marL="0" indent="0" algn="just">
-              <a:buNone/>
-            </a:pPr>
-            <a:endParaRPr lang="pt-BR" sz="2200" dirty="0">
-              <a:latin typeface="Times New Roman" panose="02020603050405020304" pitchFamily="18" charset="0"/>
-              <a:cs typeface="Times New Roman" panose="02020603050405020304" pitchFamily="18" charset="0"/>
-            </a:endParaRPr>
-          </a:p>
-          <a:p>
-            <a:pPr marL="0" indent="0" algn="just">
-              <a:buNone/>
-            </a:pPr>
-            <a:r>
-              <a:rPr lang="pt-BR" sz="2200" dirty="0">
-                <a:latin typeface="Times New Roman" panose="02020603050405020304" pitchFamily="18" charset="0"/>
-                <a:cs typeface="Times New Roman" panose="02020603050405020304" pitchFamily="18" charset="0"/>
-              </a:rPr>
-              <a:t>[2] </a:t>
-            </a:r>
-            <a:r>
-              <a:rPr lang="pt-BR" sz="2200" b="1">
-                <a:latin typeface="Times New Roman" panose="02020603050405020304" pitchFamily="18" charset="0"/>
-                <a:cs typeface="Times New Roman" panose="02020603050405020304" pitchFamily="18" charset="0"/>
-              </a:rPr>
-              <a:t>CLP Recomendações Projetos Supervisórios </a:t>
-            </a:r>
-            <a:r>
-              <a:rPr lang="pt-BR" sz="2200" b="1" dirty="0">
-                <a:latin typeface="Times New Roman" panose="02020603050405020304" pitchFamily="18" charset="0"/>
-                <a:cs typeface="Times New Roman" panose="02020603050405020304" pitchFamily="18" charset="0"/>
-              </a:rPr>
-              <a:t>2.</a:t>
-            </a:r>
-          </a:p>
-          <a:p>
-            <a:pPr marL="0" indent="0" algn="just">
-              <a:buNone/>
-            </a:pPr>
-            <a:r>
-              <a:rPr lang="pt-BR" sz="2200" b="1" dirty="0">
-                <a:solidFill>
-                  <a:srgbClr val="FF0000"/>
-                </a:solidFill>
-                <a:latin typeface="Times New Roman" panose="02020603050405020304" pitchFamily="18" charset="0"/>
-                <a:cs typeface="Times New Roman" panose="02020603050405020304" pitchFamily="18" charset="0"/>
-              </a:rPr>
-              <a:t>Disponível em: </a:t>
-            </a:r>
-            <a:r>
-              <a:rPr lang="pt-BR" sz="2200" dirty="0">
-                <a:solidFill>
-                  <a:srgbClr val="FF0000"/>
-                </a:solidFill>
-                <a:latin typeface="Times New Roman" panose="02020603050405020304" pitchFamily="18" charset="0"/>
-                <a:cs typeface="Times New Roman" panose="02020603050405020304" pitchFamily="18" charset="0"/>
-                <a:hlinkClick r:id="rId4"/>
-              </a:rPr>
-              <a:t>https:</a:t>
-            </a:r>
-            <a:endParaRPr lang="pt-BR" sz="2200" dirty="0">
-              <a:latin typeface="Times New Roman" panose="02020603050405020304" pitchFamily="18" charset="0"/>
-              <a:cs typeface="Times New Roman" panose="02020603050405020304" pitchFamily="18" charset="0"/>
-            </a:endParaRPr>
-          </a:p>
-        </p:txBody>
-      </p:sp>
-    </p:spTree>
-    <p:extLst>
-      <p:ext uri="{BB962C8B-B14F-4D97-AF65-F5344CB8AC3E}">
-        <p14:creationId xmlns:p14="http://schemas.microsoft.com/office/powerpoint/2010/main" val="2747596967"/>
-      </p:ext>
-    </p:extLst>
-  </p:cSld>
-  <p:clrMapOvr>
-    <a:masterClrMapping/>
-  </p:clrMapOvr>
-  <p:transition spd="med"/>
-</p:sld>
-</file>
-
-<file path=ppt/slides/slide6.xml><?xml version="1.0" encoding="utf-8"?>
-<p:sld xmlns:a="http://schemas.openxmlformats.org/drawingml/2006/main" xmlns:r="http://schemas.openxmlformats.org/officeDocument/2006/relationships" xmlns:p="http://schemas.openxmlformats.org/presentationml/2006/main">
-  <p:cSld>
-    <p:spTree>
-      <p:nvGrpSpPr>
-        <p:cNvPr id="1" name="">
-          <a:extLst>
-            <a:ext uri="{FF2B5EF4-FFF2-40B4-BE49-F238E27FC236}">
-              <a16:creationId xmlns:a16="http://schemas.microsoft.com/office/drawing/2014/main" id="{2953AC7D-8CF9-A63F-57A2-D983DEB50039}"/>
-            </a:ext>
-          </a:extLst>
-        </p:cNvPr>
-        <p:cNvGrpSpPr/>
-        <p:nvPr/>
-      </p:nvGrpSpPr>
-      <p:grpSpPr>
-        <a:xfrm>
-          <a:off x="0" y="0"/>
-          <a:ext cx="0" cy="0"/>
-          <a:chOff x="0" y="0"/>
-          <a:chExt cx="0" cy="0"/>
-        </a:xfrm>
-      </p:grpSpPr>
-      <p:sp>
-        <p:nvSpPr>
-          <p:cNvPr id="6" name="Title 1">
-            <a:extLst>
-              <a:ext uri="{FF2B5EF4-FFF2-40B4-BE49-F238E27FC236}">
-                <a16:creationId xmlns:a16="http://schemas.microsoft.com/office/drawing/2014/main" id="{CC4C3A19-ED0C-1CE0-1512-03DBBA8E622A}"/>
-              </a:ext>
-            </a:extLst>
-          </p:cNvPr>
-          <p:cNvSpPr>
-            <a:spLocks noGrp="1"/>
-          </p:cNvSpPr>
-          <p:nvPr>
-            <p:ph type="title"/>
-          </p:nvPr>
-        </p:nvSpPr>
-        <p:spPr>
-          <a:xfrm>
-            <a:off x="457200" y="205980"/>
-            <a:ext cx="8229600" cy="857251"/>
-          </a:xfrm>
-        </p:spPr>
-        <p:txBody>
-          <a:bodyPr>
-            <a:normAutofit/>
-          </a:bodyPr>
-          <a:lstStyle/>
-          <a:p>
-            <a:r>
-              <a:rPr lang="en-US" b="1" dirty="0" err="1">
-                <a:solidFill>
-                  <a:srgbClr val="0070C0"/>
-                </a:solidFill>
-              </a:rPr>
-              <a:t>Dinâmica</a:t>
-            </a:r>
-            <a:r>
-              <a:rPr lang="en-US" b="1" dirty="0">
-                <a:solidFill>
-                  <a:srgbClr val="0070C0"/>
-                </a:solidFill>
-              </a:rPr>
-              <a:t>/</a:t>
-            </a:r>
-            <a:r>
-              <a:rPr lang="en-US" b="1" dirty="0" err="1">
-                <a:solidFill>
-                  <a:srgbClr val="0070C0"/>
-                </a:solidFill>
-              </a:rPr>
-              <a:t>Atividades</a:t>
-            </a:r>
-            <a:endParaRPr lang="en-US" b="1" dirty="0">
-              <a:solidFill>
-                <a:srgbClr val="0070C0"/>
-              </a:solidFill>
-            </a:endParaRPr>
-          </a:p>
-        </p:txBody>
-      </p:sp>
-      <p:sp>
-        <p:nvSpPr>
-          <p:cNvPr id="8" name="Text Placeholder 2">
-            <a:extLst>
-              <a:ext uri="{FF2B5EF4-FFF2-40B4-BE49-F238E27FC236}">
-                <a16:creationId xmlns:a16="http://schemas.microsoft.com/office/drawing/2014/main" id="{B45119E1-EF11-7248-2ADA-8776A0D7E7E3}"/>
-              </a:ext>
-            </a:extLst>
-          </p:cNvPr>
-          <p:cNvSpPr>
-            <a:spLocks noGrp="1"/>
-          </p:cNvSpPr>
-          <p:nvPr>
-            <p:ph type="body" sz="half" idx="1"/>
-          </p:nvPr>
-        </p:nvSpPr>
-        <p:spPr>
-          <a:xfrm>
-            <a:off x="142865" y="1035050"/>
-            <a:ext cx="8865056" cy="3994150"/>
-          </a:xfrm>
-        </p:spPr>
-        <p:txBody>
-          <a:bodyPr>
-            <a:noAutofit/>
-          </a:bodyPr>
-          <a:lstStyle/>
-          <a:p>
-            <a:pPr algn="just">
-              <a:buFont typeface="Wingdings" panose="05000000000000000000" pitchFamily="2" charset="2"/>
-              <a:buChar char="q"/>
-            </a:pPr>
-            <a:r>
-              <a:rPr lang="pt-BR" sz="2200" b="1" dirty="0">
-                <a:solidFill>
-                  <a:srgbClr val="0070C0"/>
-                </a:solidFill>
-                <a:latin typeface="Times New Roman" panose="02020603050405020304" pitchFamily="18" charset="0"/>
-                <a:cs typeface="Times New Roman" panose="02020603050405020304" pitchFamily="18" charset="0"/>
-              </a:rPr>
-              <a:t>CLP</a:t>
-            </a:r>
-          </a:p>
-        </p:txBody>
-      </p:sp>
-    </p:spTree>
-    <p:extLst>
-      <p:ext uri="{BB962C8B-B14F-4D97-AF65-F5344CB8AC3E}">
-        <p14:creationId xmlns:p14="http://schemas.microsoft.com/office/powerpoint/2010/main" val="2976682751"/>
-      </p:ext>
-    </p:extLst>
-  </p:cSld>
-  <p:clrMapOvr>
-    <a:masterClrMapping/>
-  </p:clrMapOvr>
-  <p:transition spd="med"/>
-</p:sld>
-</file>
-
-<file path=ppt/slides/slide7.xml><?xml version="1.0" encoding="utf-8"?>
-<p:sld xmlns:a="http://schemas.openxmlformats.org/drawingml/2006/main" xmlns:r="http://schemas.openxmlformats.org/officeDocument/2006/relationships" xmlns:p="http://schemas.openxmlformats.org/presentationml/2006/main">
-  <p:cSld>
-    <p:spTree>
-      <p:nvGrpSpPr>
-        <p:cNvPr id="1" name=""/>
-        <p:cNvGrpSpPr/>
-        <p:nvPr/>
-      </p:nvGrpSpPr>
-      <p:grpSpPr>
-        <a:xfrm>
-          <a:off x="0" y="0"/>
-          <a:ext cx="0" cy="0"/>
-          <a:chOff x="0" y="0"/>
-          <a:chExt cx="0" cy="0"/>
-        </a:xfrm>
-      </p:grpSpPr>
-      <p:sp>
-        <p:nvSpPr>
-          <p:cNvPr id="6" name="Title 1"/>
-          <p:cNvSpPr>
-            <a:spLocks noGrp="1"/>
-          </p:cNvSpPr>
-          <p:nvPr>
-            <p:ph type="title"/>
-          </p:nvPr>
-        </p:nvSpPr>
-        <p:spPr>
-          <a:xfrm>
-            <a:off x="457200" y="205980"/>
-            <a:ext cx="8229600" cy="857251"/>
-          </a:xfrm>
-        </p:spPr>
-        <p:txBody>
-          <a:bodyPr>
-            <a:normAutofit/>
-          </a:bodyPr>
-          <a:lstStyle/>
-          <a:p>
-            <a:r>
-              <a:rPr lang="en-US" b="1" dirty="0" err="1">
-                <a:solidFill>
-                  <a:srgbClr val="0070C0"/>
-                </a:solidFill>
-              </a:rPr>
               <a:t>Referências</a:t>
             </a:r>
             <a:r>
@@ -5185,14 +7893,7 @@
             <a:pPr marL="0" indent="0" algn="just">
               <a:buNone/>
             </a:pPr>
-            <a:r>
-              <a:rPr lang="pt-BR" sz="2000" dirty="0">
-                <a:latin typeface="Times New Roman" panose="02020603050405020304" pitchFamily="18" charset="0"/>
-                <a:cs typeface="Times New Roman" panose="02020603050405020304" pitchFamily="18" charset="0"/>
-              </a:rPr>
-              <a:t>[1] </a:t>
-            </a:r>
-            <a:endParaRPr lang="pt-BR" sz="2000" b="1" dirty="0">
+            <a:endParaRPr lang="pt-BR" sz="2200" dirty="0">
               <a:latin typeface="Times New Roman" panose="02020603050405020304" pitchFamily="18" charset="0"/>
               <a:cs typeface="Times New Roman" panose="02020603050405020304" pitchFamily="18" charset="0"/>
             </a:endParaRPr>
@@ -5201,7 +7902,33 @@
             <a:pPr marL="0" indent="0" algn="just">
               <a:buNone/>
             </a:pPr>
-            <a:endParaRPr lang="en-US" sz="2000" dirty="0">
+            <a:r>
+              <a:rPr lang="pt-BR" sz="2200" dirty="0">
+                <a:latin typeface="Times New Roman" panose="02020603050405020304" pitchFamily="18" charset="0"/>
+                <a:cs typeface="Times New Roman" panose="02020603050405020304" pitchFamily="18" charset="0"/>
+              </a:rPr>
+              <a:t>[1] </a:t>
+            </a:r>
+            <a:r>
+              <a:rPr lang="pt-BR" sz="2200" b="1" dirty="0">
+                <a:latin typeface="Times New Roman" panose="02020603050405020304" pitchFamily="18" charset="0"/>
+                <a:cs typeface="Times New Roman" panose="02020603050405020304" pitchFamily="18" charset="0"/>
+              </a:rPr>
+              <a:t>LAKATOS, Eva Maria; MARCONI, Marina de Andrade</a:t>
+            </a:r>
+            <a:r>
+              <a:rPr lang="pt-BR" sz="2200" dirty="0">
+                <a:latin typeface="Times New Roman" panose="02020603050405020304" pitchFamily="18" charset="0"/>
+                <a:cs typeface="Times New Roman" panose="02020603050405020304" pitchFamily="18" charset="0"/>
+              </a:rPr>
+              <a:t>. Metodologia do trabalho científico. 7. ed. São Paulo: Atlas, 2017.</a:t>
+            </a:r>
+          </a:p>
+          <a:p>
+            <a:pPr marL="0" indent="0" algn="just">
+              <a:buNone/>
+            </a:pPr>
+            <a:endParaRPr lang="pt-BR" sz="2200" dirty="0">
               <a:latin typeface="Times New Roman" panose="02020603050405020304" pitchFamily="18" charset="0"/>
               <a:cs typeface="Times New Roman" panose="02020603050405020304" pitchFamily="18" charset="0"/>
             </a:endParaRPr>
@@ -5210,7 +7937,7 @@
             <a:pPr marL="0" indent="0" algn="just">
               <a:buNone/>
             </a:pPr>
-            <a:endParaRPr lang="en-US" sz="2000" dirty="0">
+            <a:endParaRPr lang="en-US" sz="2200" dirty="0">
               <a:latin typeface="Times New Roman" panose="02020603050405020304" pitchFamily="18" charset="0"/>
               <a:cs typeface="Times New Roman" panose="02020603050405020304" pitchFamily="18" charset="0"/>
             </a:endParaRPr>
@@ -5219,32 +7946,42 @@
             <a:pPr marL="0" indent="0" algn="just">
               <a:buNone/>
             </a:pPr>
-            <a:endParaRPr lang="en-US" sz="2000" dirty="0">
-              <a:latin typeface="Times New Roman" panose="02020603050405020304" pitchFamily="18" charset="0"/>
-              <a:cs typeface="Times New Roman" panose="02020603050405020304" pitchFamily="18" charset="0"/>
-            </a:endParaRPr>
-          </a:p>
-          <a:p>
-            <a:pPr marL="0" indent="0" algn="just">
-              <a:buNone/>
-            </a:pPr>
-            <a:endParaRPr lang="en-US" sz="2000" dirty="0">
-              <a:latin typeface="Times New Roman" panose="02020603050405020304" pitchFamily="18" charset="0"/>
-              <a:cs typeface="Times New Roman" panose="02020603050405020304" pitchFamily="18" charset="0"/>
-            </a:endParaRPr>
-          </a:p>
-          <a:p>
-            <a:pPr marL="0" indent="0" algn="just">
-              <a:buNone/>
-            </a:pPr>
-            <a:r>
-              <a:rPr lang="pt-BR" sz="2000" dirty="0">
+            <a:r>
+              <a:rPr lang="pt-BR" sz="2200" dirty="0">
                 <a:latin typeface="Times New Roman" panose="02020603050405020304" pitchFamily="18" charset="0"/>
                 <a:cs typeface="Times New Roman" panose="02020603050405020304" pitchFamily="18" charset="0"/>
               </a:rPr>
               <a:t>[2] </a:t>
             </a:r>
-            <a:endParaRPr lang="pt-BR" sz="2000" b="1" dirty="0">
+            <a:r>
+              <a:rPr lang="pt-BR" sz="2200" b="1" dirty="0">
+                <a:latin typeface="Times New Roman" panose="02020603050405020304" pitchFamily="18" charset="0"/>
+                <a:cs typeface="Times New Roman" panose="02020603050405020304" pitchFamily="18" charset="0"/>
+              </a:rPr>
+              <a:t>SEVERINO, Antônio Joaquim. </a:t>
+            </a:r>
+            <a:r>
+              <a:rPr lang="pt-BR" sz="2200" dirty="0">
+                <a:latin typeface="Times New Roman" panose="02020603050405020304" pitchFamily="18" charset="0"/>
+                <a:cs typeface="Times New Roman" panose="02020603050405020304" pitchFamily="18" charset="0"/>
+              </a:rPr>
+              <a:t>Metodologia do trabalho científico. 23. ed. rev. e </a:t>
+            </a:r>
+            <a:r>
+              <a:rPr lang="pt-BR" sz="2200" dirty="0" err="1">
+                <a:latin typeface="Times New Roman" panose="02020603050405020304" pitchFamily="18" charset="0"/>
+                <a:cs typeface="Times New Roman" panose="02020603050405020304" pitchFamily="18" charset="0"/>
+              </a:rPr>
+              <a:t>ampl</a:t>
+            </a:r>
+            <a:r>
+              <a:rPr lang="pt-BR" sz="2200" dirty="0">
+                <a:latin typeface="Times New Roman" panose="02020603050405020304" pitchFamily="18" charset="0"/>
+                <a:cs typeface="Times New Roman" panose="02020603050405020304" pitchFamily="18" charset="0"/>
+              </a:rPr>
+              <a:t>. São Paulo: Cortez, 2016.</a:t>
+            </a:r>
+            <a:endParaRPr lang="pt-BR" sz="2200" b="1" dirty="0">
               <a:latin typeface="Times New Roman" panose="02020603050405020304" pitchFamily="18" charset="0"/>
               <a:cs typeface="Times New Roman" panose="02020603050405020304" pitchFamily="18" charset="0"/>
             </a:endParaRPr>
@@ -5265,7 +8002,7 @@
 </p:sld>
 </file>
 
-<file path=ppt/slides/slide8.xml><?xml version="1.0" encoding="utf-8"?>
+<file path=ppt/slides/slide21.xml><?xml version="1.0" encoding="utf-8"?>
 <p:sld xmlns:a="http://schemas.openxmlformats.org/drawingml/2006/main" xmlns:r="http://schemas.openxmlformats.org/officeDocument/2006/relationships" xmlns:p="http://schemas.openxmlformats.org/presentationml/2006/main">
   <p:cSld>
     <p:spTree>
@@ -5712,6 +8449,2508 @@
         </p:spPr>
       </p:pic>
     </p:spTree>
+  </p:cSld>
+  <p:clrMapOvr>
+    <a:masterClrMapping/>
+  </p:clrMapOvr>
+  <p:transition spd="med"/>
+</p:sld>
+</file>
+
+<file path=ppt/slides/slide3.xml><?xml version="1.0" encoding="utf-8"?>
+<p:sld xmlns:a="http://schemas.openxmlformats.org/drawingml/2006/main" xmlns:r="http://schemas.openxmlformats.org/officeDocument/2006/relationships" xmlns:p="http://schemas.openxmlformats.org/presentationml/2006/main">
+  <p:cSld>
+    <p:spTree>
+      <p:nvGrpSpPr>
+        <p:cNvPr id="1" name="">
+          <a:extLst>
+            <a:ext uri="{FF2B5EF4-FFF2-40B4-BE49-F238E27FC236}">
+              <a16:creationId xmlns:a16="http://schemas.microsoft.com/office/drawing/2014/main" id="{C3BD8583-5EEC-46EA-FDD1-9AFC6B456775}"/>
+            </a:ext>
+          </a:extLst>
+        </p:cNvPr>
+        <p:cNvGrpSpPr/>
+        <p:nvPr/>
+      </p:nvGrpSpPr>
+      <p:grpSpPr>
+        <a:xfrm>
+          <a:off x="0" y="0"/>
+          <a:ext cx="0" cy="0"/>
+          <a:chOff x="0" y="0"/>
+          <a:chExt cx="0" cy="0"/>
+        </a:xfrm>
+      </p:grpSpPr>
+      <p:sp>
+        <p:nvSpPr>
+          <p:cNvPr id="6" name="Title 1">
+            <a:extLst>
+              <a:ext uri="{FF2B5EF4-FFF2-40B4-BE49-F238E27FC236}">
+                <a16:creationId xmlns:a16="http://schemas.microsoft.com/office/drawing/2014/main" id="{BC940D44-EC7D-1E6B-DDD8-9C66FB52AB30}"/>
+              </a:ext>
+            </a:extLst>
+          </p:cNvPr>
+          <p:cNvSpPr>
+            <a:spLocks noGrp="1"/>
+          </p:cNvSpPr>
+          <p:nvPr>
+            <p:ph type="title"/>
+          </p:nvPr>
+        </p:nvSpPr>
+        <p:spPr>
+          <a:xfrm>
+            <a:off x="457200" y="205980"/>
+            <a:ext cx="8229600" cy="857251"/>
+          </a:xfrm>
+        </p:spPr>
+        <p:txBody>
+          <a:bodyPr>
+            <a:normAutofit/>
+          </a:bodyPr>
+          <a:lstStyle/>
+          <a:p>
+            <a:r>
+              <a:rPr lang="en-US" b="1" dirty="0">
+                <a:solidFill>
+                  <a:srgbClr val="0070C0"/>
+                </a:solidFill>
+              </a:rPr>
+              <a:t>CLP – </a:t>
+            </a:r>
+            <a:r>
+              <a:rPr lang="en-US" b="1" dirty="0" err="1">
+                <a:solidFill>
+                  <a:srgbClr val="0070C0"/>
+                </a:solidFill>
+              </a:rPr>
+              <a:t>Projeto</a:t>
+            </a:r>
+            <a:endParaRPr lang="en-US" b="1" dirty="0">
+              <a:solidFill>
+                <a:srgbClr val="0070C0"/>
+              </a:solidFill>
+            </a:endParaRPr>
+          </a:p>
+        </p:txBody>
+      </p:sp>
+      <p:sp>
+        <p:nvSpPr>
+          <p:cNvPr id="8" name="Text Placeholder 2">
+            <a:extLst>
+              <a:ext uri="{FF2B5EF4-FFF2-40B4-BE49-F238E27FC236}">
+                <a16:creationId xmlns:a16="http://schemas.microsoft.com/office/drawing/2014/main" id="{9E66588C-8BEB-B8EF-2DCC-3A969EF7A6FE}"/>
+              </a:ext>
+            </a:extLst>
+          </p:cNvPr>
+          <p:cNvSpPr>
+            <a:spLocks noGrp="1"/>
+          </p:cNvSpPr>
+          <p:nvPr>
+            <p:ph type="body" sz="half" idx="1"/>
+          </p:nvPr>
+        </p:nvSpPr>
+        <p:spPr>
+          <a:xfrm>
+            <a:off x="142865" y="1035050"/>
+            <a:ext cx="8865056" cy="3994150"/>
+          </a:xfrm>
+        </p:spPr>
+        <p:txBody>
+          <a:bodyPr>
+            <a:noAutofit/>
+          </a:bodyPr>
+          <a:lstStyle/>
+          <a:p>
+            <a:pPr marL="0" indent="0" algn="just">
+              <a:buNone/>
+            </a:pPr>
+            <a:r>
+              <a:rPr lang="pt-BR" sz="2200" b="1" dirty="0">
+                <a:latin typeface="Times New Roman" panose="02020603050405020304" pitchFamily="18" charset="0"/>
+                <a:cs typeface="Times New Roman" panose="02020603050405020304" pitchFamily="18" charset="0"/>
+              </a:rPr>
+              <a:t>Tipos de projetos</a:t>
+            </a:r>
+            <a:r>
+              <a:rPr lang="pt-BR" sz="2200" dirty="0">
+                <a:latin typeface="Times New Roman" panose="02020603050405020304" pitchFamily="18" charset="0"/>
+                <a:cs typeface="Times New Roman" panose="02020603050405020304" pitchFamily="18" charset="0"/>
+              </a:rPr>
+              <a:t>: técnico, prático, teórico, de inovação, social, </a:t>
+            </a:r>
+            <a:r>
+              <a:rPr lang="pt-BR" sz="2200" dirty="0" err="1">
+                <a:latin typeface="Times New Roman" panose="02020603050405020304" pitchFamily="18" charset="0"/>
+                <a:cs typeface="Times New Roman" panose="02020603050405020304" pitchFamily="18" charset="0"/>
+              </a:rPr>
+              <a:t>etc</a:t>
+            </a:r>
+            <a:endParaRPr lang="pt-BR" sz="2200" dirty="0">
+              <a:latin typeface="Times New Roman" panose="02020603050405020304" pitchFamily="18" charset="0"/>
+              <a:cs typeface="Times New Roman" panose="02020603050405020304" pitchFamily="18" charset="0"/>
+            </a:endParaRPr>
+          </a:p>
+          <a:p>
+            <a:pPr marL="0" indent="0" algn="just">
+              <a:buNone/>
+            </a:pPr>
+            <a:endParaRPr lang="pt-BR" sz="2200" dirty="0">
+              <a:latin typeface="Times New Roman" panose="02020603050405020304" pitchFamily="18" charset="0"/>
+              <a:cs typeface="Times New Roman" panose="02020603050405020304" pitchFamily="18" charset="0"/>
+            </a:endParaRPr>
+          </a:p>
+          <a:p>
+            <a:pPr algn="just"/>
+            <a:r>
+              <a:rPr lang="pt-BR" sz="2200" dirty="0">
+                <a:latin typeface="Times New Roman" panose="02020603050405020304" pitchFamily="18" charset="0"/>
+                <a:cs typeface="Times New Roman" panose="02020603050405020304" pitchFamily="18" charset="0"/>
+              </a:rPr>
+              <a:t>Introdução;</a:t>
+            </a:r>
+          </a:p>
+          <a:p>
+            <a:pPr algn="just"/>
+            <a:r>
+              <a:rPr lang="pt-BR" sz="2200" dirty="0">
+                <a:latin typeface="Times New Roman" panose="02020603050405020304" pitchFamily="18" charset="0"/>
+                <a:cs typeface="Times New Roman" panose="02020603050405020304" pitchFamily="18" charset="0"/>
+              </a:rPr>
+              <a:t>Planejamento;</a:t>
+            </a:r>
+          </a:p>
+          <a:p>
+            <a:pPr algn="just"/>
+            <a:r>
+              <a:rPr lang="pt-BR" sz="2200" dirty="0">
+                <a:latin typeface="Times New Roman" panose="02020603050405020304" pitchFamily="18" charset="0"/>
+                <a:cs typeface="Times New Roman" panose="02020603050405020304" pitchFamily="18" charset="0"/>
+              </a:rPr>
+              <a:t>Requisitos Técnicos e Metodológicos;</a:t>
+            </a:r>
+          </a:p>
+          <a:p>
+            <a:pPr algn="just"/>
+            <a:r>
+              <a:rPr lang="pt-BR" sz="2200" dirty="0">
+                <a:latin typeface="Times New Roman" panose="02020603050405020304" pitchFamily="18" charset="0"/>
+                <a:cs typeface="Times New Roman" panose="02020603050405020304" pitchFamily="18" charset="0"/>
+              </a:rPr>
+              <a:t>Documentação;</a:t>
+            </a:r>
+          </a:p>
+          <a:p>
+            <a:pPr algn="just"/>
+            <a:r>
+              <a:rPr lang="pt-BR" sz="2200" dirty="0">
+                <a:latin typeface="Times New Roman" panose="02020603050405020304" pitchFamily="18" charset="0"/>
+                <a:cs typeface="Times New Roman" panose="02020603050405020304" pitchFamily="18" charset="0"/>
+              </a:rPr>
+              <a:t>Apresentação e Defesa.</a:t>
+            </a:r>
+          </a:p>
+          <a:p>
+            <a:pPr algn="just"/>
+            <a:endParaRPr lang="pt-BR" sz="2200" dirty="0">
+              <a:latin typeface="Times New Roman" panose="02020603050405020304" pitchFamily="18" charset="0"/>
+              <a:cs typeface="Times New Roman" panose="02020603050405020304" pitchFamily="18" charset="0"/>
+            </a:endParaRPr>
+          </a:p>
+          <a:p>
+            <a:pPr algn="just"/>
+            <a:r>
+              <a:rPr lang="pt-BR" sz="2200" b="1" dirty="0">
+                <a:latin typeface="Times New Roman" panose="02020603050405020304" pitchFamily="18" charset="0"/>
+                <a:cs typeface="Times New Roman" panose="02020603050405020304" pitchFamily="18" charset="0"/>
+              </a:rPr>
+              <a:t>Importante</a:t>
+            </a:r>
+            <a:r>
+              <a:rPr lang="pt-BR" sz="2200" dirty="0">
+                <a:latin typeface="Times New Roman" panose="02020603050405020304" pitchFamily="18" charset="0"/>
+                <a:cs typeface="Times New Roman" panose="02020603050405020304" pitchFamily="18" charset="0"/>
+              </a:rPr>
+              <a:t>: Aplicar Boas Práticas Gerais e Evitar Erros Comuns.</a:t>
+            </a:r>
+          </a:p>
+        </p:txBody>
+      </p:sp>
+    </p:spTree>
+    <p:extLst>
+      <p:ext uri="{BB962C8B-B14F-4D97-AF65-F5344CB8AC3E}">
+        <p14:creationId xmlns:p14="http://schemas.microsoft.com/office/powerpoint/2010/main" val="4099156287"/>
+      </p:ext>
+    </p:extLst>
+  </p:cSld>
+  <p:clrMapOvr>
+    <a:masterClrMapping/>
+  </p:clrMapOvr>
+  <p:transition spd="med"/>
+</p:sld>
+</file>
+
+<file path=ppt/slides/slide4.xml><?xml version="1.0" encoding="utf-8"?>
+<p:sld xmlns:a="http://schemas.openxmlformats.org/drawingml/2006/main" xmlns:r="http://schemas.openxmlformats.org/officeDocument/2006/relationships" xmlns:p="http://schemas.openxmlformats.org/presentationml/2006/main">
+  <p:cSld>
+    <p:spTree>
+      <p:nvGrpSpPr>
+        <p:cNvPr id="1" name="">
+          <a:extLst>
+            <a:ext uri="{FF2B5EF4-FFF2-40B4-BE49-F238E27FC236}">
+              <a16:creationId xmlns:a16="http://schemas.microsoft.com/office/drawing/2014/main" id="{061F4243-C8BB-DF29-BB43-7D4712972D00}"/>
+            </a:ext>
+          </a:extLst>
+        </p:cNvPr>
+        <p:cNvGrpSpPr/>
+        <p:nvPr/>
+      </p:nvGrpSpPr>
+      <p:grpSpPr>
+        <a:xfrm>
+          <a:off x="0" y="0"/>
+          <a:ext cx="0" cy="0"/>
+          <a:chOff x="0" y="0"/>
+          <a:chExt cx="0" cy="0"/>
+        </a:xfrm>
+      </p:grpSpPr>
+      <p:sp>
+        <p:nvSpPr>
+          <p:cNvPr id="6" name="Title 1">
+            <a:extLst>
+              <a:ext uri="{FF2B5EF4-FFF2-40B4-BE49-F238E27FC236}">
+                <a16:creationId xmlns:a16="http://schemas.microsoft.com/office/drawing/2014/main" id="{CFA93AEE-848D-1C07-8078-B2F6DD86F471}"/>
+              </a:ext>
+            </a:extLst>
+          </p:cNvPr>
+          <p:cNvSpPr>
+            <a:spLocks noGrp="1"/>
+          </p:cNvSpPr>
+          <p:nvPr>
+            <p:ph type="title"/>
+          </p:nvPr>
+        </p:nvSpPr>
+        <p:spPr>
+          <a:xfrm>
+            <a:off x="457200" y="205980"/>
+            <a:ext cx="8229600" cy="857251"/>
+          </a:xfrm>
+        </p:spPr>
+        <p:txBody>
+          <a:bodyPr>
+            <a:normAutofit/>
+          </a:bodyPr>
+          <a:lstStyle/>
+          <a:p>
+            <a:r>
+              <a:rPr lang="en-US" b="1" dirty="0">
+                <a:solidFill>
+                  <a:srgbClr val="0070C0"/>
+                </a:solidFill>
+              </a:rPr>
+              <a:t>CLP – </a:t>
+            </a:r>
+            <a:r>
+              <a:rPr lang="en-US" b="1" dirty="0" err="1">
+                <a:solidFill>
+                  <a:srgbClr val="0070C0"/>
+                </a:solidFill>
+              </a:rPr>
+              <a:t>Projeto</a:t>
+            </a:r>
+            <a:r>
+              <a:rPr lang="en-US" b="1" dirty="0">
+                <a:solidFill>
+                  <a:srgbClr val="0070C0"/>
+                </a:solidFill>
+              </a:rPr>
+              <a:t> </a:t>
+            </a:r>
+            <a:r>
+              <a:rPr lang="en-US" b="1" dirty="0" err="1">
+                <a:solidFill>
+                  <a:srgbClr val="0070C0"/>
+                </a:solidFill>
+              </a:rPr>
+              <a:t>Supervisório</a:t>
+            </a:r>
+            <a:r>
+              <a:rPr lang="en-US" b="1" dirty="0">
+                <a:solidFill>
+                  <a:srgbClr val="0070C0"/>
+                </a:solidFill>
+              </a:rPr>
+              <a:t> vs TCC</a:t>
+            </a:r>
+          </a:p>
+        </p:txBody>
+      </p:sp>
+      <p:sp>
+        <p:nvSpPr>
+          <p:cNvPr id="8" name="Text Placeholder 2">
+            <a:extLst>
+              <a:ext uri="{FF2B5EF4-FFF2-40B4-BE49-F238E27FC236}">
+                <a16:creationId xmlns:a16="http://schemas.microsoft.com/office/drawing/2014/main" id="{DA08FC9D-E285-1FDF-83FF-D51E2ED66D61}"/>
+              </a:ext>
+            </a:extLst>
+          </p:cNvPr>
+          <p:cNvSpPr>
+            <a:spLocks noGrp="1"/>
+          </p:cNvSpPr>
+          <p:nvPr>
+            <p:ph type="body" sz="half" idx="1"/>
+          </p:nvPr>
+        </p:nvSpPr>
+        <p:spPr>
+          <a:xfrm>
+            <a:off x="142865" y="1035050"/>
+            <a:ext cx="8865056" cy="3994150"/>
+          </a:xfrm>
+        </p:spPr>
+        <p:txBody>
+          <a:bodyPr>
+            <a:noAutofit/>
+          </a:bodyPr>
+          <a:lstStyle/>
+          <a:p>
+            <a:pPr marL="0" indent="0" algn="just">
+              <a:buNone/>
+            </a:pPr>
+            <a:endParaRPr lang="pt-BR" sz="2200" dirty="0">
+              <a:latin typeface="Times New Roman" panose="02020603050405020304" pitchFamily="18" charset="0"/>
+              <a:cs typeface="Times New Roman" panose="02020603050405020304" pitchFamily="18" charset="0"/>
+            </a:endParaRPr>
+          </a:p>
+          <a:p>
+            <a:pPr marL="0" indent="0" algn="just">
+              <a:buNone/>
+            </a:pPr>
+            <a:endParaRPr lang="pt-BR" sz="2200" dirty="0">
+              <a:latin typeface="Times New Roman" panose="02020603050405020304" pitchFamily="18" charset="0"/>
+              <a:cs typeface="Times New Roman" panose="02020603050405020304" pitchFamily="18" charset="0"/>
+            </a:endParaRPr>
+          </a:p>
+        </p:txBody>
+      </p:sp>
+      <p:graphicFrame>
+        <p:nvGraphicFramePr>
+          <p:cNvPr id="2" name="Tabela 1">
+            <a:extLst>
+              <a:ext uri="{FF2B5EF4-FFF2-40B4-BE49-F238E27FC236}">
+                <a16:creationId xmlns:a16="http://schemas.microsoft.com/office/drawing/2014/main" id="{0ACAFAFE-A63C-2146-BABF-4DABA54A7230}"/>
+              </a:ext>
+            </a:extLst>
+          </p:cNvPr>
+          <p:cNvGraphicFramePr>
+            <a:graphicFrameLocks noGrp="1"/>
+          </p:cNvGraphicFramePr>
+          <p:nvPr>
+            <p:extLst>
+              <p:ext uri="{D42A27DB-BD31-4B8C-83A1-F6EECF244321}">
+                <p14:modId xmlns:p14="http://schemas.microsoft.com/office/powerpoint/2010/main" val="2015596564"/>
+              </p:ext>
+            </p:extLst>
+          </p:nvPr>
+        </p:nvGraphicFramePr>
+        <p:xfrm>
+          <a:off x="153502" y="914027"/>
+          <a:ext cx="8847634" cy="3926970"/>
+        </p:xfrm>
+        <a:graphic>
+          <a:graphicData uri="http://schemas.openxmlformats.org/drawingml/2006/table">
+            <a:tbl>
+              <a:tblPr firstRow="1" firstCol="1" bandRow="1">
+                <a:tableStyleId>{5C22544A-7EE6-4342-B048-85BDC9FD1C3A}</a:tableStyleId>
+              </a:tblPr>
+              <a:tblGrid>
+                <a:gridCol w="1808505">
+                  <a:extLst>
+                    <a:ext uri="{9D8B030D-6E8A-4147-A177-3AD203B41FA5}">
+                      <a16:colId xmlns:a16="http://schemas.microsoft.com/office/drawing/2014/main" val="674114003"/>
+                    </a:ext>
+                  </a:extLst>
+                </a:gridCol>
+                <a:gridCol w="3806781">
+                  <a:extLst>
+                    <a:ext uri="{9D8B030D-6E8A-4147-A177-3AD203B41FA5}">
+                      <a16:colId xmlns:a16="http://schemas.microsoft.com/office/drawing/2014/main" val="4224531162"/>
+                    </a:ext>
+                  </a:extLst>
+                </a:gridCol>
+                <a:gridCol w="3232348">
+                  <a:extLst>
+                    <a:ext uri="{9D8B030D-6E8A-4147-A177-3AD203B41FA5}">
+                      <a16:colId xmlns:a16="http://schemas.microsoft.com/office/drawing/2014/main" val="4072122394"/>
+                    </a:ext>
+                  </a:extLst>
+                </a:gridCol>
+              </a:tblGrid>
+              <a:tr h="0">
+                <a:tc>
+                  <a:txBody>
+                    <a:bodyPr/>
+                    <a:lstStyle/>
+                    <a:p>
+                      <a:pPr algn="ctr">
+                        <a:lnSpc>
+                          <a:spcPct val="107000"/>
+                        </a:lnSpc>
+                        <a:spcAft>
+                          <a:spcPts val="800"/>
+                        </a:spcAft>
+                        <a:buNone/>
+                      </a:pPr>
+                      <a:r>
+                        <a:rPr lang="pt-BR" sz="1600" kern="100" dirty="0">
+                          <a:effectLst/>
+                          <a:latin typeface="Times New Roman" panose="02020603050405020304" pitchFamily="18" charset="0"/>
+                          <a:cs typeface="Times New Roman" panose="02020603050405020304" pitchFamily="18" charset="0"/>
+                        </a:rPr>
+                        <a:t>Critério</a:t>
+                      </a:r>
+                      <a:endParaRPr lang="pt-BR" sz="1600" kern="100" dirty="0">
+                        <a:effectLst/>
+                        <a:latin typeface="Times New Roman" panose="02020603050405020304" pitchFamily="18" charset="0"/>
+                        <a:ea typeface="Aptos" panose="020B0004020202020204" pitchFamily="34" charset="0"/>
+                        <a:cs typeface="Times New Roman" panose="02020603050405020304" pitchFamily="18" charset="0"/>
+                      </a:endParaRPr>
+                    </a:p>
+                  </a:txBody>
+                  <a:tcPr marL="9525" marR="9525" marT="9525" marB="9525" anchor="ctr"/>
+                </a:tc>
+                <a:tc>
+                  <a:txBody>
+                    <a:bodyPr/>
+                    <a:lstStyle/>
+                    <a:p>
+                      <a:pPr algn="ctr">
+                        <a:lnSpc>
+                          <a:spcPct val="107000"/>
+                        </a:lnSpc>
+                        <a:spcAft>
+                          <a:spcPts val="800"/>
+                        </a:spcAft>
+                        <a:buNone/>
+                      </a:pPr>
+                      <a:r>
+                        <a:rPr lang="pt-BR" sz="1600" kern="100" dirty="0">
+                          <a:effectLst/>
+                          <a:latin typeface="Times New Roman" panose="02020603050405020304" pitchFamily="18" charset="0"/>
+                          <a:cs typeface="Times New Roman" panose="02020603050405020304" pitchFamily="18" charset="0"/>
+                        </a:rPr>
+                        <a:t>Projeto Supervisório</a:t>
+                      </a:r>
+                      <a:endParaRPr lang="pt-BR" sz="1600" kern="100" dirty="0">
+                        <a:effectLst/>
+                        <a:latin typeface="Times New Roman" panose="02020603050405020304" pitchFamily="18" charset="0"/>
+                        <a:ea typeface="Aptos" panose="020B0004020202020204" pitchFamily="34" charset="0"/>
+                        <a:cs typeface="Times New Roman" panose="02020603050405020304" pitchFamily="18" charset="0"/>
+                      </a:endParaRPr>
+                    </a:p>
+                  </a:txBody>
+                  <a:tcPr marL="9525" marR="9525" marT="9525" marB="9525" anchor="ctr"/>
+                </a:tc>
+                <a:tc>
+                  <a:txBody>
+                    <a:bodyPr/>
+                    <a:lstStyle/>
+                    <a:p>
+                      <a:pPr algn="ctr">
+                        <a:lnSpc>
+                          <a:spcPct val="107000"/>
+                        </a:lnSpc>
+                        <a:spcAft>
+                          <a:spcPts val="800"/>
+                        </a:spcAft>
+                        <a:buNone/>
+                      </a:pPr>
+                      <a:r>
+                        <a:rPr lang="pt-BR" sz="1600" kern="100" dirty="0">
+                          <a:effectLst/>
+                          <a:latin typeface="Times New Roman" panose="02020603050405020304" pitchFamily="18" charset="0"/>
+                          <a:cs typeface="Times New Roman" panose="02020603050405020304" pitchFamily="18" charset="0"/>
+                        </a:rPr>
+                        <a:t>TCC</a:t>
+                      </a:r>
+                      <a:endParaRPr lang="pt-BR" sz="1600" kern="100" dirty="0">
+                        <a:effectLst/>
+                        <a:latin typeface="Times New Roman" panose="02020603050405020304" pitchFamily="18" charset="0"/>
+                        <a:ea typeface="Aptos" panose="020B0004020202020204" pitchFamily="34" charset="0"/>
+                        <a:cs typeface="Times New Roman" panose="02020603050405020304" pitchFamily="18" charset="0"/>
+                      </a:endParaRPr>
+                    </a:p>
+                  </a:txBody>
+                  <a:tcPr marL="9525" marR="9525" marT="9525" marB="9525" anchor="ctr"/>
+                </a:tc>
+                <a:extLst>
+                  <a:ext uri="{0D108BD9-81ED-4DB2-BD59-A6C34878D82A}">
+                    <a16:rowId xmlns:a16="http://schemas.microsoft.com/office/drawing/2014/main" val="564716181"/>
+                  </a:ext>
+                </a:extLst>
+              </a:tr>
+              <a:tr h="460880">
+                <a:tc>
+                  <a:txBody>
+                    <a:bodyPr/>
+                    <a:lstStyle/>
+                    <a:p>
+                      <a:pPr algn="ctr">
+                        <a:lnSpc>
+                          <a:spcPct val="107000"/>
+                        </a:lnSpc>
+                        <a:spcAft>
+                          <a:spcPts val="800"/>
+                        </a:spcAft>
+                        <a:buNone/>
+                      </a:pPr>
+                      <a:r>
+                        <a:rPr lang="pt-BR" sz="1600" kern="100" dirty="0">
+                          <a:effectLst/>
+                          <a:latin typeface="Times New Roman" panose="02020603050405020304" pitchFamily="18" charset="0"/>
+                          <a:cs typeface="Times New Roman" panose="02020603050405020304" pitchFamily="18" charset="0"/>
+                        </a:rPr>
+                        <a:t>Objetivo</a:t>
+                      </a:r>
+                      <a:endParaRPr lang="pt-BR" sz="1600" kern="100" dirty="0">
+                        <a:effectLst/>
+                        <a:latin typeface="Times New Roman" panose="02020603050405020304" pitchFamily="18" charset="0"/>
+                        <a:ea typeface="Aptos" panose="020B0004020202020204" pitchFamily="34" charset="0"/>
+                        <a:cs typeface="Times New Roman" panose="02020603050405020304" pitchFamily="18" charset="0"/>
+                      </a:endParaRPr>
+                    </a:p>
+                  </a:txBody>
+                  <a:tcPr marL="9525" marR="9525" marT="9525" marB="9525" anchor="ctr"/>
+                </a:tc>
+                <a:tc>
+                  <a:txBody>
+                    <a:bodyPr/>
+                    <a:lstStyle/>
+                    <a:p>
+                      <a:pPr algn="l">
+                        <a:lnSpc>
+                          <a:spcPct val="107000"/>
+                        </a:lnSpc>
+                        <a:spcAft>
+                          <a:spcPts val="800"/>
+                        </a:spcAft>
+                        <a:buNone/>
+                      </a:pPr>
+                      <a:r>
+                        <a:rPr lang="pt-BR" sz="1600" kern="100" dirty="0">
+                          <a:effectLst/>
+                          <a:latin typeface="Times New Roman" panose="02020603050405020304" pitchFamily="18" charset="0"/>
+                          <a:cs typeface="Times New Roman" panose="02020603050405020304" pitchFamily="18" charset="0"/>
+                        </a:rPr>
+                        <a:t>Aplicação prática de conhecimentos técnicos</a:t>
+                      </a:r>
+                      <a:endParaRPr lang="pt-BR" sz="1600" kern="100" dirty="0">
+                        <a:effectLst/>
+                        <a:latin typeface="Times New Roman" panose="02020603050405020304" pitchFamily="18" charset="0"/>
+                        <a:ea typeface="Aptos" panose="020B0004020202020204" pitchFamily="34" charset="0"/>
+                        <a:cs typeface="Times New Roman" panose="02020603050405020304" pitchFamily="18" charset="0"/>
+                      </a:endParaRPr>
+                    </a:p>
+                  </a:txBody>
+                  <a:tcPr marL="9525" marR="9525" marT="9525" marB="9525" anchor="ctr"/>
+                </a:tc>
+                <a:tc>
+                  <a:txBody>
+                    <a:bodyPr/>
+                    <a:lstStyle/>
+                    <a:p>
+                      <a:pPr algn="l">
+                        <a:lnSpc>
+                          <a:spcPct val="107000"/>
+                        </a:lnSpc>
+                        <a:spcAft>
+                          <a:spcPts val="800"/>
+                        </a:spcAft>
+                        <a:buNone/>
+                      </a:pPr>
+                      <a:r>
+                        <a:rPr lang="pt-BR" sz="1600" kern="100" dirty="0">
+                          <a:effectLst/>
+                          <a:latin typeface="Times New Roman" panose="02020603050405020304" pitchFamily="18" charset="0"/>
+                          <a:cs typeface="Times New Roman" panose="02020603050405020304" pitchFamily="18" charset="0"/>
+                        </a:rPr>
+                        <a:t>Produção acadêmica com foco em pesquisa</a:t>
+                      </a:r>
+                      <a:endParaRPr lang="pt-BR" sz="1600" kern="100" dirty="0">
+                        <a:effectLst/>
+                        <a:latin typeface="Times New Roman" panose="02020603050405020304" pitchFamily="18" charset="0"/>
+                        <a:ea typeface="Aptos" panose="020B0004020202020204" pitchFamily="34" charset="0"/>
+                        <a:cs typeface="Times New Roman" panose="02020603050405020304" pitchFamily="18" charset="0"/>
+                      </a:endParaRPr>
+                    </a:p>
+                  </a:txBody>
+                  <a:tcPr marL="9525" marR="9525" marT="9525" marB="9525" anchor="ctr"/>
+                </a:tc>
+                <a:extLst>
+                  <a:ext uri="{0D108BD9-81ED-4DB2-BD59-A6C34878D82A}">
+                    <a16:rowId xmlns:a16="http://schemas.microsoft.com/office/drawing/2014/main" val="2856753836"/>
+                  </a:ext>
+                </a:extLst>
+              </a:tr>
+              <a:tr h="460880">
+                <a:tc>
+                  <a:txBody>
+                    <a:bodyPr/>
+                    <a:lstStyle/>
+                    <a:p>
+                      <a:pPr algn="ctr">
+                        <a:lnSpc>
+                          <a:spcPct val="107000"/>
+                        </a:lnSpc>
+                        <a:spcAft>
+                          <a:spcPts val="800"/>
+                        </a:spcAft>
+                        <a:buNone/>
+                      </a:pPr>
+                      <a:r>
+                        <a:rPr lang="pt-BR" sz="1600" kern="100" dirty="0">
+                          <a:effectLst/>
+                          <a:latin typeface="Times New Roman" panose="02020603050405020304" pitchFamily="18" charset="0"/>
+                          <a:cs typeface="Times New Roman" panose="02020603050405020304" pitchFamily="18" charset="0"/>
+                        </a:rPr>
+                        <a:t>Orientação</a:t>
+                      </a:r>
+                      <a:endParaRPr lang="pt-BR" sz="1600" kern="100" dirty="0">
+                        <a:effectLst/>
+                        <a:latin typeface="Times New Roman" panose="02020603050405020304" pitchFamily="18" charset="0"/>
+                        <a:ea typeface="Aptos" panose="020B0004020202020204" pitchFamily="34" charset="0"/>
+                        <a:cs typeface="Times New Roman" panose="02020603050405020304" pitchFamily="18" charset="0"/>
+                      </a:endParaRPr>
+                    </a:p>
+                  </a:txBody>
+                  <a:tcPr marL="9525" marR="9525" marT="9525" marB="9525" anchor="ctr"/>
+                </a:tc>
+                <a:tc>
+                  <a:txBody>
+                    <a:bodyPr/>
+                    <a:lstStyle/>
+                    <a:p>
+                      <a:pPr algn="l">
+                        <a:lnSpc>
+                          <a:spcPct val="107000"/>
+                        </a:lnSpc>
+                        <a:spcAft>
+                          <a:spcPts val="800"/>
+                        </a:spcAft>
+                        <a:buNone/>
+                      </a:pPr>
+                      <a:r>
+                        <a:rPr lang="pt-BR" sz="1600" kern="100" dirty="0">
+                          <a:effectLst/>
+                          <a:latin typeface="Times New Roman" panose="02020603050405020304" pitchFamily="18" charset="0"/>
+                          <a:cs typeface="Times New Roman" panose="02020603050405020304" pitchFamily="18" charset="0"/>
+                        </a:rPr>
+                        <a:t>Mais voltado à prática, com supervisão técnica</a:t>
+                      </a:r>
+                      <a:endParaRPr lang="pt-BR" sz="1600" kern="100" dirty="0">
+                        <a:effectLst/>
+                        <a:latin typeface="Times New Roman" panose="02020603050405020304" pitchFamily="18" charset="0"/>
+                        <a:ea typeface="Aptos" panose="020B0004020202020204" pitchFamily="34" charset="0"/>
+                        <a:cs typeface="Times New Roman" panose="02020603050405020304" pitchFamily="18" charset="0"/>
+                      </a:endParaRPr>
+                    </a:p>
+                  </a:txBody>
+                  <a:tcPr marL="9525" marR="9525" marT="9525" marB="9525" anchor="ctr"/>
+                </a:tc>
+                <a:tc>
+                  <a:txBody>
+                    <a:bodyPr/>
+                    <a:lstStyle/>
+                    <a:p>
+                      <a:pPr algn="l">
+                        <a:lnSpc>
+                          <a:spcPct val="107000"/>
+                        </a:lnSpc>
+                        <a:spcAft>
+                          <a:spcPts val="800"/>
+                        </a:spcAft>
+                        <a:buNone/>
+                      </a:pPr>
+                      <a:r>
+                        <a:rPr lang="pt-BR" sz="1600" kern="100">
+                          <a:effectLst/>
+                          <a:latin typeface="Times New Roman" panose="02020603050405020304" pitchFamily="18" charset="0"/>
+                          <a:cs typeface="Times New Roman" panose="02020603050405020304" pitchFamily="18" charset="0"/>
+                        </a:rPr>
+                        <a:t>Mais formal e focado em metodologia científica</a:t>
+                      </a:r>
+                      <a:endParaRPr lang="pt-BR" sz="1600" kern="100">
+                        <a:effectLst/>
+                        <a:latin typeface="Times New Roman" panose="02020603050405020304" pitchFamily="18" charset="0"/>
+                        <a:ea typeface="Aptos" panose="020B0004020202020204" pitchFamily="34" charset="0"/>
+                        <a:cs typeface="Times New Roman" panose="02020603050405020304" pitchFamily="18" charset="0"/>
+                      </a:endParaRPr>
+                    </a:p>
+                  </a:txBody>
+                  <a:tcPr marL="9525" marR="9525" marT="9525" marB="9525" anchor="ctr"/>
+                </a:tc>
+                <a:extLst>
+                  <a:ext uri="{0D108BD9-81ED-4DB2-BD59-A6C34878D82A}">
+                    <a16:rowId xmlns:a16="http://schemas.microsoft.com/office/drawing/2014/main" val="3831797103"/>
+                  </a:ext>
+                </a:extLst>
+              </a:tr>
+              <a:tr h="236554">
+                <a:tc>
+                  <a:txBody>
+                    <a:bodyPr/>
+                    <a:lstStyle/>
+                    <a:p>
+                      <a:pPr algn="ctr">
+                        <a:lnSpc>
+                          <a:spcPct val="107000"/>
+                        </a:lnSpc>
+                        <a:spcAft>
+                          <a:spcPts val="800"/>
+                        </a:spcAft>
+                        <a:buNone/>
+                      </a:pPr>
+                      <a:r>
+                        <a:rPr lang="pt-BR" sz="1600" kern="100" dirty="0">
+                          <a:effectLst/>
+                          <a:latin typeface="Times New Roman" panose="02020603050405020304" pitchFamily="18" charset="0"/>
+                          <a:cs typeface="Times New Roman" panose="02020603050405020304" pitchFamily="18" charset="0"/>
+                        </a:rPr>
+                        <a:t>Formato</a:t>
+                      </a:r>
+                      <a:endParaRPr lang="pt-BR" sz="1600" kern="100" dirty="0">
+                        <a:effectLst/>
+                        <a:latin typeface="Times New Roman" panose="02020603050405020304" pitchFamily="18" charset="0"/>
+                        <a:ea typeface="Aptos" panose="020B0004020202020204" pitchFamily="34" charset="0"/>
+                        <a:cs typeface="Times New Roman" panose="02020603050405020304" pitchFamily="18" charset="0"/>
+                      </a:endParaRPr>
+                    </a:p>
+                  </a:txBody>
+                  <a:tcPr marL="9525" marR="9525" marT="9525" marB="9525" anchor="ctr"/>
+                </a:tc>
+                <a:tc>
+                  <a:txBody>
+                    <a:bodyPr/>
+                    <a:lstStyle/>
+                    <a:p>
+                      <a:pPr algn="l">
+                        <a:lnSpc>
+                          <a:spcPct val="107000"/>
+                        </a:lnSpc>
+                        <a:spcAft>
+                          <a:spcPts val="800"/>
+                        </a:spcAft>
+                        <a:buNone/>
+                      </a:pPr>
+                      <a:r>
+                        <a:rPr lang="pt-BR" sz="1600" kern="100" dirty="0">
+                          <a:effectLst/>
+                          <a:latin typeface="Times New Roman" panose="02020603050405020304" pitchFamily="18" charset="0"/>
+                          <a:cs typeface="Times New Roman" panose="02020603050405020304" pitchFamily="18" charset="0"/>
+                        </a:rPr>
+                        <a:t>Relatório técnico + apresentação</a:t>
+                      </a:r>
+                      <a:endParaRPr lang="pt-BR" sz="1600" kern="100" dirty="0">
+                        <a:effectLst/>
+                        <a:latin typeface="Times New Roman" panose="02020603050405020304" pitchFamily="18" charset="0"/>
+                        <a:ea typeface="Aptos" panose="020B0004020202020204" pitchFamily="34" charset="0"/>
+                        <a:cs typeface="Times New Roman" panose="02020603050405020304" pitchFamily="18" charset="0"/>
+                      </a:endParaRPr>
+                    </a:p>
+                  </a:txBody>
+                  <a:tcPr marL="9525" marR="9525" marT="9525" marB="9525" anchor="ctr"/>
+                </a:tc>
+                <a:tc>
+                  <a:txBody>
+                    <a:bodyPr/>
+                    <a:lstStyle/>
+                    <a:p>
+                      <a:pPr algn="l">
+                        <a:lnSpc>
+                          <a:spcPct val="107000"/>
+                        </a:lnSpc>
+                        <a:spcAft>
+                          <a:spcPts val="800"/>
+                        </a:spcAft>
+                        <a:buNone/>
+                      </a:pPr>
+                      <a:r>
+                        <a:rPr lang="pt-BR" sz="1600" kern="100">
+                          <a:effectLst/>
+                          <a:latin typeface="Times New Roman" panose="02020603050405020304" pitchFamily="18" charset="0"/>
+                          <a:cs typeface="Times New Roman" panose="02020603050405020304" pitchFamily="18" charset="0"/>
+                        </a:rPr>
+                        <a:t>Monografia ou artigo + defesa formal</a:t>
+                      </a:r>
+                      <a:endParaRPr lang="pt-BR" sz="1600" kern="100">
+                        <a:effectLst/>
+                        <a:latin typeface="Times New Roman" panose="02020603050405020304" pitchFamily="18" charset="0"/>
+                        <a:ea typeface="Aptos" panose="020B0004020202020204" pitchFamily="34" charset="0"/>
+                        <a:cs typeface="Times New Roman" panose="02020603050405020304" pitchFamily="18" charset="0"/>
+                      </a:endParaRPr>
+                    </a:p>
+                  </a:txBody>
+                  <a:tcPr marL="9525" marR="9525" marT="9525" marB="9525" anchor="ctr"/>
+                </a:tc>
+                <a:extLst>
+                  <a:ext uri="{0D108BD9-81ED-4DB2-BD59-A6C34878D82A}">
+                    <a16:rowId xmlns:a16="http://schemas.microsoft.com/office/drawing/2014/main" val="3770668071"/>
+                  </a:ext>
+                </a:extLst>
+              </a:tr>
+              <a:tr h="236554">
+                <a:tc>
+                  <a:txBody>
+                    <a:bodyPr/>
+                    <a:lstStyle/>
+                    <a:p>
+                      <a:pPr algn="ctr">
+                        <a:lnSpc>
+                          <a:spcPct val="107000"/>
+                        </a:lnSpc>
+                        <a:spcAft>
+                          <a:spcPts val="800"/>
+                        </a:spcAft>
+                        <a:buNone/>
+                      </a:pPr>
+                      <a:r>
+                        <a:rPr lang="pt-BR" sz="1600" kern="100" dirty="0">
+                          <a:effectLst/>
+                          <a:latin typeface="Times New Roman" panose="02020603050405020304" pitchFamily="18" charset="0"/>
+                          <a:cs typeface="Times New Roman" panose="02020603050405020304" pitchFamily="18" charset="0"/>
+                        </a:rPr>
+                        <a:t>Complexidade</a:t>
+                      </a:r>
+                      <a:endParaRPr lang="pt-BR" sz="1600" kern="100" dirty="0">
+                        <a:effectLst/>
+                        <a:latin typeface="Times New Roman" panose="02020603050405020304" pitchFamily="18" charset="0"/>
+                        <a:ea typeface="Aptos" panose="020B0004020202020204" pitchFamily="34" charset="0"/>
+                        <a:cs typeface="Times New Roman" panose="02020603050405020304" pitchFamily="18" charset="0"/>
+                      </a:endParaRPr>
+                    </a:p>
+                  </a:txBody>
+                  <a:tcPr marL="9525" marR="9525" marT="9525" marB="9525" anchor="ctr"/>
+                </a:tc>
+                <a:tc>
+                  <a:txBody>
+                    <a:bodyPr/>
+                    <a:lstStyle/>
+                    <a:p>
+                      <a:pPr algn="l">
+                        <a:lnSpc>
+                          <a:spcPct val="107000"/>
+                        </a:lnSpc>
+                        <a:spcAft>
+                          <a:spcPts val="800"/>
+                        </a:spcAft>
+                        <a:buNone/>
+                      </a:pPr>
+                      <a:r>
+                        <a:rPr lang="pt-BR" sz="1600" kern="100" dirty="0">
+                          <a:effectLst/>
+                          <a:latin typeface="Times New Roman" panose="02020603050405020304" pitchFamily="18" charset="0"/>
+                          <a:cs typeface="Times New Roman" panose="02020603050405020304" pitchFamily="18" charset="0"/>
+                        </a:rPr>
+                        <a:t>Menor que o TCC, com foco prático</a:t>
+                      </a:r>
+                      <a:endParaRPr lang="pt-BR" sz="1600" kern="100" dirty="0">
+                        <a:effectLst/>
+                        <a:latin typeface="Times New Roman" panose="02020603050405020304" pitchFamily="18" charset="0"/>
+                        <a:ea typeface="Aptos" panose="020B0004020202020204" pitchFamily="34" charset="0"/>
+                        <a:cs typeface="Times New Roman" panose="02020603050405020304" pitchFamily="18" charset="0"/>
+                      </a:endParaRPr>
+                    </a:p>
+                  </a:txBody>
+                  <a:tcPr marL="9525" marR="9525" marT="9525" marB="9525" anchor="ctr"/>
+                </a:tc>
+                <a:tc>
+                  <a:txBody>
+                    <a:bodyPr/>
+                    <a:lstStyle/>
+                    <a:p>
+                      <a:pPr algn="l">
+                        <a:lnSpc>
+                          <a:spcPct val="107000"/>
+                        </a:lnSpc>
+                        <a:spcAft>
+                          <a:spcPts val="800"/>
+                        </a:spcAft>
+                        <a:buNone/>
+                      </a:pPr>
+                      <a:r>
+                        <a:rPr lang="pt-BR" sz="1600" kern="100">
+                          <a:effectLst/>
+                          <a:latin typeface="Times New Roman" panose="02020603050405020304" pitchFamily="18" charset="0"/>
+                          <a:cs typeface="Times New Roman" panose="02020603050405020304" pitchFamily="18" charset="0"/>
+                        </a:rPr>
+                        <a:t>Mais aprofundado, com rigor acadêmico</a:t>
+                      </a:r>
+                      <a:endParaRPr lang="pt-BR" sz="1600" kern="100">
+                        <a:effectLst/>
+                        <a:latin typeface="Times New Roman" panose="02020603050405020304" pitchFamily="18" charset="0"/>
+                        <a:ea typeface="Aptos" panose="020B0004020202020204" pitchFamily="34" charset="0"/>
+                        <a:cs typeface="Times New Roman" panose="02020603050405020304" pitchFamily="18" charset="0"/>
+                      </a:endParaRPr>
+                    </a:p>
+                  </a:txBody>
+                  <a:tcPr marL="9525" marR="9525" marT="9525" marB="9525" anchor="ctr"/>
+                </a:tc>
+                <a:extLst>
+                  <a:ext uri="{0D108BD9-81ED-4DB2-BD59-A6C34878D82A}">
+                    <a16:rowId xmlns:a16="http://schemas.microsoft.com/office/drawing/2014/main" val="2222142157"/>
+                  </a:ext>
+                </a:extLst>
+              </a:tr>
+              <a:tr h="460880">
+                <a:tc>
+                  <a:txBody>
+                    <a:bodyPr/>
+                    <a:lstStyle/>
+                    <a:p>
+                      <a:pPr algn="ctr">
+                        <a:lnSpc>
+                          <a:spcPct val="107000"/>
+                        </a:lnSpc>
+                        <a:spcAft>
+                          <a:spcPts val="800"/>
+                        </a:spcAft>
+                        <a:buNone/>
+                      </a:pPr>
+                      <a:r>
+                        <a:rPr lang="pt-BR" sz="1600" kern="100" dirty="0">
+                          <a:effectLst/>
+                          <a:latin typeface="Times New Roman" panose="02020603050405020304" pitchFamily="18" charset="0"/>
+                          <a:cs typeface="Times New Roman" panose="02020603050405020304" pitchFamily="18" charset="0"/>
+                        </a:rPr>
+                        <a:t>Metodologia</a:t>
+                      </a:r>
+                      <a:endParaRPr lang="pt-BR" sz="1600" kern="100" dirty="0">
+                        <a:effectLst/>
+                        <a:latin typeface="Times New Roman" panose="02020603050405020304" pitchFamily="18" charset="0"/>
+                        <a:ea typeface="Aptos" panose="020B0004020202020204" pitchFamily="34" charset="0"/>
+                        <a:cs typeface="Times New Roman" panose="02020603050405020304" pitchFamily="18" charset="0"/>
+                      </a:endParaRPr>
+                    </a:p>
+                  </a:txBody>
+                  <a:tcPr marL="9525" marR="9525" marT="9525" marB="9525" anchor="ctr"/>
+                </a:tc>
+                <a:tc>
+                  <a:txBody>
+                    <a:bodyPr/>
+                    <a:lstStyle/>
+                    <a:p>
+                      <a:pPr algn="l">
+                        <a:lnSpc>
+                          <a:spcPct val="107000"/>
+                        </a:lnSpc>
+                        <a:spcAft>
+                          <a:spcPts val="800"/>
+                        </a:spcAft>
+                        <a:buNone/>
+                      </a:pPr>
+                      <a:r>
+                        <a:rPr lang="pt-BR" sz="1600" kern="100" dirty="0">
+                          <a:effectLst/>
+                          <a:latin typeface="Times New Roman" panose="02020603050405020304" pitchFamily="18" charset="0"/>
+                          <a:cs typeface="Times New Roman" panose="02020603050405020304" pitchFamily="18" charset="0"/>
+                        </a:rPr>
+                        <a:t>Pode ser mais flexível e adaptada a problemas reais</a:t>
+                      </a:r>
+                      <a:endParaRPr lang="pt-BR" sz="1600" kern="100" dirty="0">
+                        <a:effectLst/>
+                        <a:latin typeface="Times New Roman" panose="02020603050405020304" pitchFamily="18" charset="0"/>
+                        <a:ea typeface="Aptos" panose="020B0004020202020204" pitchFamily="34" charset="0"/>
+                        <a:cs typeface="Times New Roman" panose="02020603050405020304" pitchFamily="18" charset="0"/>
+                      </a:endParaRPr>
+                    </a:p>
+                  </a:txBody>
+                  <a:tcPr marL="9525" marR="9525" marT="9525" marB="9525" anchor="ctr"/>
+                </a:tc>
+                <a:tc>
+                  <a:txBody>
+                    <a:bodyPr/>
+                    <a:lstStyle/>
+                    <a:p>
+                      <a:pPr algn="l">
+                        <a:lnSpc>
+                          <a:spcPct val="107000"/>
+                        </a:lnSpc>
+                        <a:spcAft>
+                          <a:spcPts val="800"/>
+                        </a:spcAft>
+                        <a:buNone/>
+                      </a:pPr>
+                      <a:r>
+                        <a:rPr lang="pt-BR" sz="1600" kern="100">
+                          <a:effectLst/>
+                          <a:latin typeface="Times New Roman" panose="02020603050405020304" pitchFamily="18" charset="0"/>
+                          <a:cs typeface="Times New Roman" panose="02020603050405020304" pitchFamily="18" charset="0"/>
+                        </a:rPr>
+                        <a:t>Requer metodologia científica estruturada</a:t>
+                      </a:r>
+                      <a:endParaRPr lang="pt-BR" sz="1600" kern="100">
+                        <a:effectLst/>
+                        <a:latin typeface="Times New Roman" panose="02020603050405020304" pitchFamily="18" charset="0"/>
+                        <a:ea typeface="Aptos" panose="020B0004020202020204" pitchFamily="34" charset="0"/>
+                        <a:cs typeface="Times New Roman" panose="02020603050405020304" pitchFamily="18" charset="0"/>
+                      </a:endParaRPr>
+                    </a:p>
+                  </a:txBody>
+                  <a:tcPr marL="9525" marR="9525" marT="9525" marB="9525" anchor="ctr"/>
+                </a:tc>
+                <a:extLst>
+                  <a:ext uri="{0D108BD9-81ED-4DB2-BD59-A6C34878D82A}">
+                    <a16:rowId xmlns:a16="http://schemas.microsoft.com/office/drawing/2014/main" val="2373015256"/>
+                  </a:ext>
+                </a:extLst>
+              </a:tr>
+              <a:tr h="236554">
+                <a:tc>
+                  <a:txBody>
+                    <a:bodyPr/>
+                    <a:lstStyle/>
+                    <a:p>
+                      <a:pPr algn="ctr">
+                        <a:lnSpc>
+                          <a:spcPct val="107000"/>
+                        </a:lnSpc>
+                        <a:spcAft>
+                          <a:spcPts val="800"/>
+                        </a:spcAft>
+                        <a:buNone/>
+                      </a:pPr>
+                      <a:r>
+                        <a:rPr lang="pt-BR" sz="1600" kern="100" dirty="0">
+                          <a:effectLst/>
+                          <a:latin typeface="Times New Roman" panose="02020603050405020304" pitchFamily="18" charset="0"/>
+                          <a:cs typeface="Times New Roman" panose="02020603050405020304" pitchFamily="18" charset="0"/>
+                        </a:rPr>
+                        <a:t>Individual/Grupo</a:t>
+                      </a:r>
+                      <a:endParaRPr lang="pt-BR" sz="1600" kern="100" dirty="0">
+                        <a:effectLst/>
+                        <a:latin typeface="Times New Roman" panose="02020603050405020304" pitchFamily="18" charset="0"/>
+                        <a:ea typeface="Aptos" panose="020B0004020202020204" pitchFamily="34" charset="0"/>
+                        <a:cs typeface="Times New Roman" panose="02020603050405020304" pitchFamily="18" charset="0"/>
+                      </a:endParaRPr>
+                    </a:p>
+                  </a:txBody>
+                  <a:tcPr marL="9525" marR="9525" marT="9525" marB="9525" anchor="ctr"/>
+                </a:tc>
+                <a:tc>
+                  <a:txBody>
+                    <a:bodyPr/>
+                    <a:lstStyle/>
+                    <a:p>
+                      <a:pPr algn="l">
+                        <a:lnSpc>
+                          <a:spcPct val="107000"/>
+                        </a:lnSpc>
+                        <a:spcAft>
+                          <a:spcPts val="800"/>
+                        </a:spcAft>
+                        <a:buNone/>
+                      </a:pPr>
+                      <a:r>
+                        <a:rPr lang="pt-BR" sz="1600" kern="100">
+                          <a:effectLst/>
+                          <a:latin typeface="Times New Roman" panose="02020603050405020304" pitchFamily="18" charset="0"/>
+                          <a:cs typeface="Times New Roman" panose="02020603050405020304" pitchFamily="18" charset="0"/>
+                        </a:rPr>
+                        <a:t>Frequentemente em grupo</a:t>
+                      </a:r>
+                      <a:endParaRPr lang="pt-BR" sz="1600" kern="100">
+                        <a:effectLst/>
+                        <a:latin typeface="Times New Roman" panose="02020603050405020304" pitchFamily="18" charset="0"/>
+                        <a:ea typeface="Aptos" panose="020B0004020202020204" pitchFamily="34" charset="0"/>
+                        <a:cs typeface="Times New Roman" panose="02020603050405020304" pitchFamily="18" charset="0"/>
+                      </a:endParaRPr>
+                    </a:p>
+                  </a:txBody>
+                  <a:tcPr marL="9525" marR="9525" marT="9525" marB="9525" anchor="ctr"/>
+                </a:tc>
+                <a:tc>
+                  <a:txBody>
+                    <a:bodyPr/>
+                    <a:lstStyle/>
+                    <a:p>
+                      <a:pPr algn="l">
+                        <a:lnSpc>
+                          <a:spcPct val="107000"/>
+                        </a:lnSpc>
+                        <a:spcAft>
+                          <a:spcPts val="800"/>
+                        </a:spcAft>
+                        <a:buNone/>
+                      </a:pPr>
+                      <a:r>
+                        <a:rPr lang="pt-BR" sz="1600" kern="100">
+                          <a:effectLst/>
+                          <a:latin typeface="Times New Roman" panose="02020603050405020304" pitchFamily="18" charset="0"/>
+                          <a:cs typeface="Times New Roman" panose="02020603050405020304" pitchFamily="18" charset="0"/>
+                        </a:rPr>
+                        <a:t>Normalmente individual</a:t>
+                      </a:r>
+                      <a:endParaRPr lang="pt-BR" sz="1600" kern="100">
+                        <a:effectLst/>
+                        <a:latin typeface="Times New Roman" panose="02020603050405020304" pitchFamily="18" charset="0"/>
+                        <a:ea typeface="Aptos" panose="020B0004020202020204" pitchFamily="34" charset="0"/>
+                        <a:cs typeface="Times New Roman" panose="02020603050405020304" pitchFamily="18" charset="0"/>
+                      </a:endParaRPr>
+                    </a:p>
+                  </a:txBody>
+                  <a:tcPr marL="9525" marR="9525" marT="9525" marB="9525" anchor="ctr"/>
+                </a:tc>
+                <a:extLst>
+                  <a:ext uri="{0D108BD9-81ED-4DB2-BD59-A6C34878D82A}">
+                    <a16:rowId xmlns:a16="http://schemas.microsoft.com/office/drawing/2014/main" val="2596667281"/>
+                  </a:ext>
+                </a:extLst>
+              </a:tr>
+              <a:tr h="460880">
+                <a:tc>
+                  <a:txBody>
+                    <a:bodyPr/>
+                    <a:lstStyle/>
+                    <a:p>
+                      <a:pPr algn="ctr">
+                        <a:lnSpc>
+                          <a:spcPct val="107000"/>
+                        </a:lnSpc>
+                        <a:spcAft>
+                          <a:spcPts val="800"/>
+                        </a:spcAft>
+                        <a:buNone/>
+                      </a:pPr>
+                      <a:r>
+                        <a:rPr lang="pt-BR" sz="1600" kern="100" dirty="0">
+                          <a:effectLst/>
+                          <a:latin typeface="Times New Roman" panose="02020603050405020304" pitchFamily="18" charset="0"/>
+                          <a:cs typeface="Times New Roman" panose="02020603050405020304" pitchFamily="18" charset="0"/>
+                        </a:rPr>
+                        <a:t>Aplicação</a:t>
+                      </a:r>
+                      <a:endParaRPr lang="pt-BR" sz="1600" kern="100" dirty="0">
+                        <a:effectLst/>
+                        <a:latin typeface="Times New Roman" panose="02020603050405020304" pitchFamily="18" charset="0"/>
+                        <a:ea typeface="Aptos" panose="020B0004020202020204" pitchFamily="34" charset="0"/>
+                        <a:cs typeface="Times New Roman" panose="02020603050405020304" pitchFamily="18" charset="0"/>
+                      </a:endParaRPr>
+                    </a:p>
+                  </a:txBody>
+                  <a:tcPr marL="9525" marR="9525" marT="9525" marB="9525" anchor="ctr"/>
+                </a:tc>
+                <a:tc>
+                  <a:txBody>
+                    <a:bodyPr/>
+                    <a:lstStyle/>
+                    <a:p>
+                      <a:pPr algn="l">
+                        <a:lnSpc>
+                          <a:spcPct val="107000"/>
+                        </a:lnSpc>
+                        <a:spcAft>
+                          <a:spcPts val="800"/>
+                        </a:spcAft>
+                        <a:buNone/>
+                      </a:pPr>
+                      <a:r>
+                        <a:rPr lang="pt-BR" sz="1600" kern="100">
+                          <a:effectLst/>
+                          <a:latin typeface="Times New Roman" panose="02020603050405020304" pitchFamily="18" charset="0"/>
+                          <a:cs typeface="Times New Roman" panose="02020603050405020304" pitchFamily="18" charset="0"/>
+                        </a:rPr>
+                        <a:t>Problemas reais do mercado ou da comunidade</a:t>
+                      </a:r>
+                      <a:endParaRPr lang="pt-BR" sz="1600" kern="100">
+                        <a:effectLst/>
+                        <a:latin typeface="Times New Roman" panose="02020603050405020304" pitchFamily="18" charset="0"/>
+                        <a:ea typeface="Aptos" panose="020B0004020202020204" pitchFamily="34" charset="0"/>
+                        <a:cs typeface="Times New Roman" panose="02020603050405020304" pitchFamily="18" charset="0"/>
+                      </a:endParaRPr>
+                    </a:p>
+                  </a:txBody>
+                  <a:tcPr marL="9525" marR="9525" marT="9525" marB="9525" anchor="ctr"/>
+                </a:tc>
+                <a:tc>
+                  <a:txBody>
+                    <a:bodyPr/>
+                    <a:lstStyle/>
+                    <a:p>
+                      <a:pPr algn="l">
+                        <a:lnSpc>
+                          <a:spcPct val="107000"/>
+                        </a:lnSpc>
+                        <a:spcAft>
+                          <a:spcPts val="800"/>
+                        </a:spcAft>
+                        <a:buNone/>
+                      </a:pPr>
+                      <a:r>
+                        <a:rPr lang="pt-BR" sz="1600" kern="100" dirty="0">
+                          <a:effectLst/>
+                          <a:latin typeface="Times New Roman" panose="02020603050405020304" pitchFamily="18" charset="0"/>
+                          <a:cs typeface="Times New Roman" panose="02020603050405020304" pitchFamily="18" charset="0"/>
+                        </a:rPr>
+                        <a:t>Análise teórica ou desenvolvimento com base em pesquisa</a:t>
+                      </a:r>
+                      <a:endParaRPr lang="pt-BR" sz="1600" kern="100" dirty="0">
+                        <a:effectLst/>
+                        <a:latin typeface="Times New Roman" panose="02020603050405020304" pitchFamily="18" charset="0"/>
+                        <a:ea typeface="Aptos" panose="020B0004020202020204" pitchFamily="34" charset="0"/>
+                        <a:cs typeface="Times New Roman" panose="02020603050405020304" pitchFamily="18" charset="0"/>
+                      </a:endParaRPr>
+                    </a:p>
+                  </a:txBody>
+                  <a:tcPr marL="9525" marR="9525" marT="9525" marB="9525" anchor="ctr"/>
+                </a:tc>
+                <a:extLst>
+                  <a:ext uri="{0D108BD9-81ED-4DB2-BD59-A6C34878D82A}">
+                    <a16:rowId xmlns:a16="http://schemas.microsoft.com/office/drawing/2014/main" val="673750403"/>
+                  </a:ext>
+                </a:extLst>
+              </a:tr>
+              <a:tr h="460880">
+                <a:tc>
+                  <a:txBody>
+                    <a:bodyPr/>
+                    <a:lstStyle/>
+                    <a:p>
+                      <a:pPr algn="ctr">
+                        <a:lnSpc>
+                          <a:spcPct val="107000"/>
+                        </a:lnSpc>
+                        <a:spcAft>
+                          <a:spcPts val="800"/>
+                        </a:spcAft>
+                        <a:buNone/>
+                      </a:pPr>
+                      <a:r>
+                        <a:rPr lang="pt-BR" sz="1600" kern="100" dirty="0">
+                          <a:effectLst/>
+                          <a:latin typeface="Times New Roman" panose="02020603050405020304" pitchFamily="18" charset="0"/>
+                          <a:cs typeface="Times New Roman" panose="02020603050405020304" pitchFamily="18" charset="0"/>
+                        </a:rPr>
+                        <a:t>Avaliação</a:t>
+                      </a:r>
+                      <a:endParaRPr lang="pt-BR" sz="1600" kern="100" dirty="0">
+                        <a:effectLst/>
+                        <a:latin typeface="Times New Roman" panose="02020603050405020304" pitchFamily="18" charset="0"/>
+                        <a:ea typeface="Aptos" panose="020B0004020202020204" pitchFamily="34" charset="0"/>
+                        <a:cs typeface="Times New Roman" panose="02020603050405020304" pitchFamily="18" charset="0"/>
+                      </a:endParaRPr>
+                    </a:p>
+                  </a:txBody>
+                  <a:tcPr marL="9525" marR="9525" marT="9525" marB="9525" anchor="ctr"/>
+                </a:tc>
+                <a:tc>
+                  <a:txBody>
+                    <a:bodyPr/>
+                    <a:lstStyle/>
+                    <a:p>
+                      <a:pPr algn="l">
+                        <a:lnSpc>
+                          <a:spcPct val="107000"/>
+                        </a:lnSpc>
+                        <a:spcAft>
+                          <a:spcPts val="800"/>
+                        </a:spcAft>
+                        <a:buNone/>
+                      </a:pPr>
+                      <a:r>
+                        <a:rPr lang="pt-BR" sz="1600" kern="100">
+                          <a:effectLst/>
+                          <a:latin typeface="Times New Roman" panose="02020603050405020304" pitchFamily="18" charset="0"/>
+                          <a:cs typeface="Times New Roman" panose="02020603050405020304" pitchFamily="18" charset="0"/>
+                        </a:rPr>
+                        <a:t>Prática, desenvolvimento, entrega e apresentação</a:t>
+                      </a:r>
+                      <a:endParaRPr lang="pt-BR" sz="1600" kern="100">
+                        <a:effectLst/>
+                        <a:latin typeface="Times New Roman" panose="02020603050405020304" pitchFamily="18" charset="0"/>
+                        <a:ea typeface="Aptos" panose="020B0004020202020204" pitchFamily="34" charset="0"/>
+                        <a:cs typeface="Times New Roman" panose="02020603050405020304" pitchFamily="18" charset="0"/>
+                      </a:endParaRPr>
+                    </a:p>
+                  </a:txBody>
+                  <a:tcPr marL="9525" marR="9525" marT="9525" marB="9525" anchor="ctr"/>
+                </a:tc>
+                <a:tc>
+                  <a:txBody>
+                    <a:bodyPr/>
+                    <a:lstStyle/>
+                    <a:p>
+                      <a:pPr algn="l">
+                        <a:lnSpc>
+                          <a:spcPct val="107000"/>
+                        </a:lnSpc>
+                        <a:spcAft>
+                          <a:spcPts val="800"/>
+                        </a:spcAft>
+                        <a:buNone/>
+                      </a:pPr>
+                      <a:r>
+                        <a:rPr lang="pt-BR" sz="1600" kern="100" dirty="0">
+                          <a:effectLst/>
+                          <a:latin typeface="Times New Roman" panose="02020603050405020304" pitchFamily="18" charset="0"/>
+                          <a:cs typeface="Times New Roman" panose="02020603050405020304" pitchFamily="18" charset="0"/>
+                        </a:rPr>
+                        <a:t>Conteúdo escrito, metodologia, banca e defesa oral</a:t>
+                      </a:r>
+                      <a:endParaRPr lang="pt-BR" sz="1600" kern="100" dirty="0">
+                        <a:effectLst/>
+                        <a:latin typeface="Times New Roman" panose="02020603050405020304" pitchFamily="18" charset="0"/>
+                        <a:ea typeface="Aptos" panose="020B0004020202020204" pitchFamily="34" charset="0"/>
+                        <a:cs typeface="Times New Roman" panose="02020603050405020304" pitchFamily="18" charset="0"/>
+                      </a:endParaRPr>
+                    </a:p>
+                  </a:txBody>
+                  <a:tcPr marL="9525" marR="9525" marT="9525" marB="9525" anchor="ctr"/>
+                </a:tc>
+                <a:extLst>
+                  <a:ext uri="{0D108BD9-81ED-4DB2-BD59-A6C34878D82A}">
+                    <a16:rowId xmlns:a16="http://schemas.microsoft.com/office/drawing/2014/main" val="632549062"/>
+                  </a:ext>
+                </a:extLst>
+              </a:tr>
+            </a:tbl>
+          </a:graphicData>
+        </a:graphic>
+      </p:graphicFrame>
+    </p:spTree>
+    <p:extLst>
+      <p:ext uri="{BB962C8B-B14F-4D97-AF65-F5344CB8AC3E}">
+        <p14:creationId xmlns:p14="http://schemas.microsoft.com/office/powerpoint/2010/main" val="737926676"/>
+      </p:ext>
+    </p:extLst>
+  </p:cSld>
+  <p:clrMapOvr>
+    <a:masterClrMapping/>
+  </p:clrMapOvr>
+  <p:transition spd="med"/>
+</p:sld>
+</file>
+
+<file path=ppt/slides/slide5.xml><?xml version="1.0" encoding="utf-8"?>
+<p:sld xmlns:a="http://schemas.openxmlformats.org/drawingml/2006/main" xmlns:r="http://schemas.openxmlformats.org/officeDocument/2006/relationships" xmlns:p="http://schemas.openxmlformats.org/presentationml/2006/main">
+  <p:cSld>
+    <p:spTree>
+      <p:nvGrpSpPr>
+        <p:cNvPr id="1" name="">
+          <a:extLst>
+            <a:ext uri="{FF2B5EF4-FFF2-40B4-BE49-F238E27FC236}">
+              <a16:creationId xmlns:a16="http://schemas.microsoft.com/office/drawing/2014/main" id="{81BCC669-D1EB-3EC8-5BA3-B2A43AC6D44F}"/>
+            </a:ext>
+          </a:extLst>
+        </p:cNvPr>
+        <p:cNvGrpSpPr/>
+        <p:nvPr/>
+      </p:nvGrpSpPr>
+      <p:grpSpPr>
+        <a:xfrm>
+          <a:off x="0" y="0"/>
+          <a:ext cx="0" cy="0"/>
+          <a:chOff x="0" y="0"/>
+          <a:chExt cx="0" cy="0"/>
+        </a:xfrm>
+      </p:grpSpPr>
+      <p:sp>
+        <p:nvSpPr>
+          <p:cNvPr id="6" name="Title 1">
+            <a:extLst>
+              <a:ext uri="{FF2B5EF4-FFF2-40B4-BE49-F238E27FC236}">
+                <a16:creationId xmlns:a16="http://schemas.microsoft.com/office/drawing/2014/main" id="{CBEAB2B2-13AF-8F35-75DD-9085ABB38300}"/>
+              </a:ext>
+            </a:extLst>
+          </p:cNvPr>
+          <p:cNvSpPr>
+            <a:spLocks noGrp="1"/>
+          </p:cNvSpPr>
+          <p:nvPr>
+            <p:ph type="title"/>
+          </p:nvPr>
+        </p:nvSpPr>
+        <p:spPr>
+          <a:xfrm>
+            <a:off x="457200" y="205980"/>
+            <a:ext cx="8229600" cy="857251"/>
+          </a:xfrm>
+        </p:spPr>
+        <p:txBody>
+          <a:bodyPr>
+            <a:normAutofit/>
+          </a:bodyPr>
+          <a:lstStyle/>
+          <a:p>
+            <a:r>
+              <a:rPr lang="en-US" b="1" dirty="0">
+                <a:solidFill>
+                  <a:srgbClr val="0070C0"/>
+                </a:solidFill>
+              </a:rPr>
+              <a:t>CLP – </a:t>
+            </a:r>
+            <a:r>
+              <a:rPr lang="en-US" b="1" dirty="0" err="1">
+                <a:solidFill>
+                  <a:srgbClr val="0070C0"/>
+                </a:solidFill>
+              </a:rPr>
+              <a:t>Planejamento</a:t>
+            </a:r>
+            <a:r>
+              <a:rPr lang="en-US" b="1" dirty="0">
+                <a:solidFill>
+                  <a:srgbClr val="0070C0"/>
+                </a:solidFill>
+              </a:rPr>
+              <a:t> do </a:t>
+            </a:r>
+            <a:r>
+              <a:rPr lang="en-US" b="1" dirty="0" err="1">
+                <a:solidFill>
+                  <a:srgbClr val="0070C0"/>
+                </a:solidFill>
+              </a:rPr>
+              <a:t>Projeto</a:t>
+            </a:r>
+            <a:endParaRPr lang="en-US" b="1" dirty="0">
+              <a:solidFill>
+                <a:srgbClr val="0070C0"/>
+              </a:solidFill>
+            </a:endParaRPr>
+          </a:p>
+        </p:txBody>
+      </p:sp>
+      <p:sp>
+        <p:nvSpPr>
+          <p:cNvPr id="8" name="Text Placeholder 2">
+            <a:extLst>
+              <a:ext uri="{FF2B5EF4-FFF2-40B4-BE49-F238E27FC236}">
+                <a16:creationId xmlns:a16="http://schemas.microsoft.com/office/drawing/2014/main" id="{63C62339-4DC0-340D-F52C-89C97480C5D5}"/>
+              </a:ext>
+            </a:extLst>
+          </p:cNvPr>
+          <p:cNvSpPr>
+            <a:spLocks noGrp="1"/>
+          </p:cNvSpPr>
+          <p:nvPr>
+            <p:ph type="body" sz="half" idx="1"/>
+          </p:nvPr>
+        </p:nvSpPr>
+        <p:spPr>
+          <a:xfrm>
+            <a:off x="142865" y="1035050"/>
+            <a:ext cx="8865056" cy="3994150"/>
+          </a:xfrm>
+        </p:spPr>
+        <p:txBody>
+          <a:bodyPr>
+            <a:noAutofit/>
+          </a:bodyPr>
+          <a:lstStyle/>
+          <a:p>
+            <a:pPr algn="just"/>
+            <a:r>
+              <a:rPr lang="pt-BR" sz="2200" b="1" dirty="0">
+                <a:latin typeface="Times New Roman" panose="02020603050405020304" pitchFamily="18" charset="0"/>
+                <a:cs typeface="Times New Roman" panose="02020603050405020304" pitchFamily="18" charset="0"/>
+              </a:rPr>
+              <a:t>Definição de problema </a:t>
+            </a:r>
+            <a:r>
+              <a:rPr lang="pt-BR" sz="2200" dirty="0">
+                <a:latin typeface="Times New Roman" panose="02020603050405020304" pitchFamily="18" charset="0"/>
+                <a:cs typeface="Times New Roman" panose="02020603050405020304" pitchFamily="18" charset="0"/>
+              </a:rPr>
+              <a:t>e objetivos mensuráveis;</a:t>
+            </a:r>
+          </a:p>
+          <a:p>
+            <a:pPr algn="just"/>
+            <a:endParaRPr lang="pt-BR" sz="2200" dirty="0">
+              <a:latin typeface="Times New Roman" panose="02020603050405020304" pitchFamily="18" charset="0"/>
+              <a:cs typeface="Times New Roman" panose="02020603050405020304" pitchFamily="18" charset="0"/>
+            </a:endParaRPr>
+          </a:p>
+          <a:p>
+            <a:pPr algn="just"/>
+            <a:r>
+              <a:rPr lang="pt-BR" sz="2200" b="1" dirty="0">
+                <a:solidFill>
+                  <a:srgbClr val="FF0000"/>
+                </a:solidFill>
+                <a:latin typeface="Times New Roman" panose="02020603050405020304" pitchFamily="18" charset="0"/>
+                <a:cs typeface="Times New Roman" panose="02020603050405020304" pitchFamily="18" charset="0"/>
+              </a:rPr>
+              <a:t>Viabilidade</a:t>
+            </a:r>
+            <a:r>
+              <a:rPr lang="pt-BR" sz="2200" b="1" dirty="0">
+                <a:latin typeface="Times New Roman" panose="02020603050405020304" pitchFamily="18" charset="0"/>
+                <a:cs typeface="Times New Roman" panose="02020603050405020304" pitchFamily="18" charset="0"/>
+              </a:rPr>
+              <a:t> técnica</a:t>
+            </a:r>
+            <a:r>
+              <a:rPr lang="pt-BR" sz="2200" dirty="0">
+                <a:latin typeface="Times New Roman" panose="02020603050405020304" pitchFamily="18" charset="0"/>
+                <a:cs typeface="Times New Roman" panose="02020603050405020304" pitchFamily="18" charset="0"/>
+              </a:rPr>
+              <a:t>, </a:t>
+            </a:r>
+            <a:r>
+              <a:rPr lang="pt-BR" sz="2200" b="1" dirty="0">
+                <a:latin typeface="Times New Roman" panose="02020603050405020304" pitchFamily="18" charset="0"/>
+                <a:cs typeface="Times New Roman" panose="02020603050405020304" pitchFamily="18" charset="0"/>
+              </a:rPr>
+              <a:t>econômica, recursos e de tempo;</a:t>
+            </a:r>
+          </a:p>
+          <a:p>
+            <a:pPr algn="just"/>
+            <a:endParaRPr lang="pt-BR" sz="2200" dirty="0">
+              <a:latin typeface="Times New Roman" panose="02020603050405020304" pitchFamily="18" charset="0"/>
+              <a:cs typeface="Times New Roman" panose="02020603050405020304" pitchFamily="18" charset="0"/>
+            </a:endParaRPr>
+          </a:p>
+          <a:p>
+            <a:pPr algn="just"/>
+            <a:r>
+              <a:rPr lang="pt-BR" sz="2200" b="1" dirty="0">
+                <a:latin typeface="Times New Roman" panose="02020603050405020304" pitchFamily="18" charset="0"/>
+                <a:cs typeface="Times New Roman" panose="02020603050405020304" pitchFamily="18" charset="0"/>
+              </a:rPr>
+              <a:t>Cronograma</a:t>
+            </a:r>
+            <a:r>
+              <a:rPr lang="pt-BR" sz="2200" dirty="0">
+                <a:latin typeface="Times New Roman" panose="02020603050405020304" pitchFamily="18" charset="0"/>
+                <a:cs typeface="Times New Roman" panose="02020603050405020304" pitchFamily="18" charset="0"/>
+              </a:rPr>
+              <a:t> (uso de ferramentas como </a:t>
+            </a:r>
+            <a:r>
+              <a:rPr lang="pt-BR" sz="2200" dirty="0" err="1">
+                <a:latin typeface="Times New Roman" panose="02020603050405020304" pitchFamily="18" charset="0"/>
+                <a:cs typeface="Times New Roman" panose="02020603050405020304" pitchFamily="18" charset="0"/>
+              </a:rPr>
+              <a:t>Gantt</a:t>
+            </a:r>
+            <a:r>
+              <a:rPr lang="pt-BR" sz="2200" dirty="0">
+                <a:latin typeface="Times New Roman" panose="02020603050405020304" pitchFamily="18" charset="0"/>
+                <a:cs typeface="Times New Roman" panose="02020603050405020304" pitchFamily="18" charset="0"/>
+              </a:rPr>
+              <a:t>; MS Project);</a:t>
+            </a:r>
+          </a:p>
+          <a:p>
+            <a:pPr algn="just"/>
+            <a:endParaRPr lang="pt-BR" sz="2200" dirty="0">
+              <a:latin typeface="Times New Roman" panose="02020603050405020304" pitchFamily="18" charset="0"/>
+              <a:cs typeface="Times New Roman" panose="02020603050405020304" pitchFamily="18" charset="0"/>
+            </a:endParaRPr>
+          </a:p>
+          <a:p>
+            <a:pPr algn="just"/>
+            <a:r>
+              <a:rPr lang="pt-BR" sz="2200" b="1" dirty="0">
+                <a:latin typeface="Times New Roman" panose="02020603050405020304" pitchFamily="18" charset="0"/>
+                <a:cs typeface="Times New Roman" panose="02020603050405020304" pitchFamily="18" charset="0"/>
+              </a:rPr>
+              <a:t>Metodologia</a:t>
+            </a:r>
+            <a:r>
+              <a:rPr lang="pt-BR" sz="2200" dirty="0">
+                <a:latin typeface="Times New Roman" panose="02020603050405020304" pitchFamily="18" charset="0"/>
+                <a:cs typeface="Times New Roman" panose="02020603050405020304" pitchFamily="18" charset="0"/>
+              </a:rPr>
+              <a:t> adequada;</a:t>
+            </a:r>
+          </a:p>
+          <a:p>
+            <a:pPr algn="just"/>
+            <a:endParaRPr lang="pt-BR" sz="2200" dirty="0">
+              <a:latin typeface="Times New Roman" panose="02020603050405020304" pitchFamily="18" charset="0"/>
+              <a:cs typeface="Times New Roman" panose="02020603050405020304" pitchFamily="18" charset="0"/>
+            </a:endParaRPr>
+          </a:p>
+          <a:p>
+            <a:pPr algn="just"/>
+            <a:r>
+              <a:rPr lang="pt-BR" sz="2200" b="1" dirty="0">
+                <a:latin typeface="Times New Roman" panose="02020603050405020304" pitchFamily="18" charset="0"/>
+                <a:cs typeface="Times New Roman" panose="02020603050405020304" pitchFamily="18" charset="0"/>
+              </a:rPr>
+              <a:t>Divisão de tarefas </a:t>
+            </a:r>
+            <a:r>
+              <a:rPr lang="pt-BR" sz="2200" dirty="0">
+                <a:latin typeface="Times New Roman" panose="02020603050405020304" pitchFamily="18" charset="0"/>
+                <a:cs typeface="Times New Roman" panose="02020603050405020304" pitchFamily="18" charset="0"/>
+              </a:rPr>
+              <a:t>em equipe.</a:t>
+            </a:r>
+          </a:p>
+        </p:txBody>
+      </p:sp>
+    </p:spTree>
+    <p:extLst>
+      <p:ext uri="{BB962C8B-B14F-4D97-AF65-F5344CB8AC3E}">
+        <p14:creationId xmlns:p14="http://schemas.microsoft.com/office/powerpoint/2010/main" val="4071744417"/>
+      </p:ext>
+    </p:extLst>
+  </p:cSld>
+  <p:clrMapOvr>
+    <a:masterClrMapping/>
+  </p:clrMapOvr>
+  <p:transition spd="med"/>
+</p:sld>
+</file>
+
+<file path=ppt/slides/slide6.xml><?xml version="1.0" encoding="utf-8"?>
+<p:sld xmlns:a="http://schemas.openxmlformats.org/drawingml/2006/main" xmlns:r="http://schemas.openxmlformats.org/officeDocument/2006/relationships" xmlns:p="http://schemas.openxmlformats.org/presentationml/2006/main">
+  <p:cSld>
+    <p:spTree>
+      <p:nvGrpSpPr>
+        <p:cNvPr id="1" name="">
+          <a:extLst>
+            <a:ext uri="{FF2B5EF4-FFF2-40B4-BE49-F238E27FC236}">
+              <a16:creationId xmlns:a16="http://schemas.microsoft.com/office/drawing/2014/main" id="{AFFC8B2D-7443-68FB-D448-E738142EB99F}"/>
+            </a:ext>
+          </a:extLst>
+        </p:cNvPr>
+        <p:cNvGrpSpPr/>
+        <p:nvPr/>
+      </p:nvGrpSpPr>
+      <p:grpSpPr>
+        <a:xfrm>
+          <a:off x="0" y="0"/>
+          <a:ext cx="0" cy="0"/>
+          <a:chOff x="0" y="0"/>
+          <a:chExt cx="0" cy="0"/>
+        </a:xfrm>
+      </p:grpSpPr>
+      <p:sp>
+        <p:nvSpPr>
+          <p:cNvPr id="6" name="Title 1">
+            <a:extLst>
+              <a:ext uri="{FF2B5EF4-FFF2-40B4-BE49-F238E27FC236}">
+                <a16:creationId xmlns:a16="http://schemas.microsoft.com/office/drawing/2014/main" id="{0A36332F-AF5C-5EE7-4FDB-2DE89732CE38}"/>
+              </a:ext>
+            </a:extLst>
+          </p:cNvPr>
+          <p:cNvSpPr>
+            <a:spLocks noGrp="1"/>
+          </p:cNvSpPr>
+          <p:nvPr>
+            <p:ph type="title"/>
+          </p:nvPr>
+        </p:nvSpPr>
+        <p:spPr>
+          <a:xfrm>
+            <a:off x="457200" y="205980"/>
+            <a:ext cx="8229600" cy="857251"/>
+          </a:xfrm>
+        </p:spPr>
+        <p:txBody>
+          <a:bodyPr>
+            <a:normAutofit/>
+          </a:bodyPr>
+          <a:lstStyle/>
+          <a:p>
+            <a:r>
+              <a:rPr lang="en-US" b="1" dirty="0">
+                <a:solidFill>
+                  <a:srgbClr val="0070C0"/>
+                </a:solidFill>
+              </a:rPr>
+              <a:t>CLP – </a:t>
+            </a:r>
+            <a:r>
+              <a:rPr lang="en-US" b="1" dirty="0" err="1">
+                <a:solidFill>
+                  <a:srgbClr val="0070C0"/>
+                </a:solidFill>
+              </a:rPr>
+              <a:t>Gestão</a:t>
+            </a:r>
+            <a:r>
+              <a:rPr lang="en-US" b="1" dirty="0">
+                <a:solidFill>
+                  <a:srgbClr val="0070C0"/>
+                </a:solidFill>
+              </a:rPr>
+              <a:t> do Tempo e Equipe</a:t>
+            </a:r>
+          </a:p>
+        </p:txBody>
+      </p:sp>
+      <p:sp>
+        <p:nvSpPr>
+          <p:cNvPr id="8" name="Text Placeholder 2">
+            <a:extLst>
+              <a:ext uri="{FF2B5EF4-FFF2-40B4-BE49-F238E27FC236}">
+                <a16:creationId xmlns:a16="http://schemas.microsoft.com/office/drawing/2014/main" id="{B1B1D734-DA2C-3DA6-0191-27F88C8EB709}"/>
+              </a:ext>
+            </a:extLst>
+          </p:cNvPr>
+          <p:cNvSpPr>
+            <a:spLocks noGrp="1"/>
+          </p:cNvSpPr>
+          <p:nvPr>
+            <p:ph type="body" sz="half" idx="1"/>
+          </p:nvPr>
+        </p:nvSpPr>
+        <p:spPr>
+          <a:xfrm>
+            <a:off x="142865" y="1035050"/>
+            <a:ext cx="8865056" cy="3994150"/>
+          </a:xfrm>
+        </p:spPr>
+        <p:txBody>
+          <a:bodyPr>
+            <a:noAutofit/>
+          </a:bodyPr>
+          <a:lstStyle/>
+          <a:p>
+            <a:pPr marL="0" indent="0" algn="just">
+              <a:buNone/>
+            </a:pPr>
+            <a:endParaRPr lang="pt-BR" sz="2400" dirty="0">
+              <a:latin typeface="Times New Roman" panose="02020603050405020304" pitchFamily="18" charset="0"/>
+              <a:cs typeface="Times New Roman" panose="02020603050405020304" pitchFamily="18" charset="0"/>
+            </a:endParaRPr>
+          </a:p>
+          <a:p>
+            <a:pPr algn="just"/>
+            <a:r>
+              <a:rPr lang="pt-BR" sz="2400" dirty="0">
+                <a:latin typeface="Times New Roman" panose="02020603050405020304" pitchFamily="18" charset="0"/>
+                <a:cs typeface="Times New Roman" panose="02020603050405020304" pitchFamily="18" charset="0"/>
+              </a:rPr>
+              <a:t>Monte um </a:t>
+            </a:r>
+            <a:r>
+              <a:rPr lang="pt-BR" sz="2400" b="1" dirty="0">
+                <a:latin typeface="Times New Roman" panose="02020603050405020304" pitchFamily="18" charset="0"/>
+                <a:cs typeface="Times New Roman" panose="02020603050405020304" pitchFamily="18" charset="0"/>
+              </a:rPr>
+              <a:t>cronograma</a:t>
+            </a:r>
+            <a:r>
+              <a:rPr lang="pt-BR" sz="2400" dirty="0">
+                <a:latin typeface="Times New Roman" panose="02020603050405020304" pitchFamily="18" charset="0"/>
+                <a:cs typeface="Times New Roman" panose="02020603050405020304" pitchFamily="18" charset="0"/>
+              </a:rPr>
+              <a:t> (</a:t>
+            </a:r>
+            <a:r>
+              <a:rPr lang="pt-BR" sz="2400" dirty="0" err="1">
+                <a:latin typeface="Times New Roman" panose="02020603050405020304" pitchFamily="18" charset="0"/>
+                <a:cs typeface="Times New Roman" panose="02020603050405020304" pitchFamily="18" charset="0"/>
+              </a:rPr>
+              <a:t>ex</a:t>
+            </a:r>
+            <a:r>
+              <a:rPr lang="pt-BR" sz="2400" dirty="0">
+                <a:latin typeface="Times New Roman" panose="02020603050405020304" pitchFamily="18" charset="0"/>
+                <a:cs typeface="Times New Roman" panose="02020603050405020304" pitchFamily="18" charset="0"/>
+              </a:rPr>
+              <a:t>: Gráfico de </a:t>
+            </a:r>
+            <a:r>
+              <a:rPr lang="pt-BR" sz="2400" dirty="0" err="1">
+                <a:latin typeface="Times New Roman" panose="02020603050405020304" pitchFamily="18" charset="0"/>
+                <a:cs typeface="Times New Roman" panose="02020603050405020304" pitchFamily="18" charset="0"/>
+              </a:rPr>
+              <a:t>Gantt</a:t>
+            </a:r>
+            <a:r>
+              <a:rPr lang="pt-BR" sz="2400" dirty="0">
+                <a:latin typeface="Times New Roman" panose="02020603050405020304" pitchFamily="18" charset="0"/>
+                <a:cs typeface="Times New Roman" panose="02020603050405020304" pitchFamily="18" charset="0"/>
+              </a:rPr>
+              <a:t>, MS Project);</a:t>
+            </a:r>
+          </a:p>
+          <a:p>
+            <a:pPr marL="0" indent="0" algn="just">
+              <a:buNone/>
+            </a:pPr>
+            <a:endParaRPr lang="pt-BR" sz="2400" dirty="0">
+              <a:latin typeface="Times New Roman" panose="02020603050405020304" pitchFamily="18" charset="0"/>
+              <a:cs typeface="Times New Roman" panose="02020603050405020304" pitchFamily="18" charset="0"/>
+            </a:endParaRPr>
+          </a:p>
+          <a:p>
+            <a:pPr algn="just"/>
+            <a:r>
+              <a:rPr lang="pt-BR" sz="2400" b="1" dirty="0">
+                <a:latin typeface="Times New Roman" panose="02020603050405020304" pitchFamily="18" charset="0"/>
+                <a:cs typeface="Times New Roman" panose="02020603050405020304" pitchFamily="18" charset="0"/>
+              </a:rPr>
+              <a:t>Distribua as tarefas </a:t>
+            </a:r>
+            <a:r>
+              <a:rPr lang="pt-BR" sz="2400" dirty="0">
+                <a:latin typeface="Times New Roman" panose="02020603050405020304" pitchFamily="18" charset="0"/>
+                <a:cs typeface="Times New Roman" panose="02020603050405020304" pitchFamily="18" charset="0"/>
+              </a:rPr>
+              <a:t>entre os membros;</a:t>
+            </a:r>
+          </a:p>
+          <a:p>
+            <a:pPr marL="0" indent="0" algn="just">
+              <a:buNone/>
+            </a:pPr>
+            <a:endParaRPr lang="pt-BR" sz="2400" dirty="0">
+              <a:latin typeface="Times New Roman" panose="02020603050405020304" pitchFamily="18" charset="0"/>
+              <a:cs typeface="Times New Roman" panose="02020603050405020304" pitchFamily="18" charset="0"/>
+            </a:endParaRPr>
+          </a:p>
+          <a:p>
+            <a:pPr algn="just"/>
+            <a:r>
+              <a:rPr lang="pt-BR" sz="2400" b="1" dirty="0">
+                <a:latin typeface="Times New Roman" panose="02020603050405020304" pitchFamily="18" charset="0"/>
+                <a:cs typeface="Times New Roman" panose="02020603050405020304" pitchFamily="18" charset="0"/>
+              </a:rPr>
+              <a:t>Documente</a:t>
+            </a:r>
+            <a:r>
+              <a:rPr lang="pt-BR" sz="2400" dirty="0">
+                <a:latin typeface="Times New Roman" panose="02020603050405020304" pitchFamily="18" charset="0"/>
+                <a:cs typeface="Times New Roman" panose="02020603050405020304" pitchFamily="18" charset="0"/>
+              </a:rPr>
+              <a:t> tudo desde o início.</a:t>
+            </a:r>
+          </a:p>
+        </p:txBody>
+      </p:sp>
+    </p:spTree>
+    <p:extLst>
+      <p:ext uri="{BB962C8B-B14F-4D97-AF65-F5344CB8AC3E}">
+        <p14:creationId xmlns:p14="http://schemas.microsoft.com/office/powerpoint/2010/main" val="298294241"/>
+      </p:ext>
+    </p:extLst>
+  </p:cSld>
+  <p:clrMapOvr>
+    <a:masterClrMapping/>
+  </p:clrMapOvr>
+  <p:transition spd="med"/>
+</p:sld>
+</file>
+
+<file path=ppt/slides/slide7.xml><?xml version="1.0" encoding="utf-8"?>
+<p:sld xmlns:a="http://schemas.openxmlformats.org/drawingml/2006/main" xmlns:r="http://schemas.openxmlformats.org/officeDocument/2006/relationships" xmlns:p="http://schemas.openxmlformats.org/presentationml/2006/main">
+  <p:cSld>
+    <p:spTree>
+      <p:nvGrpSpPr>
+        <p:cNvPr id="1" name="">
+          <a:extLst>
+            <a:ext uri="{FF2B5EF4-FFF2-40B4-BE49-F238E27FC236}">
+              <a16:creationId xmlns:a16="http://schemas.microsoft.com/office/drawing/2014/main" id="{F59D97BC-90C5-A7AE-AB71-7EA68F72B3C1}"/>
+            </a:ext>
+          </a:extLst>
+        </p:cNvPr>
+        <p:cNvGrpSpPr/>
+        <p:nvPr/>
+      </p:nvGrpSpPr>
+      <p:grpSpPr>
+        <a:xfrm>
+          <a:off x="0" y="0"/>
+          <a:ext cx="0" cy="0"/>
+          <a:chOff x="0" y="0"/>
+          <a:chExt cx="0" cy="0"/>
+        </a:xfrm>
+      </p:grpSpPr>
+      <p:sp>
+        <p:nvSpPr>
+          <p:cNvPr id="6" name="Title 1">
+            <a:extLst>
+              <a:ext uri="{FF2B5EF4-FFF2-40B4-BE49-F238E27FC236}">
+                <a16:creationId xmlns:a16="http://schemas.microsoft.com/office/drawing/2014/main" id="{A46CFCE3-E23B-43D2-9889-3B61BE3C0C26}"/>
+              </a:ext>
+            </a:extLst>
+          </p:cNvPr>
+          <p:cNvSpPr>
+            <a:spLocks noGrp="1"/>
+          </p:cNvSpPr>
+          <p:nvPr>
+            <p:ph type="title"/>
+          </p:nvPr>
+        </p:nvSpPr>
+        <p:spPr>
+          <a:xfrm>
+            <a:off x="457200" y="205980"/>
+            <a:ext cx="8229600" cy="857251"/>
+          </a:xfrm>
+        </p:spPr>
+        <p:txBody>
+          <a:bodyPr>
+            <a:normAutofit/>
+          </a:bodyPr>
+          <a:lstStyle/>
+          <a:p>
+            <a:r>
+              <a:rPr lang="en-US" b="1" dirty="0">
+                <a:solidFill>
+                  <a:srgbClr val="0070C0"/>
+                </a:solidFill>
+              </a:rPr>
+              <a:t>CLP – </a:t>
+            </a:r>
+            <a:r>
+              <a:rPr lang="en-US" b="1" dirty="0" err="1">
+                <a:solidFill>
+                  <a:srgbClr val="0070C0"/>
+                </a:solidFill>
+              </a:rPr>
+              <a:t>Definição</a:t>
+            </a:r>
+            <a:r>
+              <a:rPr lang="en-US" b="1" dirty="0">
+                <a:solidFill>
+                  <a:srgbClr val="0070C0"/>
+                </a:solidFill>
+              </a:rPr>
+              <a:t> Técnica</a:t>
+            </a:r>
+          </a:p>
+        </p:txBody>
+      </p:sp>
+      <p:sp>
+        <p:nvSpPr>
+          <p:cNvPr id="8" name="Text Placeholder 2">
+            <a:extLst>
+              <a:ext uri="{FF2B5EF4-FFF2-40B4-BE49-F238E27FC236}">
+                <a16:creationId xmlns:a16="http://schemas.microsoft.com/office/drawing/2014/main" id="{3BAACAEF-7C47-AFBA-4794-3924A648BB76}"/>
+              </a:ext>
+            </a:extLst>
+          </p:cNvPr>
+          <p:cNvSpPr>
+            <a:spLocks noGrp="1"/>
+          </p:cNvSpPr>
+          <p:nvPr>
+            <p:ph type="body" sz="half" idx="1"/>
+          </p:nvPr>
+        </p:nvSpPr>
+        <p:spPr>
+          <a:xfrm>
+            <a:off x="142865" y="1035050"/>
+            <a:ext cx="8865056" cy="3994150"/>
+          </a:xfrm>
+        </p:spPr>
+        <p:txBody>
+          <a:bodyPr>
+            <a:noAutofit/>
+          </a:bodyPr>
+          <a:lstStyle/>
+          <a:p>
+            <a:pPr marL="0" indent="0" algn="just">
+              <a:buNone/>
+            </a:pPr>
+            <a:endParaRPr lang="pt-BR" sz="2400" dirty="0">
+              <a:latin typeface="Times New Roman" panose="02020603050405020304" pitchFamily="18" charset="0"/>
+              <a:cs typeface="Times New Roman" panose="02020603050405020304" pitchFamily="18" charset="0"/>
+            </a:endParaRPr>
+          </a:p>
+          <a:p>
+            <a:pPr algn="just"/>
+            <a:r>
+              <a:rPr lang="pt-BR" sz="2400" dirty="0">
+                <a:latin typeface="Times New Roman" panose="02020603050405020304" pitchFamily="18" charset="0"/>
+                <a:cs typeface="Times New Roman" panose="02020603050405020304" pitchFamily="18" charset="0"/>
+              </a:rPr>
+              <a:t>Requisitos funcionais: o que o sistema faz;</a:t>
+            </a:r>
+          </a:p>
+          <a:p>
+            <a:pPr algn="just"/>
+            <a:endParaRPr lang="pt-BR" sz="2400" dirty="0">
+              <a:latin typeface="Times New Roman" panose="02020603050405020304" pitchFamily="18" charset="0"/>
+              <a:cs typeface="Times New Roman" panose="02020603050405020304" pitchFamily="18" charset="0"/>
+            </a:endParaRPr>
+          </a:p>
+          <a:p>
+            <a:pPr algn="just"/>
+            <a:r>
+              <a:rPr lang="pt-BR" sz="2400" dirty="0">
+                <a:latin typeface="Times New Roman" panose="02020603050405020304" pitchFamily="18" charset="0"/>
+                <a:cs typeface="Times New Roman" panose="02020603050405020304" pitchFamily="18" charset="0"/>
+              </a:rPr>
+              <a:t>Requisitos não funcionais: desempenho, segurança, etc.;</a:t>
+            </a:r>
+          </a:p>
+          <a:p>
+            <a:pPr algn="just"/>
+            <a:endParaRPr lang="pt-BR" sz="2400" dirty="0">
+              <a:latin typeface="Times New Roman" panose="02020603050405020304" pitchFamily="18" charset="0"/>
+              <a:cs typeface="Times New Roman" panose="02020603050405020304" pitchFamily="18" charset="0"/>
+            </a:endParaRPr>
+          </a:p>
+          <a:p>
+            <a:pPr algn="just"/>
+            <a:r>
+              <a:rPr lang="pt-BR" sz="2400" dirty="0">
+                <a:latin typeface="Times New Roman" panose="02020603050405020304" pitchFamily="18" charset="0"/>
+                <a:cs typeface="Times New Roman" panose="02020603050405020304" pitchFamily="18" charset="0"/>
+              </a:rPr>
+              <a:t>Escolha das tecnologias: ferramentas, linguagens, etc.</a:t>
+            </a:r>
+          </a:p>
+        </p:txBody>
+      </p:sp>
+    </p:spTree>
+    <p:extLst>
+      <p:ext uri="{BB962C8B-B14F-4D97-AF65-F5344CB8AC3E}">
+        <p14:creationId xmlns:p14="http://schemas.microsoft.com/office/powerpoint/2010/main" val="3831230672"/>
+      </p:ext>
+    </p:extLst>
+  </p:cSld>
+  <p:clrMapOvr>
+    <a:masterClrMapping/>
+  </p:clrMapOvr>
+  <p:transition spd="med"/>
+</p:sld>
+</file>
+
+<file path=ppt/slides/slide8.xml><?xml version="1.0" encoding="utf-8"?>
+<p:sld xmlns:a="http://schemas.openxmlformats.org/drawingml/2006/main" xmlns:r="http://schemas.openxmlformats.org/officeDocument/2006/relationships" xmlns:p="http://schemas.openxmlformats.org/presentationml/2006/main">
+  <p:cSld>
+    <p:spTree>
+      <p:nvGrpSpPr>
+        <p:cNvPr id="1" name="">
+          <a:extLst>
+            <a:ext uri="{FF2B5EF4-FFF2-40B4-BE49-F238E27FC236}">
+              <a16:creationId xmlns:a16="http://schemas.microsoft.com/office/drawing/2014/main" id="{8534FDB9-85B8-9E21-73F7-C987A929FA19}"/>
+            </a:ext>
+          </a:extLst>
+        </p:cNvPr>
+        <p:cNvGrpSpPr/>
+        <p:nvPr/>
+      </p:nvGrpSpPr>
+      <p:grpSpPr>
+        <a:xfrm>
+          <a:off x="0" y="0"/>
+          <a:ext cx="0" cy="0"/>
+          <a:chOff x="0" y="0"/>
+          <a:chExt cx="0" cy="0"/>
+        </a:xfrm>
+      </p:grpSpPr>
+      <p:sp>
+        <p:nvSpPr>
+          <p:cNvPr id="6" name="Title 1">
+            <a:extLst>
+              <a:ext uri="{FF2B5EF4-FFF2-40B4-BE49-F238E27FC236}">
+                <a16:creationId xmlns:a16="http://schemas.microsoft.com/office/drawing/2014/main" id="{32863B33-6367-FD2C-981D-486F7746921E}"/>
+              </a:ext>
+            </a:extLst>
+          </p:cNvPr>
+          <p:cNvSpPr>
+            <a:spLocks noGrp="1"/>
+          </p:cNvSpPr>
+          <p:nvPr>
+            <p:ph type="title"/>
+          </p:nvPr>
+        </p:nvSpPr>
+        <p:spPr>
+          <a:xfrm>
+            <a:off x="457200" y="205980"/>
+            <a:ext cx="8229600" cy="857251"/>
+          </a:xfrm>
+        </p:spPr>
+        <p:txBody>
+          <a:bodyPr>
+            <a:normAutofit/>
+          </a:bodyPr>
+          <a:lstStyle/>
+          <a:p>
+            <a:r>
+              <a:rPr lang="en-US" b="1" dirty="0">
+                <a:solidFill>
+                  <a:srgbClr val="0070C0"/>
+                </a:solidFill>
+              </a:rPr>
+              <a:t>CLP – Normas e </a:t>
+            </a:r>
+            <a:r>
+              <a:rPr lang="en-US" b="1" dirty="0" err="1">
+                <a:solidFill>
+                  <a:srgbClr val="0070C0"/>
+                </a:solidFill>
+              </a:rPr>
+              <a:t>Qualidade</a:t>
+            </a:r>
+            <a:endParaRPr lang="en-US" b="1" dirty="0">
+              <a:solidFill>
+                <a:srgbClr val="0070C0"/>
+              </a:solidFill>
+            </a:endParaRPr>
+          </a:p>
+        </p:txBody>
+      </p:sp>
+      <p:sp>
+        <p:nvSpPr>
+          <p:cNvPr id="8" name="Text Placeholder 2">
+            <a:extLst>
+              <a:ext uri="{FF2B5EF4-FFF2-40B4-BE49-F238E27FC236}">
+                <a16:creationId xmlns:a16="http://schemas.microsoft.com/office/drawing/2014/main" id="{8FB30B2C-F611-318D-96CB-A1B47A1FE5CE}"/>
+              </a:ext>
+            </a:extLst>
+          </p:cNvPr>
+          <p:cNvSpPr>
+            <a:spLocks noGrp="1"/>
+          </p:cNvSpPr>
+          <p:nvPr>
+            <p:ph type="body" sz="half" idx="1"/>
+          </p:nvPr>
+        </p:nvSpPr>
+        <p:spPr>
+          <a:xfrm>
+            <a:off x="142865" y="1035050"/>
+            <a:ext cx="8865056" cy="3994150"/>
+          </a:xfrm>
+        </p:spPr>
+        <p:txBody>
+          <a:bodyPr>
+            <a:noAutofit/>
+          </a:bodyPr>
+          <a:lstStyle/>
+          <a:p>
+            <a:pPr marL="0" indent="0" algn="just">
+              <a:buNone/>
+            </a:pPr>
+            <a:endParaRPr lang="pt-BR" sz="2400" dirty="0">
+              <a:latin typeface="Times New Roman" panose="02020603050405020304" pitchFamily="18" charset="0"/>
+              <a:cs typeface="Times New Roman" panose="02020603050405020304" pitchFamily="18" charset="0"/>
+            </a:endParaRPr>
+          </a:p>
+          <a:p>
+            <a:pPr algn="just"/>
+            <a:r>
+              <a:rPr lang="pt-BR" sz="2400" dirty="0">
+                <a:latin typeface="Times New Roman" panose="02020603050405020304" pitchFamily="18" charset="0"/>
+                <a:cs typeface="Times New Roman" panose="02020603050405020304" pitchFamily="18" charset="0"/>
+              </a:rPr>
+              <a:t>Siga </a:t>
+            </a:r>
+            <a:r>
+              <a:rPr lang="pt-BR" sz="2400" b="1" dirty="0">
+                <a:latin typeface="Times New Roman" panose="02020603050405020304" pitchFamily="18" charset="0"/>
+                <a:cs typeface="Times New Roman" panose="02020603050405020304" pitchFamily="18" charset="0"/>
+              </a:rPr>
+              <a:t>normas técnicas </a:t>
+            </a:r>
+            <a:r>
+              <a:rPr lang="pt-BR" sz="2400" dirty="0">
+                <a:latin typeface="Times New Roman" panose="02020603050405020304" pitchFamily="18" charset="0"/>
+                <a:cs typeface="Times New Roman" panose="02020603050405020304" pitchFamily="18" charset="0"/>
+              </a:rPr>
+              <a:t>(</a:t>
+            </a:r>
+            <a:r>
+              <a:rPr lang="pt-BR" sz="2400" dirty="0" err="1">
+                <a:latin typeface="Times New Roman" panose="02020603050405020304" pitchFamily="18" charset="0"/>
+                <a:cs typeface="Times New Roman" panose="02020603050405020304" pitchFamily="18" charset="0"/>
+              </a:rPr>
+              <a:t>ex</a:t>
+            </a:r>
+            <a:r>
+              <a:rPr lang="pt-BR" sz="2400" dirty="0">
+                <a:latin typeface="Times New Roman" panose="02020603050405020304" pitchFamily="18" charset="0"/>
+                <a:cs typeface="Times New Roman" panose="02020603050405020304" pitchFamily="18" charset="0"/>
+              </a:rPr>
+              <a:t>: ABNT, </a:t>
+            </a:r>
+            <a:r>
+              <a:rPr lang="pt-BR" sz="2400" b="1" dirty="0">
+                <a:latin typeface="Times New Roman" panose="02020603050405020304" pitchFamily="18" charset="0"/>
+                <a:cs typeface="Times New Roman" panose="02020603050405020304" pitchFamily="18" charset="0"/>
+              </a:rPr>
+              <a:t>IEEE</a:t>
+            </a:r>
+            <a:r>
+              <a:rPr lang="pt-BR" sz="2400" dirty="0">
+                <a:latin typeface="Times New Roman" panose="02020603050405020304" pitchFamily="18" charset="0"/>
+                <a:cs typeface="Times New Roman" panose="02020603050405020304" pitchFamily="18" charset="0"/>
+              </a:rPr>
+              <a:t>, </a:t>
+            </a:r>
+            <a:r>
+              <a:rPr lang="pt-BR" sz="2400" b="1" dirty="0">
+                <a:solidFill>
+                  <a:srgbClr val="FF0000"/>
+                </a:solidFill>
+                <a:latin typeface="Times New Roman" panose="02020603050405020304" pitchFamily="18" charset="0"/>
+                <a:cs typeface="Times New Roman" panose="02020603050405020304" pitchFamily="18" charset="0"/>
+              </a:rPr>
+              <a:t>ISO</a:t>
+            </a:r>
+            <a:r>
+              <a:rPr lang="pt-BR" sz="2400" dirty="0">
+                <a:latin typeface="Times New Roman" panose="02020603050405020304" pitchFamily="18" charset="0"/>
+                <a:cs typeface="Times New Roman" panose="02020603050405020304" pitchFamily="18" charset="0"/>
+              </a:rPr>
+              <a:t>);</a:t>
+            </a:r>
+          </a:p>
+          <a:p>
+            <a:pPr algn="just"/>
+            <a:endParaRPr lang="pt-BR" sz="2400" dirty="0">
+              <a:latin typeface="Times New Roman" panose="02020603050405020304" pitchFamily="18" charset="0"/>
+              <a:cs typeface="Times New Roman" panose="02020603050405020304" pitchFamily="18" charset="0"/>
+            </a:endParaRPr>
+          </a:p>
+          <a:p>
+            <a:pPr algn="just"/>
+            <a:r>
+              <a:rPr lang="pt-BR" sz="2400" dirty="0">
+                <a:latin typeface="Times New Roman" panose="02020603050405020304" pitchFamily="18" charset="0"/>
+                <a:cs typeface="Times New Roman" panose="02020603050405020304" pitchFamily="18" charset="0"/>
+              </a:rPr>
+              <a:t>Garanta </a:t>
+            </a:r>
+            <a:r>
+              <a:rPr lang="pt-BR" sz="2400" b="1" dirty="0">
+                <a:latin typeface="Times New Roman" panose="02020603050405020304" pitchFamily="18" charset="0"/>
+                <a:cs typeface="Times New Roman" panose="02020603050405020304" pitchFamily="18" charset="0"/>
+              </a:rPr>
+              <a:t>reprodutibilidade</a:t>
+            </a:r>
+            <a:r>
+              <a:rPr lang="pt-BR" sz="2400" dirty="0">
+                <a:latin typeface="Times New Roman" panose="02020603050405020304" pitchFamily="18" charset="0"/>
+                <a:cs typeface="Times New Roman" panose="02020603050405020304" pitchFamily="18" charset="0"/>
+              </a:rPr>
+              <a:t> e testes do projeto;</a:t>
+            </a:r>
+          </a:p>
+          <a:p>
+            <a:pPr algn="just"/>
+            <a:endParaRPr lang="pt-BR" sz="2400" dirty="0">
+              <a:latin typeface="Times New Roman" panose="02020603050405020304" pitchFamily="18" charset="0"/>
+              <a:cs typeface="Times New Roman" panose="02020603050405020304" pitchFamily="18" charset="0"/>
+            </a:endParaRPr>
+          </a:p>
+          <a:p>
+            <a:pPr algn="just"/>
+            <a:r>
+              <a:rPr lang="pt-BR" sz="2400" b="1" dirty="0">
+                <a:latin typeface="Times New Roman" panose="02020603050405020304" pitchFamily="18" charset="0"/>
+                <a:cs typeface="Times New Roman" panose="02020603050405020304" pitchFamily="18" charset="0"/>
+              </a:rPr>
+              <a:t>Documente</a:t>
+            </a:r>
+            <a:r>
+              <a:rPr lang="pt-BR" sz="2400" dirty="0">
+                <a:latin typeface="Times New Roman" panose="02020603050405020304" pitchFamily="18" charset="0"/>
+                <a:cs typeface="Times New Roman" panose="02020603050405020304" pitchFamily="18" charset="0"/>
+              </a:rPr>
+              <a:t> decisões técnicas com justificativas.</a:t>
+            </a:r>
+          </a:p>
+        </p:txBody>
+      </p:sp>
+    </p:spTree>
+    <p:extLst>
+      <p:ext uri="{BB962C8B-B14F-4D97-AF65-F5344CB8AC3E}">
+        <p14:creationId xmlns:p14="http://schemas.microsoft.com/office/powerpoint/2010/main" val="870929904"/>
+      </p:ext>
+    </p:extLst>
+  </p:cSld>
+  <p:clrMapOvr>
+    <a:masterClrMapping/>
+  </p:clrMapOvr>
+  <p:transition spd="med"/>
+</p:sld>
+</file>
+
+<file path=ppt/slides/slide9.xml><?xml version="1.0" encoding="utf-8"?>
+<p:sld xmlns:a="http://schemas.openxmlformats.org/drawingml/2006/main" xmlns:r="http://schemas.openxmlformats.org/officeDocument/2006/relationships" xmlns:p="http://schemas.openxmlformats.org/presentationml/2006/main">
+  <p:cSld>
+    <p:spTree>
+      <p:nvGrpSpPr>
+        <p:cNvPr id="1" name="">
+          <a:extLst>
+            <a:ext uri="{FF2B5EF4-FFF2-40B4-BE49-F238E27FC236}">
+              <a16:creationId xmlns:a16="http://schemas.microsoft.com/office/drawing/2014/main" id="{2F0E7EAE-D9C6-D54A-1B7F-92F6A1650C50}"/>
+            </a:ext>
+          </a:extLst>
+        </p:cNvPr>
+        <p:cNvGrpSpPr/>
+        <p:nvPr/>
+      </p:nvGrpSpPr>
+      <p:grpSpPr>
+        <a:xfrm>
+          <a:off x="0" y="0"/>
+          <a:ext cx="0" cy="0"/>
+          <a:chOff x="0" y="0"/>
+          <a:chExt cx="0" cy="0"/>
+        </a:xfrm>
+      </p:grpSpPr>
+      <p:sp>
+        <p:nvSpPr>
+          <p:cNvPr id="6" name="Title 1">
+            <a:extLst>
+              <a:ext uri="{FF2B5EF4-FFF2-40B4-BE49-F238E27FC236}">
+                <a16:creationId xmlns:a16="http://schemas.microsoft.com/office/drawing/2014/main" id="{FC940675-D513-7DEF-7FF1-E3659D0EC7BA}"/>
+              </a:ext>
+            </a:extLst>
+          </p:cNvPr>
+          <p:cNvSpPr>
+            <a:spLocks noGrp="1"/>
+          </p:cNvSpPr>
+          <p:nvPr>
+            <p:ph type="title"/>
+          </p:nvPr>
+        </p:nvSpPr>
+        <p:spPr>
+          <a:xfrm>
+            <a:off x="457200" y="205980"/>
+            <a:ext cx="8229600" cy="857251"/>
+          </a:xfrm>
+        </p:spPr>
+        <p:txBody>
+          <a:bodyPr>
+            <a:normAutofit/>
+          </a:bodyPr>
+          <a:lstStyle/>
+          <a:p>
+            <a:r>
+              <a:rPr lang="en-US" b="1" dirty="0">
+                <a:solidFill>
+                  <a:srgbClr val="0070C0"/>
+                </a:solidFill>
+              </a:rPr>
+              <a:t>CLP – </a:t>
+            </a:r>
+            <a:r>
+              <a:rPr lang="en-US" b="1" dirty="0" err="1">
+                <a:solidFill>
+                  <a:srgbClr val="0070C0"/>
+                </a:solidFill>
+              </a:rPr>
+              <a:t>Estrutura</a:t>
+            </a:r>
+            <a:r>
+              <a:rPr lang="en-US" b="1" dirty="0">
+                <a:solidFill>
+                  <a:srgbClr val="0070C0"/>
+                </a:solidFill>
+              </a:rPr>
+              <a:t> dos </a:t>
+            </a:r>
+            <a:r>
+              <a:rPr lang="en-US" b="1" dirty="0" err="1">
+                <a:solidFill>
+                  <a:srgbClr val="0070C0"/>
+                </a:solidFill>
+              </a:rPr>
+              <a:t>Relatórios</a:t>
+            </a:r>
+            <a:endParaRPr lang="en-US" b="1" dirty="0">
+              <a:solidFill>
+                <a:srgbClr val="0070C0"/>
+              </a:solidFill>
+            </a:endParaRPr>
+          </a:p>
+        </p:txBody>
+      </p:sp>
+      <p:sp>
+        <p:nvSpPr>
+          <p:cNvPr id="8" name="Text Placeholder 2">
+            <a:extLst>
+              <a:ext uri="{FF2B5EF4-FFF2-40B4-BE49-F238E27FC236}">
+                <a16:creationId xmlns:a16="http://schemas.microsoft.com/office/drawing/2014/main" id="{A86459DA-E792-8FD6-7809-7E65E0B31491}"/>
+              </a:ext>
+            </a:extLst>
+          </p:cNvPr>
+          <p:cNvSpPr>
+            <a:spLocks noGrp="1"/>
+          </p:cNvSpPr>
+          <p:nvPr>
+            <p:ph type="body" sz="half" idx="1"/>
+          </p:nvPr>
+        </p:nvSpPr>
+        <p:spPr>
+          <a:xfrm>
+            <a:off x="142865" y="1035050"/>
+            <a:ext cx="8865056" cy="3994150"/>
+          </a:xfrm>
+        </p:spPr>
+        <p:txBody>
+          <a:bodyPr>
+            <a:noAutofit/>
+          </a:bodyPr>
+          <a:lstStyle/>
+          <a:p>
+            <a:pPr algn="just"/>
+            <a:r>
+              <a:rPr lang="pt-BR" sz="2400" dirty="0">
+                <a:latin typeface="Times New Roman" panose="02020603050405020304" pitchFamily="18" charset="0"/>
+                <a:cs typeface="Times New Roman" panose="02020603050405020304" pitchFamily="18" charset="0"/>
+              </a:rPr>
+              <a:t>Capa, resumo, sumário;</a:t>
+            </a:r>
+          </a:p>
+          <a:p>
+            <a:pPr algn="just"/>
+            <a:endParaRPr lang="pt-BR" sz="2400" dirty="0">
+              <a:latin typeface="Times New Roman" panose="02020603050405020304" pitchFamily="18" charset="0"/>
+              <a:cs typeface="Times New Roman" panose="02020603050405020304" pitchFamily="18" charset="0"/>
+            </a:endParaRPr>
+          </a:p>
+          <a:p>
+            <a:pPr algn="just"/>
+            <a:r>
+              <a:rPr lang="pt-BR" sz="2400" dirty="0">
+                <a:latin typeface="Times New Roman" panose="02020603050405020304" pitchFamily="18" charset="0"/>
+                <a:cs typeface="Times New Roman" panose="02020603050405020304" pitchFamily="18" charset="0"/>
+              </a:rPr>
+              <a:t>Introdução, objetivos, fundamentação teórica;</a:t>
+            </a:r>
+          </a:p>
+          <a:p>
+            <a:pPr algn="just"/>
+            <a:endParaRPr lang="pt-BR" sz="2400" dirty="0">
+              <a:latin typeface="Times New Roman" panose="02020603050405020304" pitchFamily="18" charset="0"/>
+              <a:cs typeface="Times New Roman" panose="02020603050405020304" pitchFamily="18" charset="0"/>
+            </a:endParaRPr>
+          </a:p>
+          <a:p>
+            <a:pPr algn="just"/>
+            <a:r>
+              <a:rPr lang="pt-BR" sz="2400" dirty="0">
+                <a:latin typeface="Times New Roman" panose="02020603050405020304" pitchFamily="18" charset="0"/>
+                <a:cs typeface="Times New Roman" panose="02020603050405020304" pitchFamily="18" charset="0"/>
+              </a:rPr>
+              <a:t>Metodologia, resultados, conclusões;</a:t>
+            </a:r>
+          </a:p>
+          <a:p>
+            <a:pPr algn="just"/>
+            <a:endParaRPr lang="pt-BR" sz="2400" dirty="0">
+              <a:latin typeface="Times New Roman" panose="02020603050405020304" pitchFamily="18" charset="0"/>
+              <a:cs typeface="Times New Roman" panose="02020603050405020304" pitchFamily="18" charset="0"/>
+            </a:endParaRPr>
+          </a:p>
+          <a:p>
+            <a:pPr algn="just"/>
+            <a:r>
+              <a:rPr lang="pt-BR" sz="2400" dirty="0">
+                <a:latin typeface="Times New Roman" panose="02020603050405020304" pitchFamily="18" charset="0"/>
+                <a:cs typeface="Times New Roman" panose="02020603050405020304" pitchFamily="18" charset="0"/>
+              </a:rPr>
+              <a:t>Referências bibliográficas, apêndices e anexos.</a:t>
+            </a:r>
+          </a:p>
+        </p:txBody>
+      </p:sp>
+    </p:spTree>
+    <p:extLst>
+      <p:ext uri="{BB962C8B-B14F-4D97-AF65-F5344CB8AC3E}">
+        <p14:creationId xmlns:p14="http://schemas.microsoft.com/office/powerpoint/2010/main" val="1540810007"/>
+      </p:ext>
+    </p:extLst>
   </p:cSld>
   <p:clrMapOvr>
     <a:masterClrMapping/>

--- a/01 Classes/Aula10 - CLP - Recomendações Projetos Supervisórios.pptx
+++ b/01 Classes/Aula10 - CLP - Recomendações Projetos Supervisórios.pptx
@@ -5104,7 +5104,21 @@
                 <a:latin typeface="Times New Roman" panose="02020603050405020304" pitchFamily="18" charset="0"/>
                 <a:cs typeface="Times New Roman" panose="02020603050405020304" pitchFamily="18" charset="0"/>
               </a:rPr>
-              <a:t>Seja claro e objetivo;</a:t>
+              <a:t>Seja </a:t>
+            </a:r>
+            <a:r>
+              <a:rPr lang="pt-BR" sz="2400" b="1" dirty="0">
+                <a:latin typeface="Times New Roman" panose="02020603050405020304" pitchFamily="18" charset="0"/>
+                <a:cs typeface="Times New Roman" panose="02020603050405020304" pitchFamily="18" charset="0"/>
+              </a:rPr>
+              <a:t>claro e objetivo</a:t>
+            </a:r>
+            <a:r>
+              <a:rPr lang="pt-BR" sz="2400" dirty="0">
+                <a:latin typeface="Times New Roman" panose="02020603050405020304" pitchFamily="18" charset="0"/>
+                <a:cs typeface="Times New Roman" panose="02020603050405020304" pitchFamily="18" charset="0"/>
+              </a:rPr>
+              <a:t>;</a:t>
             </a:r>
           </a:p>
           <a:p>
@@ -5117,11 +5131,21 @@
           <a:p>
             <a:pPr algn="just"/>
             <a:r>
+              <a:rPr lang="pt-BR" sz="2400" b="1" dirty="0">
+                <a:solidFill>
+                  <a:srgbClr val="FF0000"/>
+                </a:solidFill>
+                <a:latin typeface="Times New Roman" panose="02020603050405020304" pitchFamily="18" charset="0"/>
+                <a:cs typeface="Times New Roman" panose="02020603050405020304" pitchFamily="18" charset="0"/>
+              </a:rPr>
+              <a:t>Evite plágio </a:t>
+            </a:r>
+            <a:r>
               <a:rPr lang="pt-BR" sz="2400" dirty="0">
                 <a:latin typeface="Times New Roman" panose="02020603050405020304" pitchFamily="18" charset="0"/>
                 <a:cs typeface="Times New Roman" panose="02020603050405020304" pitchFamily="18" charset="0"/>
               </a:rPr>
-              <a:t>Evite plágio (cite corretamente </a:t>
+              <a:t>(cite corretamente, </a:t>
             </a:r>
             <a:r>
               <a:rPr lang="pt-BR" sz="2400" b="1" dirty="0">
@@ -5152,7 +5176,21 @@
                 <a:latin typeface="Times New Roman" panose="02020603050405020304" pitchFamily="18" charset="0"/>
                 <a:cs typeface="Times New Roman" panose="02020603050405020304" pitchFamily="18" charset="0"/>
               </a:rPr>
-              <a:t>Use normas da ABNT ou da instituição.</a:t>
+              <a:t>Use </a:t>
+            </a:r>
+            <a:r>
+              <a:rPr lang="pt-BR" sz="2400" b="1" dirty="0">
+                <a:latin typeface="Times New Roman" panose="02020603050405020304" pitchFamily="18" charset="0"/>
+                <a:cs typeface="Times New Roman" panose="02020603050405020304" pitchFamily="18" charset="0"/>
+              </a:rPr>
+              <a:t>normas da ABNT </a:t>
+            </a:r>
+            <a:r>
+              <a:rPr lang="pt-BR" sz="2400" dirty="0">
+                <a:latin typeface="Times New Roman" panose="02020603050405020304" pitchFamily="18" charset="0"/>
+                <a:cs typeface="Times New Roman" panose="02020603050405020304" pitchFamily="18" charset="0"/>
+              </a:rPr>
+              <a:t>ou da Instituição.</a:t>
             </a:r>
           </a:p>
           <a:p>
@@ -5308,11 +5346,28 @@
           <a:p>
             <a:pPr algn="just"/>
             <a:r>
+              <a:rPr lang="pt-BR" sz="2400" b="1" dirty="0">
+                <a:latin typeface="Times New Roman" panose="02020603050405020304" pitchFamily="18" charset="0"/>
+                <a:cs typeface="Times New Roman" panose="02020603050405020304" pitchFamily="18" charset="0"/>
+              </a:rPr>
+              <a:t>Elabore slides </a:t>
+            </a:r>
+            <a:r>
+              <a:rPr lang="pt-BR" sz="2400" b="1" dirty="0">
+                <a:solidFill>
+                  <a:srgbClr val="FF0000"/>
+                </a:solidFill>
+                <a:latin typeface="Times New Roman" panose="02020603050405020304" pitchFamily="18" charset="0"/>
+                <a:cs typeface="Times New Roman" panose="02020603050405020304" pitchFamily="18" charset="0"/>
+              </a:rPr>
+              <a:t>claros e objetivos</a:t>
+            </a:r>
+            <a:r>
               <a:rPr lang="pt-BR" sz="2400" dirty="0">
                 <a:latin typeface="Times New Roman" panose="02020603050405020304" pitchFamily="18" charset="0"/>
                 <a:cs typeface="Times New Roman" panose="02020603050405020304" pitchFamily="18" charset="0"/>
               </a:rPr>
-              <a:t>Elabore slides claros e objetivos;</a:t>
+              <a:t>;</a:t>
             </a:r>
           </a:p>
           <a:p>
@@ -5325,11 +5380,35 @@
           <a:p>
             <a:pPr algn="just"/>
             <a:r>
+              <a:rPr lang="pt-BR" sz="2400" b="1" dirty="0">
+                <a:latin typeface="Times New Roman" panose="02020603050405020304" pitchFamily="18" charset="0"/>
+                <a:cs typeface="Times New Roman" panose="02020603050405020304" pitchFamily="18" charset="0"/>
+              </a:rPr>
+              <a:t>Pratique a oratória</a:t>
+            </a:r>
+            <a:r>
               <a:rPr lang="pt-BR" sz="2400" dirty="0">
                 <a:latin typeface="Times New Roman" panose="02020603050405020304" pitchFamily="18" charset="0"/>
                 <a:cs typeface="Times New Roman" panose="02020603050405020304" pitchFamily="18" charset="0"/>
               </a:rPr>
-              <a:t>Pratique a oratória: postura, voz e tempo;</a:t>
+              <a:t>: </a:t>
+            </a:r>
+            <a:r>
+              <a:rPr lang="pt-BR" sz="2400" b="1" dirty="0">
+                <a:solidFill>
+                  <a:srgbClr val="FF0000"/>
+                </a:solidFill>
+                <a:latin typeface="Times New Roman" panose="02020603050405020304" pitchFamily="18" charset="0"/>
+                <a:cs typeface="Times New Roman" panose="02020603050405020304" pitchFamily="18" charset="0"/>
+              </a:rPr>
+              <a:t>postura, voz e tempo</a:t>
+            </a:r>
+            <a:r>
+              <a:rPr lang="pt-BR" sz="2400" dirty="0">
+                <a:latin typeface="Times New Roman" panose="02020603050405020304" pitchFamily="18" charset="0"/>
+                <a:cs typeface="Times New Roman" panose="02020603050405020304" pitchFamily="18" charset="0"/>
+              </a:rPr>
+              <a:t>;</a:t>
             </a:r>
           </a:p>
           <a:p>
@@ -5342,11 +5421,18 @@
           <a:p>
             <a:pPr algn="just"/>
             <a:r>
+              <a:rPr lang="pt-BR" sz="2400" b="1" dirty="0">
+                <a:latin typeface="Times New Roman" panose="02020603050405020304" pitchFamily="18" charset="0"/>
+                <a:cs typeface="Times New Roman" panose="02020603050405020304" pitchFamily="18" charset="0"/>
+              </a:rPr>
+              <a:t>Use protótipos, vídeos </a:t>
+            </a:r>
+            <a:r>
               <a:rPr lang="pt-BR" sz="2400" dirty="0">
                 <a:latin typeface="Times New Roman" panose="02020603050405020304" pitchFamily="18" charset="0"/>
                 <a:cs typeface="Times New Roman" panose="02020603050405020304" pitchFamily="18" charset="0"/>
               </a:rPr>
-              <a:t>Use protótipos, vídeos ou demonstrações se possível.</a:t>
+              <a:t>ou demonstrações se possível.</a:t>
             </a:r>
           </a:p>
           <a:p>
@@ -6472,11 +6558,35 @@
               <a:buNone/>
             </a:pPr>
             <a:r>
+              <a:rPr lang="pt-BR" sz="2200" b="1" dirty="0">
+                <a:latin typeface="Times New Roman" panose="02020603050405020304" pitchFamily="18" charset="0"/>
+                <a:cs typeface="Times New Roman" panose="02020603050405020304" pitchFamily="18" charset="0"/>
+              </a:rPr>
+              <a:t>Projetos bem-sucedidos </a:t>
+            </a:r>
+            <a:r>
               <a:rPr lang="pt-BR" sz="2200" dirty="0">
                 <a:latin typeface="Times New Roman" panose="02020603050405020304" pitchFamily="18" charset="0"/>
                 <a:cs typeface="Times New Roman" panose="02020603050405020304" pitchFamily="18" charset="0"/>
               </a:rPr>
-              <a:t>Projetos bem-sucedidos são fruto de organização e colaboração.</a:t>
+              <a:t>são fruto de </a:t>
+            </a:r>
+            <a:r>
+              <a:rPr lang="pt-BR" sz="2200" b="1" dirty="0">
+                <a:solidFill>
+                  <a:srgbClr val="FF0000"/>
+                </a:solidFill>
+                <a:latin typeface="Times New Roman" panose="02020603050405020304" pitchFamily="18" charset="0"/>
+                <a:cs typeface="Times New Roman" panose="02020603050405020304" pitchFamily="18" charset="0"/>
+              </a:rPr>
+              <a:t>organização e colaboração</a:t>
+            </a:r>
+            <a:r>
+              <a:rPr lang="pt-BR" sz="2200" dirty="0">
+                <a:latin typeface="Times New Roman" panose="02020603050405020304" pitchFamily="18" charset="0"/>
+                <a:cs typeface="Times New Roman" panose="02020603050405020304" pitchFamily="18" charset="0"/>
+              </a:rPr>
+              <a:t>.</a:t>
             </a:r>
           </a:p>
           <a:p>
@@ -6497,7 +6607,38 @@
                 <a:latin typeface="Times New Roman" panose="02020603050405020304" pitchFamily="18" charset="0"/>
                 <a:cs typeface="Times New Roman" panose="02020603050405020304" pitchFamily="18" charset="0"/>
               </a:rPr>
-              <a:t>Usem as recomendações como guia ao longo do projeto.</a:t>
+              <a:t>Usem as </a:t>
+            </a:r>
+            <a:r>
+              <a:rPr lang="pt-BR" sz="2200" b="1" dirty="0">
+                <a:latin typeface="Times New Roman" panose="02020603050405020304" pitchFamily="18" charset="0"/>
+                <a:cs typeface="Times New Roman" panose="02020603050405020304" pitchFamily="18" charset="0"/>
+              </a:rPr>
+              <a:t>recomendações</a:t>
+            </a:r>
+            <a:r>
+              <a:rPr lang="pt-BR" sz="2200" dirty="0">
+                <a:latin typeface="Times New Roman" panose="02020603050405020304" pitchFamily="18" charset="0"/>
+                <a:cs typeface="Times New Roman" panose="02020603050405020304" pitchFamily="18" charset="0"/>
+              </a:rPr>
+              <a:t> como </a:t>
+            </a:r>
+            <a:r>
+              <a:rPr lang="pt-BR" sz="2200" b="1" dirty="0">
+                <a:solidFill>
+                  <a:srgbClr val="FF0000"/>
+                </a:solidFill>
+                <a:latin typeface="Times New Roman" panose="02020603050405020304" pitchFamily="18" charset="0"/>
+                <a:cs typeface="Times New Roman" panose="02020603050405020304" pitchFamily="18" charset="0"/>
+              </a:rPr>
+              <a:t>guia ao longo do projeto</a:t>
+            </a:r>
+            <a:r>
+              <a:rPr lang="pt-BR" sz="2200" dirty="0">
+                <a:latin typeface="Times New Roman" panose="02020603050405020304" pitchFamily="18" charset="0"/>
+                <a:cs typeface="Times New Roman" panose="02020603050405020304" pitchFamily="18" charset="0"/>
+              </a:rPr>
+              <a:t>.</a:t>
             </a:r>
           </a:p>
           <a:p>
@@ -6580,7 +6721,52 @@
                 <a:latin typeface="Times New Roman" panose="02020603050405020304" pitchFamily="18" charset="0"/>
                 <a:cs typeface="Times New Roman" panose="02020603050405020304" pitchFamily="18" charset="0"/>
               </a:rPr>
-              <a:t> exige mais rigor científico e teórico, focando em pesquisa e escrita acadêmica.</a:t>
+              <a:t> exige mais </a:t>
+            </a:r>
+            <a:r>
+              <a:rPr lang="pt-BR" sz="2200" b="1" dirty="0">
+                <a:latin typeface="Times New Roman" panose="02020603050405020304" pitchFamily="18" charset="0"/>
+                <a:cs typeface="Times New Roman" panose="02020603050405020304" pitchFamily="18" charset="0"/>
+              </a:rPr>
+              <a:t>rigor</a:t>
+            </a:r>
+            <a:r>
+              <a:rPr lang="pt-BR" sz="2200" dirty="0">
+                <a:latin typeface="Times New Roman" panose="02020603050405020304" pitchFamily="18" charset="0"/>
+                <a:cs typeface="Times New Roman" panose="02020603050405020304" pitchFamily="18" charset="0"/>
+              </a:rPr>
+              <a:t> </a:t>
+            </a:r>
+            <a:r>
+              <a:rPr lang="pt-BR" sz="2200" b="1" dirty="0">
+                <a:solidFill>
+                  <a:srgbClr val="FF0000"/>
+                </a:solidFill>
+                <a:latin typeface="Times New Roman" panose="02020603050405020304" pitchFamily="18" charset="0"/>
+                <a:cs typeface="Times New Roman" panose="02020603050405020304" pitchFamily="18" charset="0"/>
+              </a:rPr>
+              <a:t>científico e teórico</a:t>
+            </a:r>
+            <a:r>
+              <a:rPr lang="pt-BR" sz="2200" dirty="0">
+                <a:latin typeface="Times New Roman" panose="02020603050405020304" pitchFamily="18" charset="0"/>
+                <a:cs typeface="Times New Roman" panose="02020603050405020304" pitchFamily="18" charset="0"/>
+              </a:rPr>
+              <a:t>, focando em </a:t>
+            </a:r>
+            <a:r>
+              <a:rPr lang="pt-BR" sz="2200" b="1" dirty="0">
+                <a:latin typeface="Times New Roman" panose="02020603050405020304" pitchFamily="18" charset="0"/>
+                <a:cs typeface="Times New Roman" panose="02020603050405020304" pitchFamily="18" charset="0"/>
+              </a:rPr>
+              <a:t>pesquisa e escrita acadêmica</a:t>
+            </a:r>
+            <a:r>
+              <a:rPr lang="pt-BR" sz="2200" dirty="0">
+                <a:latin typeface="Times New Roman" panose="02020603050405020304" pitchFamily="18" charset="0"/>
+                <a:cs typeface="Times New Roman" panose="02020603050405020304" pitchFamily="18" charset="0"/>
+              </a:rPr>
+              <a:t>.</a:t>
             </a:r>
           </a:p>
         </p:txBody>
@@ -9959,7 +10145,24 @@
                 <a:latin typeface="Times New Roman" panose="02020603050405020304" pitchFamily="18" charset="0"/>
                 <a:cs typeface="Times New Roman" panose="02020603050405020304" pitchFamily="18" charset="0"/>
               </a:rPr>
-              <a:t>e objetivos mensuráveis;</a:t>
+              <a:t>e </a:t>
+            </a:r>
+            <a:r>
+              <a:rPr lang="pt-BR" sz="2200" b="1" dirty="0">
+                <a:solidFill>
+                  <a:srgbClr val="FF0000"/>
+                </a:solidFill>
+                <a:latin typeface="Times New Roman" panose="02020603050405020304" pitchFamily="18" charset="0"/>
+                <a:cs typeface="Times New Roman" panose="02020603050405020304" pitchFamily="18" charset="0"/>
+              </a:rPr>
+              <a:t>objetivos mensuráveis</a:t>
+            </a:r>
+            <a:r>
+              <a:rPr lang="pt-BR" sz="2200" dirty="0">
+                <a:latin typeface="Times New Roman" panose="02020603050405020304" pitchFamily="18" charset="0"/>
+                <a:cs typeface="Times New Roman" panose="02020603050405020304" pitchFamily="18" charset="0"/>
+              </a:rPr>
+              <a:t>;</a:t>
             </a:r>
           </a:p>
           <a:p>
@@ -10024,21 +10227,34 @@
                 <a:latin typeface="Times New Roman" panose="02020603050405020304" pitchFamily="18" charset="0"/>
                 <a:cs typeface="Times New Roman" panose="02020603050405020304" pitchFamily="18" charset="0"/>
               </a:rPr>
-              <a:t> (uso de ferramentas como </a:t>
-            </a:r>
-            <a:r>
-              <a:rPr lang="pt-BR" sz="2200" dirty="0" err="1">
+              <a:t> (uso de ferramentas: </a:t>
+            </a:r>
+            <a:r>
+              <a:rPr lang="pt-BR" sz="2200" b="1" dirty="0" err="1">
+                <a:solidFill>
+                  <a:srgbClr val="FF0000"/>
+                </a:solidFill>
                 <a:latin typeface="Times New Roman" panose="02020603050405020304" pitchFamily="18" charset="0"/>
                 <a:cs typeface="Times New Roman" panose="02020603050405020304" pitchFamily="18" charset="0"/>
               </a:rPr>
               <a:t>Gantt</a:t>
             </a:r>
             <a:r>
+              <a:rPr lang="pt-BR" sz="2200" b="1" dirty="0">
+                <a:solidFill>
+                  <a:srgbClr val="FF0000"/>
+                </a:solidFill>
+                <a:latin typeface="Times New Roman" panose="02020603050405020304" pitchFamily="18" charset="0"/>
+                <a:cs typeface="Times New Roman" panose="02020603050405020304" pitchFamily="18" charset="0"/>
+              </a:rPr>
+              <a:t>; MS Project</a:t>
+            </a:r>
+            <a:r>
               <a:rPr lang="pt-BR" sz="2200" dirty="0">
                 <a:latin typeface="Times New Roman" panose="02020603050405020304" pitchFamily="18" charset="0"/>
                 <a:cs typeface="Times New Roman" panose="02020603050405020304" pitchFamily="18" charset="0"/>
               </a:rPr>
-              <a:t>; MS Project);</a:t>
+              <a:t>);</a:t>
             </a:r>
           </a:p>
           <a:p>
@@ -10456,11 +10672,18 @@
           <a:p>
             <a:pPr algn="just"/>
             <a:r>
+              <a:rPr lang="pt-BR" sz="2400" b="1" dirty="0">
+                <a:latin typeface="Times New Roman" panose="02020603050405020304" pitchFamily="18" charset="0"/>
+                <a:cs typeface="Times New Roman" panose="02020603050405020304" pitchFamily="18" charset="0"/>
+              </a:rPr>
+              <a:t>Requisitos funcionais </a:t>
+            </a:r>
+            <a:r>
               <a:rPr lang="pt-BR" sz="2400" dirty="0">
                 <a:latin typeface="Times New Roman" panose="02020603050405020304" pitchFamily="18" charset="0"/>
                 <a:cs typeface="Times New Roman" panose="02020603050405020304" pitchFamily="18" charset="0"/>
               </a:rPr>
-              <a:t>Requisitos funcionais: o que o sistema faz;</a:t>
+              <a:t>- RN: o que o sistema faz;</a:t>
             </a:r>
           </a:p>
           <a:p>
@@ -10473,11 +10696,21 @@
           <a:p>
             <a:pPr algn="just"/>
             <a:r>
+              <a:rPr lang="pt-BR" sz="2400" b="1" dirty="0">
+                <a:solidFill>
+                  <a:srgbClr val="FF0000"/>
+                </a:solidFill>
+                <a:latin typeface="Times New Roman" panose="02020603050405020304" pitchFamily="18" charset="0"/>
+                <a:cs typeface="Times New Roman" panose="02020603050405020304" pitchFamily="18" charset="0"/>
+              </a:rPr>
+              <a:t>Requisitos não funcionais </a:t>
+            </a:r>
+            <a:r>
               <a:rPr lang="pt-BR" sz="2400" dirty="0">
                 <a:latin typeface="Times New Roman" panose="02020603050405020304" pitchFamily="18" charset="0"/>
                 <a:cs typeface="Times New Roman" panose="02020603050405020304" pitchFamily="18" charset="0"/>
               </a:rPr>
-              <a:t>Requisitos não funcionais: desempenho, segurança, etc.;</a:t>
+              <a:t>- RNF: desempenho, segurança, etc.;</a:t>
             </a:r>
           </a:p>
           <a:p>
@@ -10490,11 +10723,18 @@
           <a:p>
             <a:pPr algn="just"/>
             <a:r>
+              <a:rPr lang="pt-BR" sz="2400" b="1" dirty="0">
+                <a:latin typeface="Times New Roman" panose="02020603050405020304" pitchFamily="18" charset="0"/>
+                <a:cs typeface="Times New Roman" panose="02020603050405020304" pitchFamily="18" charset="0"/>
+              </a:rPr>
+              <a:t>Escolha das tecnologias</a:t>
+            </a:r>
+            <a:r>
               <a:rPr lang="pt-BR" sz="2400" dirty="0">
                 <a:latin typeface="Times New Roman" panose="02020603050405020304" pitchFamily="18" charset="0"/>
                 <a:cs typeface="Times New Roman" panose="02020603050405020304" pitchFamily="18" charset="0"/>
               </a:rPr>
-              <a:t>Escolha das tecnologias: ferramentas, linguagens, etc.</a:t>
+              <a:t>: ferramentas, linguagens, etc.</a:t>
             </a:r>
           </a:p>
         </p:txBody>

--- a/01 Classes/Aula10 - CLP - Recomendações Projetos Supervisórios.pptx
+++ b/01 Classes/Aula10 - CLP - Recomendações Projetos Supervisórios.pptx
@@ -6565,11 +6565,18 @@
               <a:t>Projetos bem-sucedidos </a:t>
             </a:r>
             <a:r>
+              <a:rPr lang="pt-BR" sz="2200">
+                <a:latin typeface="Times New Roman" panose="02020603050405020304" pitchFamily="18" charset="0"/>
+                <a:cs typeface="Times New Roman" panose="02020603050405020304" pitchFamily="18" charset="0"/>
+              </a:rPr>
+              <a:t>são frutos </a:t>
+            </a:r>
+            <a:r>
               <a:rPr lang="pt-BR" sz="2200" dirty="0">
                 <a:latin typeface="Times New Roman" panose="02020603050405020304" pitchFamily="18" charset="0"/>
                 <a:cs typeface="Times New Roman" panose="02020603050405020304" pitchFamily="18" charset="0"/>
               </a:rPr>
-              <a:t>são fruto de </a:t>
+              <a:t>de </a:t>
             </a:r>
             <a:r>
               <a:rPr lang="pt-BR" sz="2200" b="1" dirty="0">
